--- a/Vortrag/BA_Niko_Benkler_Presentation.pptx
+++ b/Vortrag/BA_Niko_Benkler_Presentation.pptx
@@ -5,10 +5,10 @@
     <p:sldMasterId id="2147483648" r:id="rId1"/>
   </p:sldMasterIdLst>
   <p:notesMasterIdLst>
-    <p:notesMasterId r:id="rId28"/>
+    <p:notesMasterId r:id="rId25"/>
   </p:notesMasterIdLst>
   <p:handoutMasterIdLst>
-    <p:handoutMasterId r:id="rId29"/>
+    <p:handoutMasterId r:id="rId26"/>
   </p:handoutMasterIdLst>
   <p:sldIdLst>
     <p:sldId id="264" r:id="rId2"/>
@@ -24,19 +24,16 @@
     <p:sldId id="275" r:id="rId12"/>
     <p:sldId id="276" r:id="rId13"/>
     <p:sldId id="277" r:id="rId14"/>
-    <p:sldId id="278" r:id="rId15"/>
+    <p:sldId id="280" r:id="rId15"/>
     <p:sldId id="279" r:id="rId16"/>
-    <p:sldId id="280" r:id="rId17"/>
+    <p:sldId id="278" r:id="rId17"/>
     <p:sldId id="283" r:id="rId18"/>
     <p:sldId id="281" r:id="rId19"/>
     <p:sldId id="282" r:id="rId20"/>
     <p:sldId id="284" r:id="rId21"/>
     <p:sldId id="285" r:id="rId22"/>
-    <p:sldId id="287" r:id="rId23"/>
-    <p:sldId id="288" r:id="rId24"/>
-    <p:sldId id="289" r:id="rId25"/>
-    <p:sldId id="274" r:id="rId26"/>
-    <p:sldId id="266" r:id="rId27"/>
+    <p:sldId id="274" r:id="rId23"/>
+    <p:sldId id="266" r:id="rId24"/>
   </p:sldIdLst>
   <p:sldSz cx="12192000" cy="6858000"/>
   <p:notesSz cx="6858000" cy="9144000"/>
@@ -4589,21 +4586,36 @@
         </p:nvSpPr>
         <p:spPr>
           <a:xfrm>
-            <a:off x="524933" y="1083873"/>
-            <a:ext cx="11142133" cy="4782683"/>
+            <a:off x="524933" y="765791"/>
+            <a:ext cx="2707953" cy="5171742"/>
           </a:xfrm>
         </p:spPr>
         <p:txBody>
           <a:bodyPr/>
           <a:lstStyle/>
           <a:p>
+            <a:pPr marL="0" indent="0">
+              <a:buNone/>
+            </a:pPr>
+            <a:endParaRPr lang="de-DE" sz="2000" dirty="0"/>
+          </a:p>
+          <a:p>
+            <a:r>
+              <a:rPr lang="de-DE" sz="2000" dirty="0"/>
+              <a:t>Delete Data Objects and </a:t>
+            </a:r>
             <a:r>
               <a:rPr lang="de-DE" sz="2000" dirty="0" err="1"/>
-              <a:t>Bla</a:t>
-            </a:r>
-            <a:endParaRPr lang="de-DE" sz="2000" dirty="0"/>
-          </a:p>
-          <a:p>
+              <a:t>accompanying</a:t>
+            </a:r>
+            <a:r>
+              <a:rPr lang="de-DE" sz="2000" dirty="0"/>
+              <a:t> </a:t>
+            </a:r>
+            <a:r>
+              <a:rPr lang="de-DE" sz="2000" dirty="0" err="1"/>
+              <a:t>associations</a:t>
+            </a:r>
             <a:endParaRPr lang="de-DE" sz="2000" dirty="0"/>
           </a:p>
         </p:txBody>
@@ -5224,6 +5236,136 @@
           </p:txBody>
         </p:sp>
       </p:grpSp>
+      <p:pic>
+        <p:nvPicPr>
+          <p:cNvPr id="2" name="Grafik 1">
+            <a:extLst>
+              <a:ext uri="{FF2B5EF4-FFF2-40B4-BE49-F238E27FC236}">
+                <a16:creationId xmlns:a16="http://schemas.microsoft.com/office/drawing/2014/main" id="{9FB4D310-D19D-46C4-8296-15BAA7D66825}"/>
+              </a:ext>
+            </a:extLst>
+          </p:cNvPr>
+          <p:cNvPicPr>
+            <a:picLocks noChangeAspect="1"/>
+          </p:cNvPicPr>
+          <p:nvPr/>
+        </p:nvPicPr>
+        <p:blipFill>
+          <a:blip r:embed="rId2"/>
+          <a:stretch>
+            <a:fillRect/>
+          </a:stretch>
+        </p:blipFill>
+        <p:spPr>
+          <a:xfrm>
+            <a:off x="5040414" y="1036769"/>
+            <a:ext cx="6220081" cy="1530239"/>
+          </a:xfrm>
+          <a:prstGeom prst="rect">
+            <a:avLst/>
+          </a:prstGeom>
+        </p:spPr>
+      </p:pic>
+      <p:pic>
+        <p:nvPicPr>
+          <p:cNvPr id="3" name="Grafik 2">
+            <a:extLst>
+              <a:ext uri="{FF2B5EF4-FFF2-40B4-BE49-F238E27FC236}">
+                <a16:creationId xmlns:a16="http://schemas.microsoft.com/office/drawing/2014/main" id="{0FC8EC8C-9F7D-4E3D-9FFA-24D740E2345F}"/>
+              </a:ext>
+            </a:extLst>
+          </p:cNvPr>
+          <p:cNvPicPr>
+            <a:picLocks noChangeAspect="1"/>
+          </p:cNvPicPr>
+          <p:nvPr/>
+        </p:nvPicPr>
+        <p:blipFill>
+          <a:blip r:embed="rId3"/>
+          <a:stretch>
+            <a:fillRect/>
+          </a:stretch>
+        </p:blipFill>
+        <p:spPr>
+          <a:xfrm>
+            <a:off x="2422262" y="2799087"/>
+            <a:ext cx="9187861" cy="2155863"/>
+          </a:xfrm>
+          <a:prstGeom prst="rect">
+            <a:avLst/>
+          </a:prstGeom>
+        </p:spPr>
+      </p:pic>
+      <p:sp>
+        <p:nvSpPr>
+          <p:cNvPr id="17" name="Textfeld 16">
+            <a:extLst>
+              <a:ext uri="{FF2B5EF4-FFF2-40B4-BE49-F238E27FC236}">
+                <a16:creationId xmlns:a16="http://schemas.microsoft.com/office/drawing/2014/main" id="{6BA09A67-40D2-416D-9933-A9FC204D3152}"/>
+              </a:ext>
+            </a:extLst>
+          </p:cNvPr>
+          <p:cNvSpPr txBox="1"/>
+          <p:nvPr/>
+        </p:nvSpPr>
+        <p:spPr>
+          <a:xfrm>
+            <a:off x="3917794" y="1893803"/>
+            <a:ext cx="1233771" cy="369332"/>
+          </a:xfrm>
+          <a:prstGeom prst="rect">
+            <a:avLst/>
+          </a:prstGeom>
+          <a:noFill/>
+        </p:spPr>
+        <p:txBody>
+          <a:bodyPr wrap="square" rtlCol="0">
+            <a:spAutoFit/>
+          </a:bodyPr>
+          <a:lstStyle/>
+          <a:p>
+            <a:r>
+              <a:rPr lang="en-GB" dirty="0"/>
+              <a:t>Original:</a:t>
+            </a:r>
+          </a:p>
+        </p:txBody>
+      </p:sp>
+      <p:sp>
+        <p:nvSpPr>
+          <p:cNvPr id="20" name="Textfeld 19">
+            <a:extLst>
+              <a:ext uri="{FF2B5EF4-FFF2-40B4-BE49-F238E27FC236}">
+                <a16:creationId xmlns:a16="http://schemas.microsoft.com/office/drawing/2014/main" id="{1256190E-CE9F-4F48-831C-27EA4F6EACEE}"/>
+              </a:ext>
+            </a:extLst>
+          </p:cNvPr>
+          <p:cNvSpPr txBox="1"/>
+          <p:nvPr/>
+        </p:nvSpPr>
+        <p:spPr>
+          <a:xfrm>
+            <a:off x="759811" y="3723398"/>
+            <a:ext cx="1536231" cy="646331"/>
+          </a:xfrm>
+          <a:prstGeom prst="rect">
+            <a:avLst/>
+          </a:prstGeom>
+          <a:noFill/>
+        </p:spPr>
+        <p:txBody>
+          <a:bodyPr wrap="square" rtlCol="0">
+            <a:spAutoFit/>
+          </a:bodyPr>
+          <a:lstStyle/>
+          <a:p>
+            <a:r>
+              <a:rPr lang="en-GB" dirty="0"/>
+              <a:t>Extracted Control Flow:</a:t>
+            </a:r>
+          </a:p>
+        </p:txBody>
+      </p:sp>
     </p:spTree>
     <p:extLst>
       <p:ext uri="{BB962C8B-B14F-4D97-AF65-F5344CB8AC3E}">
@@ -5254,6 +5396,36 @@
           <a:chExt cx="0" cy="0"/>
         </a:xfrm>
       </p:grpSpPr>
+      <p:pic>
+        <p:nvPicPr>
+          <p:cNvPr id="3" name="Grafik 2">
+            <a:extLst>
+              <a:ext uri="{FF2B5EF4-FFF2-40B4-BE49-F238E27FC236}">
+                <a16:creationId xmlns:a16="http://schemas.microsoft.com/office/drawing/2014/main" id="{B39C4EDD-C421-421B-BC37-0D7917A1CE73}"/>
+              </a:ext>
+            </a:extLst>
+          </p:cNvPr>
+          <p:cNvPicPr>
+            <a:picLocks noChangeAspect="1"/>
+          </p:cNvPicPr>
+          <p:nvPr/>
+        </p:nvPicPr>
+        <p:blipFill>
+          <a:blip r:embed="rId2"/>
+          <a:stretch>
+            <a:fillRect/>
+          </a:stretch>
+        </p:blipFill>
+        <p:spPr>
+          <a:xfrm>
+            <a:off x="5231904" y="1005656"/>
+            <a:ext cx="6782510" cy="2202492"/>
+          </a:xfrm>
+          <a:prstGeom prst="rect">
+            <a:avLst/>
+          </a:prstGeom>
+        </p:spPr>
+      </p:pic>
       <p:sp>
         <p:nvSpPr>
           <p:cNvPr id="29698" name="Rectangle 2"/>
@@ -5288,22 +5460,65 @@
         </p:nvSpPr>
         <p:spPr>
           <a:xfrm>
-            <a:off x="524933" y="1083873"/>
-            <a:ext cx="11142133" cy="4782683"/>
+            <a:off x="354715" y="687462"/>
+            <a:ext cx="3869078" cy="4782683"/>
           </a:xfrm>
         </p:spPr>
         <p:txBody>
           <a:bodyPr/>
           <a:lstStyle/>
           <a:p>
-            <a:r>
-              <a:rPr lang="de-DE" sz="2000" dirty="0" err="1"/>
-              <a:t>Bla</a:t>
-            </a:r>
-            <a:endParaRPr lang="de-DE" sz="2000" dirty="0"/>
-          </a:p>
-          <a:p>
-            <a:endParaRPr lang="de-DE" sz="2000" dirty="0"/>
+            <a:pPr marL="0" indent="0">
+              <a:buNone/>
+            </a:pPr>
+            <a:endParaRPr lang="en-US" sz="2000" dirty="0"/>
+          </a:p>
+          <a:p>
+            <a:r>
+              <a:rPr lang="en-US" sz="2000" dirty="0"/>
+              <a:t>Approximate Data Flow</a:t>
+            </a:r>
+          </a:p>
+          <a:p>
+            <a:r>
+              <a:rPr lang="en-US" sz="2000" dirty="0"/>
+              <a:t>Delete control flow related parts</a:t>
+            </a:r>
+          </a:p>
+          <a:p>
+            <a:r>
+              <a:rPr lang="en-US" sz="2000" dirty="0"/>
+              <a:t>Connect pair of tasks if connected by control flow arc</a:t>
+            </a:r>
+          </a:p>
+          <a:p>
+            <a:r>
+              <a:rPr lang="en-US" sz="2000" dirty="0"/>
+              <a:t>Replace Gates</a:t>
+            </a:r>
+          </a:p>
+          <a:p>
+            <a:pPr lvl="1"/>
+            <a:r>
+              <a:rPr lang="en-US" sz="1600" dirty="0"/>
+              <a:t>Replace by two data flow arcs</a:t>
+            </a:r>
+          </a:p>
+          <a:p>
+            <a:pPr lvl="1"/>
+            <a:r>
+              <a:rPr lang="en-US" sz="1600" dirty="0"/>
+              <a:t>No distinction between XOR and parallel Gateway</a:t>
+            </a:r>
+          </a:p>
+          <a:p>
+            <a:r>
+              <a:rPr lang="en-US" sz="2000" dirty="0"/>
+              <a:t>Delete unnecessary tasks</a:t>
+            </a:r>
+          </a:p>
+          <a:p>
+            <a:endParaRPr lang="en-US" sz="2000" dirty="0"/>
           </a:p>
         </p:txBody>
       </p:sp>
@@ -5923,6 +6138,106 @@
           </p:txBody>
         </p:sp>
       </p:grpSp>
+      <p:sp>
+        <p:nvSpPr>
+          <p:cNvPr id="19" name="Textfeld 18">
+            <a:extLst>
+              <a:ext uri="{FF2B5EF4-FFF2-40B4-BE49-F238E27FC236}">
+                <a16:creationId xmlns:a16="http://schemas.microsoft.com/office/drawing/2014/main" id="{540AD0D3-F730-4188-90C8-1A0000AF3608}"/>
+              </a:ext>
+            </a:extLst>
+          </p:cNvPr>
+          <p:cNvSpPr txBox="1"/>
+          <p:nvPr/>
+        </p:nvSpPr>
+        <p:spPr>
+          <a:xfrm>
+            <a:off x="4430181" y="2433308"/>
+            <a:ext cx="1233771" cy="369332"/>
+          </a:xfrm>
+          <a:prstGeom prst="rect">
+            <a:avLst/>
+          </a:prstGeom>
+          <a:noFill/>
+        </p:spPr>
+        <p:txBody>
+          <a:bodyPr wrap="square" rtlCol="0">
+            <a:spAutoFit/>
+          </a:bodyPr>
+          <a:lstStyle/>
+          <a:p>
+            <a:r>
+              <a:rPr lang="en-GB" dirty="0"/>
+              <a:t>Original:</a:t>
+            </a:r>
+          </a:p>
+        </p:txBody>
+      </p:sp>
+      <p:sp>
+        <p:nvSpPr>
+          <p:cNvPr id="20" name="Textfeld 19">
+            <a:extLst>
+              <a:ext uri="{FF2B5EF4-FFF2-40B4-BE49-F238E27FC236}">
+                <a16:creationId xmlns:a16="http://schemas.microsoft.com/office/drawing/2014/main" id="{7AFD3F21-C402-48B5-9B2C-B0FBA0D07318}"/>
+              </a:ext>
+            </a:extLst>
+          </p:cNvPr>
+          <p:cNvSpPr txBox="1"/>
+          <p:nvPr/>
+        </p:nvSpPr>
+        <p:spPr>
+          <a:xfrm>
+            <a:off x="5523143" y="4214187"/>
+            <a:ext cx="1536231" cy="646331"/>
+          </a:xfrm>
+          <a:prstGeom prst="rect">
+            <a:avLst/>
+          </a:prstGeom>
+          <a:noFill/>
+        </p:spPr>
+        <p:txBody>
+          <a:bodyPr wrap="square" rtlCol="0">
+            <a:spAutoFit/>
+          </a:bodyPr>
+          <a:lstStyle/>
+          <a:p>
+            <a:r>
+              <a:rPr lang="en-GB" dirty="0"/>
+              <a:t>Extracted Data Flow:</a:t>
+            </a:r>
+          </a:p>
+        </p:txBody>
+      </p:sp>
+      <p:pic>
+        <p:nvPicPr>
+          <p:cNvPr id="18" name="Grafik 17">
+            <a:extLst>
+              <a:ext uri="{FF2B5EF4-FFF2-40B4-BE49-F238E27FC236}">
+                <a16:creationId xmlns:a16="http://schemas.microsoft.com/office/drawing/2014/main" id="{76F82864-30CA-4090-8621-C610D363CAEC}"/>
+              </a:ext>
+            </a:extLst>
+          </p:cNvPr>
+          <p:cNvPicPr>
+            <a:picLocks noChangeAspect="1"/>
+          </p:cNvPicPr>
+          <p:nvPr/>
+        </p:nvPicPr>
+        <p:blipFill>
+          <a:blip r:embed="rId3"/>
+          <a:stretch>
+            <a:fillRect/>
+          </a:stretch>
+        </p:blipFill>
+        <p:spPr>
+          <a:xfrm>
+            <a:off x="7104112" y="3078803"/>
+            <a:ext cx="3512898" cy="1913275"/>
+          </a:xfrm>
+          <a:prstGeom prst="rect">
+            <a:avLst/>
+          </a:prstGeom>
+        </p:spPr>
+      </p:pic>
     </p:spTree>
     <p:extLst>
       <p:ext uri="{BB962C8B-B14F-4D97-AF65-F5344CB8AC3E}">
@@ -5953,6 +6268,36 @@
           <a:chExt cx="0" cy="0"/>
         </a:xfrm>
       </p:grpSpPr>
+      <p:pic>
+        <p:nvPicPr>
+          <p:cNvPr id="2" name="Grafik 1">
+            <a:extLst>
+              <a:ext uri="{FF2B5EF4-FFF2-40B4-BE49-F238E27FC236}">
+                <a16:creationId xmlns:a16="http://schemas.microsoft.com/office/drawing/2014/main" id="{1EFCB7CA-6E6D-4C39-91AA-5C2E624F0627}"/>
+              </a:ext>
+            </a:extLst>
+          </p:cNvPr>
+          <p:cNvPicPr>
+            <a:picLocks noChangeAspect="1"/>
+          </p:cNvPicPr>
+          <p:nvPr/>
+        </p:nvPicPr>
+        <p:blipFill>
+          <a:blip r:embed="rId2"/>
+          <a:stretch>
+            <a:fillRect/>
+          </a:stretch>
+        </p:blipFill>
+        <p:spPr>
+          <a:xfrm>
+            <a:off x="4299922" y="1340768"/>
+            <a:ext cx="7326213" cy="1562532"/>
+          </a:xfrm>
+          <a:prstGeom prst="rect">
+            <a:avLst/>
+          </a:prstGeom>
+        </p:spPr>
+      </p:pic>
       <p:sp>
         <p:nvSpPr>
           <p:cNvPr id="29698" name="Rectangle 2"/>
@@ -5969,24 +6314,8 @@
           <a:lstStyle/>
           <a:p>
             <a:r>
-              <a:rPr lang="de-DE" dirty="0"/>
-              <a:t>Create a </a:t>
-            </a:r>
-            <a:r>
-              <a:rPr lang="de-DE" dirty="0" err="1"/>
-              <a:t>weighted</a:t>
-            </a:r>
-            <a:r>
-              <a:rPr lang="de-DE" dirty="0"/>
-              <a:t> Graph </a:t>
-            </a:r>
-            <a:r>
-              <a:rPr lang="de-DE" dirty="0" err="1"/>
-              <a:t>using</a:t>
-            </a:r>
-            <a:r>
-              <a:rPr lang="de-DE" dirty="0"/>
-              <a:t> Control Flow</a:t>
+              <a:rPr lang="en-US" dirty="0"/>
+              <a:t>Create a weighted Graph using Control Flow</a:t>
             </a:r>
           </a:p>
         </p:txBody>
@@ -6004,7 +6333,7 @@
         <p:spPr>
           <a:xfrm>
             <a:off x="524933" y="1083873"/>
-            <a:ext cx="11142133" cy="4782683"/>
+            <a:ext cx="3986891" cy="4782683"/>
           </a:xfrm>
         </p:spPr>
         <p:txBody>
@@ -6012,13 +6341,52 @@
           <a:lstStyle/>
           <a:p>
             <a:r>
-              <a:rPr lang="de-DE" sz="2000" dirty="0" err="1"/>
-              <a:t>Bla</a:t>
-            </a:r>
-            <a:endParaRPr lang="de-DE" sz="2000" dirty="0"/>
-          </a:p>
-          <a:p>
-            <a:endParaRPr lang="de-DE" sz="2000" dirty="0"/>
+              <a:rPr lang="en-US" sz="2000" dirty="0"/>
+              <a:t>Generate one Graph by using all BPMN models</a:t>
+            </a:r>
+          </a:p>
+          <a:p>
+            <a:r>
+              <a:rPr lang="en-US" sz="2000" dirty="0"/>
+              <a:t>Connect pair of activities </a:t>
+            </a:r>
+          </a:p>
+          <a:p>
+            <a:pPr lvl="1"/>
+            <a:r>
+              <a:rPr lang="en-US" sz="1600" dirty="0"/>
+              <a:t>if directly connected in BPMN models</a:t>
+            </a:r>
+          </a:p>
+          <a:p>
+            <a:pPr lvl="1"/>
+            <a:r>
+              <a:rPr lang="en-US" sz="1600" dirty="0"/>
+              <a:t>if only gateways in between</a:t>
+            </a:r>
+          </a:p>
+          <a:p>
+            <a:r>
+              <a:rPr lang="en-US" sz="2000" dirty="0"/>
+              <a:t>Assign a weight of </a:t>
+            </a:r>
+            <a:r>
+              <a:rPr lang="en-US" sz="2000" b="1" dirty="0"/>
+              <a:t>1 </a:t>
+            </a:r>
+            <a:r>
+              <a:rPr lang="en-US" sz="2000" dirty="0"/>
+              <a:t>to all dependencies</a:t>
+            </a:r>
+          </a:p>
+          <a:p>
+            <a:r>
+              <a:rPr lang="en-US" sz="2000" dirty="0"/>
+              <a:t>Multiple occurrences: Add weights</a:t>
+            </a:r>
+          </a:p>
+          <a:p>
+            <a:endParaRPr lang="en-US" sz="2000" dirty="0"/>
           </a:p>
         </p:txBody>
       </p:sp>
@@ -6638,6 +7006,36 @@
           </p:txBody>
         </p:sp>
       </p:grpSp>
+      <p:pic>
+        <p:nvPicPr>
+          <p:cNvPr id="3" name="Grafik 2">
+            <a:extLst>
+              <a:ext uri="{FF2B5EF4-FFF2-40B4-BE49-F238E27FC236}">
+                <a16:creationId xmlns:a16="http://schemas.microsoft.com/office/drawing/2014/main" id="{A9E065C7-AD68-43C9-82D8-31C01D5A8CFF}"/>
+              </a:ext>
+            </a:extLst>
+          </p:cNvPr>
+          <p:cNvPicPr>
+            <a:picLocks noChangeAspect="1"/>
+          </p:cNvPicPr>
+          <p:nvPr/>
+        </p:nvPicPr>
+        <p:blipFill>
+          <a:blip r:embed="rId3"/>
+          <a:stretch>
+            <a:fillRect/>
+          </a:stretch>
+        </p:blipFill>
+        <p:spPr>
+          <a:xfrm>
+            <a:off x="6069359" y="3007733"/>
+            <a:ext cx="4174453" cy="2235386"/>
+          </a:xfrm>
+          <a:prstGeom prst="rect">
+            <a:avLst/>
+          </a:prstGeom>
+        </p:spPr>
+      </p:pic>
     </p:spTree>
     <p:extLst>
       <p:ext uri="{BB962C8B-B14F-4D97-AF65-F5344CB8AC3E}">
@@ -6668,6 +7066,36 @@
           <a:chExt cx="0" cy="0"/>
         </a:xfrm>
       </p:grpSpPr>
+      <p:pic>
+        <p:nvPicPr>
+          <p:cNvPr id="2" name="Grafik 1">
+            <a:extLst>
+              <a:ext uri="{FF2B5EF4-FFF2-40B4-BE49-F238E27FC236}">
+                <a16:creationId xmlns:a16="http://schemas.microsoft.com/office/drawing/2014/main" id="{9E9DD5DC-7666-4A72-AB52-0856374BD7AC}"/>
+              </a:ext>
+            </a:extLst>
+          </p:cNvPr>
+          <p:cNvPicPr>
+            <a:picLocks noChangeAspect="1"/>
+          </p:cNvPicPr>
+          <p:nvPr/>
+        </p:nvPicPr>
+        <p:blipFill>
+          <a:blip r:embed="rId2"/>
+          <a:stretch>
+            <a:fillRect/>
+          </a:stretch>
+        </p:blipFill>
+        <p:spPr>
+          <a:xfrm>
+            <a:off x="7082875" y="989325"/>
+            <a:ext cx="4894447" cy="2863251"/>
+          </a:xfrm>
+          <a:prstGeom prst="rect">
+            <a:avLst/>
+          </a:prstGeom>
+        </p:spPr>
+      </p:pic>
       <p:sp>
         <p:nvSpPr>
           <p:cNvPr id="29698" name="Rectangle 2"/>
@@ -6684,24 +7112,8 @@
           <a:lstStyle/>
           <a:p>
             <a:r>
-              <a:rPr lang="de-DE" dirty="0"/>
-              <a:t>Create a </a:t>
-            </a:r>
-            <a:r>
-              <a:rPr lang="de-DE" dirty="0" err="1"/>
-              <a:t>weighted</a:t>
-            </a:r>
-            <a:r>
-              <a:rPr lang="de-DE" dirty="0"/>
-              <a:t> Graph </a:t>
-            </a:r>
-            <a:r>
-              <a:rPr lang="de-DE" dirty="0" err="1"/>
-              <a:t>using</a:t>
-            </a:r>
-            <a:r>
-              <a:rPr lang="de-DE" dirty="0"/>
-              <a:t> Data Flow</a:t>
+              <a:rPr lang="en-US" dirty="0"/>
+              <a:t>Create a weighted Graph using Data Flow</a:t>
             </a:r>
           </a:p>
         </p:txBody>
@@ -6718,8 +7130,8 @@
         </p:nvSpPr>
         <p:spPr>
           <a:xfrm>
-            <a:off x="524933" y="1083873"/>
-            <a:ext cx="11142133" cy="4782683"/>
+            <a:off x="524932" y="1083873"/>
+            <a:ext cx="6651188" cy="4782683"/>
           </a:xfrm>
         </p:spPr>
         <p:txBody>
@@ -6727,10 +7139,93 @@
           <a:lstStyle/>
           <a:p>
             <a:r>
-              <a:rPr lang="de-DE" sz="2000" dirty="0" err="1"/>
-              <a:t>Bla</a:t>
-            </a:r>
-            <a:endParaRPr lang="de-DE" sz="2000" dirty="0"/>
+              <a:rPr lang="en-US" sz="2000" dirty="0"/>
+              <a:t>Generate one Graph by using all BPMN models</a:t>
+            </a:r>
+          </a:p>
+          <a:p>
+            <a:r>
+              <a:rPr lang="en-US" sz="2000" dirty="0"/>
+              <a:t>Connect pair of data objects </a:t>
+            </a:r>
+          </a:p>
+          <a:p>
+            <a:pPr lvl="1"/>
+            <a:r>
+              <a:rPr lang="en-US" sz="1600" dirty="0"/>
+              <a:t>if both data objects are read by the same task</a:t>
+            </a:r>
+          </a:p>
+          <a:p>
+            <a:pPr lvl="1"/>
+            <a:r>
+              <a:rPr lang="en-US" sz="1600" dirty="0"/>
+              <a:t>if a data object is used to update another data object          </a:t>
+            </a:r>
+          </a:p>
+          <a:p>
+            <a:pPr marL="634984" lvl="1" indent="0">
+              <a:buNone/>
+            </a:pPr>
+            <a:r>
+              <a:rPr lang="en-US" sz="1600" dirty="0"/>
+              <a:t>max. </a:t>
+            </a:r>
+            <a:r>
+              <a:rPr lang="en-US" sz="1600" b="1" i="1" dirty="0"/>
+              <a:t>n </a:t>
+            </a:r>
+            <a:r>
+              <a:rPr lang="en-US" sz="1600" dirty="0"/>
+              <a:t>tasks in between a task that reads the first data object and another tasks that updates the other data object</a:t>
+            </a:r>
+          </a:p>
+          <a:p>
+            <a:r>
+              <a:rPr lang="en-US" sz="2000" dirty="0"/>
+              <a:t>Determine parameter </a:t>
+            </a:r>
+            <a:r>
+              <a:rPr lang="en-US" sz="2000" b="1" i="1" dirty="0"/>
+              <a:t>n</a:t>
+            </a:r>
+            <a:r>
+              <a:rPr lang="en-US" sz="2000" dirty="0"/>
+              <a:t> depending on the granularity of the </a:t>
+            </a:r>
+            <a:r>
+              <a:rPr lang="en-US" sz="2000" i="1" dirty="0"/>
+              <a:t>BPMN</a:t>
+            </a:r>
+            <a:r>
+              <a:rPr lang="en-US" sz="2000" dirty="0"/>
+              <a:t> models</a:t>
+            </a:r>
+            <a:r>
+              <a:rPr lang="en-US" sz="2000" b="1" i="1" dirty="0"/>
+              <a:t> </a:t>
+            </a:r>
+            <a:endParaRPr lang="en-US" sz="2000" dirty="0"/>
+          </a:p>
+          <a:p>
+            <a:r>
+              <a:rPr lang="en-US" sz="2000" dirty="0"/>
+              <a:t>Assign a weight of </a:t>
+            </a:r>
+            <a:r>
+              <a:rPr lang="en-US" sz="2000" b="1" dirty="0"/>
+              <a:t>1 </a:t>
+            </a:r>
+            <a:r>
+              <a:rPr lang="en-US" sz="2000" dirty="0"/>
+              <a:t>to all dependencies</a:t>
+            </a:r>
+          </a:p>
+          <a:p>
+            <a:r>
+              <a:rPr lang="en-US" sz="2000" dirty="0"/>
+              <a:t>Multiple occurrences: Add weights</a:t>
+            </a:r>
           </a:p>
           <a:p>
             <a:endParaRPr lang="de-DE" sz="2000" dirty="0"/>
@@ -7353,6 +7848,82 @@
           </p:txBody>
         </p:sp>
       </p:grpSp>
+      <p:pic>
+        <p:nvPicPr>
+          <p:cNvPr id="3" name="Grafik 2">
+            <a:extLst>
+              <a:ext uri="{FF2B5EF4-FFF2-40B4-BE49-F238E27FC236}">
+                <a16:creationId xmlns:a16="http://schemas.microsoft.com/office/drawing/2014/main" id="{4CD091B3-A4C4-444D-8E4E-94142F08D0B4}"/>
+              </a:ext>
+            </a:extLst>
+          </p:cNvPr>
+          <p:cNvPicPr>
+            <a:picLocks noChangeAspect="1"/>
+          </p:cNvPicPr>
+          <p:nvPr/>
+        </p:nvPicPr>
+        <p:blipFill>
+          <a:blip r:embed="rId3"/>
+          <a:stretch>
+            <a:fillRect/>
+          </a:stretch>
+        </p:blipFill>
+        <p:spPr>
+          <a:xfrm>
+            <a:off x="8056429" y="3598097"/>
+            <a:ext cx="3312440" cy="2130186"/>
+          </a:xfrm>
+          <a:prstGeom prst="rect">
+            <a:avLst/>
+          </a:prstGeom>
+        </p:spPr>
+      </p:pic>
+      <p:sp>
+        <p:nvSpPr>
+          <p:cNvPr id="17" name="Pfeil: nach rechts 16">
+            <a:extLst>
+              <a:ext uri="{FF2B5EF4-FFF2-40B4-BE49-F238E27FC236}">
+                <a16:creationId xmlns:a16="http://schemas.microsoft.com/office/drawing/2014/main" id="{AFFA85D9-170C-407F-B9F0-924D00ED2032}"/>
+              </a:ext>
+            </a:extLst>
+          </p:cNvPr>
+          <p:cNvSpPr/>
+          <p:nvPr/>
+        </p:nvSpPr>
+        <p:spPr>
+          <a:xfrm>
+            <a:off x="623392" y="2411043"/>
+            <a:ext cx="432048" cy="196600"/>
+          </a:xfrm>
+          <a:prstGeom prst="rightArrow">
+            <a:avLst/>
+          </a:prstGeom>
+        </p:spPr>
+        <p:style>
+          <a:lnRef idx="2">
+            <a:schemeClr val="accent1">
+              <a:shade val="50000"/>
+            </a:schemeClr>
+          </a:lnRef>
+          <a:fillRef idx="1">
+            <a:schemeClr val="accent1"/>
+          </a:fillRef>
+          <a:effectRef idx="0">
+            <a:schemeClr val="accent1"/>
+          </a:effectRef>
+          <a:fontRef idx="minor">
+            <a:schemeClr val="lt1"/>
+          </a:fontRef>
+        </p:style>
+        <p:txBody>
+          <a:bodyPr rtlCol="0" anchor="ctr"/>
+          <a:lstStyle/>
+          <a:p>
+            <a:pPr algn="ctr"/>
+            <a:endParaRPr lang="en-GB"/>
+          </a:p>
+        </p:txBody>
+      </p:sp>
     </p:spTree>
     <p:extLst>
       <p:ext uri="{BB962C8B-B14F-4D97-AF65-F5344CB8AC3E}">
@@ -7422,7 +7993,7 @@
         <p:spPr>
           <a:xfrm>
             <a:off x="524933" y="1083873"/>
-            <a:ext cx="11142133" cy="4782683"/>
+            <a:ext cx="4634963" cy="4782683"/>
           </a:xfrm>
         </p:spPr>
         <p:txBody>
@@ -7430,13 +8001,88 @@
           <a:lstStyle/>
           <a:p>
             <a:r>
-              <a:rPr lang="de-DE" sz="2000" dirty="0" err="1"/>
-              <a:t>Bla</a:t>
-            </a:r>
-            <a:endParaRPr lang="de-DE" sz="2000" dirty="0"/>
-          </a:p>
-          <a:p>
-            <a:endParaRPr lang="de-DE" sz="2000" dirty="0"/>
+              <a:rPr lang="en-US" sz="2000" i="1" dirty="0"/>
+              <a:t>Bunch Software [3]</a:t>
+            </a:r>
+          </a:p>
+          <a:p>
+            <a:pPr lvl="1"/>
+            <a:r>
+              <a:rPr lang="en-US" sz="1600" dirty="0"/>
+              <a:t>Genetic Algorithm: Randomly picks k cluster</a:t>
+            </a:r>
+          </a:p>
+          <a:p>
+            <a:pPr lvl="1"/>
+            <a:r>
+              <a:rPr lang="en-US" sz="1600" dirty="0"/>
+              <a:t>Fitness Function: </a:t>
+            </a:r>
+            <a:r>
+              <a:rPr lang="en-US" sz="1600" i="1" dirty="0"/>
+              <a:t>Turbo-MQ</a:t>
+            </a:r>
+          </a:p>
+          <a:p>
+            <a:pPr lvl="1"/>
+            <a:r>
+              <a:rPr lang="en-US" sz="1600" dirty="0"/>
+              <a:t>Cluster Factor: Rewards intra-cluster coupling</a:t>
+            </a:r>
+          </a:p>
+          <a:p>
+            <a:r>
+              <a:rPr lang="en-US" sz="2000" dirty="0"/>
+              <a:t>Input: List of edges with weights</a:t>
+            </a:r>
+          </a:p>
+          <a:p>
+            <a:r>
+              <a:rPr lang="en-US" sz="2000" dirty="0"/>
+              <a:t>Output: </a:t>
+            </a:r>
+            <a:r>
+              <a:rPr lang="en-US" sz="2000" i="1" dirty="0"/>
+              <a:t>DOT</a:t>
+            </a:r>
+            <a:r>
+              <a:rPr lang="en-US" sz="2000" dirty="0"/>
+              <a:t> format</a:t>
+            </a:r>
+          </a:p>
+          <a:p>
+            <a:r>
+              <a:rPr lang="en-US" sz="2000" dirty="0"/>
+              <a:t>Visualization: </a:t>
+            </a:r>
+            <a:r>
+              <a:rPr lang="en-US" sz="2000" i="1" dirty="0" err="1"/>
+              <a:t>GraphViz</a:t>
+            </a:r>
+            <a:r>
+              <a:rPr lang="en-US" sz="2000" dirty="0"/>
+              <a:t> [4]</a:t>
+            </a:r>
+          </a:p>
+          <a:p>
+            <a:r>
+              <a:rPr lang="en-US" sz="2000" dirty="0"/>
+              <a:t>Two sets of cluster</a:t>
+            </a:r>
+          </a:p>
+          <a:p>
+            <a:pPr lvl="1"/>
+            <a:r>
+              <a:rPr lang="en-US" sz="1600" dirty="0"/>
+              <a:t>Activity cluster</a:t>
+            </a:r>
+          </a:p>
+          <a:p>
+            <a:pPr lvl="1"/>
+            <a:r>
+              <a:rPr lang="en-US" sz="1600" dirty="0"/>
+              <a:t>Data Object Cluster</a:t>
+            </a:r>
           </a:p>
         </p:txBody>
       </p:sp>
@@ -8056,10 +8702,70 @@
           </p:txBody>
         </p:sp>
       </p:grpSp>
+      <p:pic>
+        <p:nvPicPr>
+          <p:cNvPr id="2" name="Grafik 1">
+            <a:extLst>
+              <a:ext uri="{FF2B5EF4-FFF2-40B4-BE49-F238E27FC236}">
+                <a16:creationId xmlns:a16="http://schemas.microsoft.com/office/drawing/2014/main" id="{8B6A6168-4F4A-483E-BA6B-A5D59110AEFE}"/>
+              </a:ext>
+            </a:extLst>
+          </p:cNvPr>
+          <p:cNvPicPr>
+            <a:picLocks noChangeAspect="1"/>
+          </p:cNvPicPr>
+          <p:nvPr/>
+        </p:nvPicPr>
+        <p:blipFill>
+          <a:blip r:embed="rId2"/>
+          <a:stretch>
+            <a:fillRect/>
+          </a:stretch>
+        </p:blipFill>
+        <p:spPr>
+          <a:xfrm>
+            <a:off x="5326941" y="1063696"/>
+            <a:ext cx="5937890" cy="1152128"/>
+          </a:xfrm>
+          <a:prstGeom prst="rect">
+            <a:avLst/>
+          </a:prstGeom>
+        </p:spPr>
+      </p:pic>
+      <p:pic>
+        <p:nvPicPr>
+          <p:cNvPr id="3" name="Grafik 2">
+            <a:extLst>
+              <a:ext uri="{FF2B5EF4-FFF2-40B4-BE49-F238E27FC236}">
+                <a16:creationId xmlns:a16="http://schemas.microsoft.com/office/drawing/2014/main" id="{B936CA34-9185-45D9-A8EC-BBE4D0AE691E}"/>
+              </a:ext>
+            </a:extLst>
+          </p:cNvPr>
+          <p:cNvPicPr>
+            <a:picLocks noChangeAspect="1"/>
+          </p:cNvPicPr>
+          <p:nvPr/>
+        </p:nvPicPr>
+        <p:blipFill>
+          <a:blip r:embed="rId3"/>
+          <a:stretch>
+            <a:fillRect/>
+          </a:stretch>
+        </p:blipFill>
+        <p:spPr>
+          <a:xfrm>
+            <a:off x="6744072" y="2218240"/>
+            <a:ext cx="4298489" cy="3310251"/>
+          </a:xfrm>
+          <a:prstGeom prst="rect">
+            <a:avLst/>
+          </a:prstGeom>
+        </p:spPr>
+      </p:pic>
     </p:spTree>
     <p:extLst>
       <p:ext uri="{BB962C8B-B14F-4D97-AF65-F5344CB8AC3E}">
-        <p14:creationId xmlns:p14="http://schemas.microsoft.com/office/powerpoint/2010/main" val="3288150161"/>
+        <p14:creationId xmlns:p14="http://schemas.microsoft.com/office/powerpoint/2010/main" val="1396246829"/>
       </p:ext>
     </p:extLst>
   </p:cSld>
@@ -8102,8 +8808,8 @@
           <a:lstStyle/>
           <a:p>
             <a:r>
-              <a:rPr lang="de-DE" dirty="0"/>
-              <a:t>Match Clusters</a:t>
+              <a:rPr lang="en-US" dirty="0"/>
+              <a:t>Matching of Clusters</a:t>
             </a:r>
           </a:p>
         </p:txBody>
@@ -8121,7 +8827,7 @@
         <p:spPr>
           <a:xfrm>
             <a:off x="524933" y="1083873"/>
-            <a:ext cx="11142133" cy="4782683"/>
+            <a:ext cx="4346931" cy="4782683"/>
           </a:xfrm>
         </p:spPr>
         <p:txBody>
@@ -8129,13 +8835,41 @@
           <a:lstStyle/>
           <a:p>
             <a:r>
-              <a:rPr lang="de-DE" sz="2000" dirty="0" err="1"/>
-              <a:t>Bla</a:t>
-            </a:r>
-            <a:endParaRPr lang="de-DE" sz="2000" dirty="0"/>
-          </a:p>
-          <a:p>
-            <a:endParaRPr lang="de-DE" sz="2000" dirty="0"/>
+              <a:rPr lang="en-US" sz="2000" dirty="0"/>
+              <a:t>Count data object access between activity clusters and data object cluster </a:t>
+            </a:r>
+          </a:p>
+          <a:p>
+            <a:r>
+              <a:rPr lang="en-US" sz="2000" dirty="0"/>
+              <a:t>Use amount as weight</a:t>
+            </a:r>
+          </a:p>
+          <a:p>
+            <a:r>
+              <a:rPr lang="en-US" sz="2000" dirty="0"/>
+              <a:t>Use </a:t>
+            </a:r>
+            <a:r>
+              <a:rPr lang="en-US" sz="2000" i="1" dirty="0"/>
+              <a:t>Bunch</a:t>
+            </a:r>
+            <a:r>
+              <a:rPr lang="en-US" sz="2000" dirty="0"/>
+              <a:t> to identify compound cluster </a:t>
+            </a:r>
+          </a:p>
+          <a:p>
+            <a:pPr marL="0" indent="0">
+              <a:buNone/>
+            </a:pPr>
+            <a:r>
+              <a:rPr lang="en-US" sz="2000" dirty="0"/>
+              <a:t>   </a:t>
+            </a:r>
+          </a:p>
+          <a:p>
+            <a:endParaRPr lang="en-US" sz="2000" dirty="0"/>
           </a:p>
         </p:txBody>
       </p:sp>
@@ -8755,6 +9489,36 @@
           </p:txBody>
         </p:sp>
       </p:grpSp>
+      <p:pic>
+        <p:nvPicPr>
+          <p:cNvPr id="2" name="Grafik 1">
+            <a:extLst>
+              <a:ext uri="{FF2B5EF4-FFF2-40B4-BE49-F238E27FC236}">
+                <a16:creationId xmlns:a16="http://schemas.microsoft.com/office/drawing/2014/main" id="{8870BC7E-1429-4EDB-B226-EF8B02E89970}"/>
+              </a:ext>
+            </a:extLst>
+          </p:cNvPr>
+          <p:cNvPicPr>
+            <a:picLocks noChangeAspect="1"/>
+          </p:cNvPicPr>
+          <p:nvPr/>
+        </p:nvPicPr>
+        <p:blipFill>
+          <a:blip r:embed="rId2"/>
+          <a:stretch>
+            <a:fillRect/>
+          </a:stretch>
+        </p:blipFill>
+        <p:spPr>
+          <a:xfrm>
+            <a:off x="4799856" y="1700808"/>
+            <a:ext cx="6987918" cy="2248539"/>
+          </a:xfrm>
+          <a:prstGeom prst="rect">
+            <a:avLst/>
+          </a:prstGeom>
+        </p:spPr>
+      </p:pic>
     </p:spTree>
     <p:extLst>
       <p:ext uri="{BB962C8B-B14F-4D97-AF65-F5344CB8AC3E}">
@@ -8832,10 +9596,6 @@
           <a:bodyPr/>
           <a:lstStyle/>
           <a:p>
-            <a:r>
-              <a:rPr lang="de-DE" sz="2000" dirty="0" err="1"/>
-              <a:t>Bla</a:t>
-            </a:r>
             <a:endParaRPr lang="de-DE" sz="2000" dirty="0"/>
           </a:p>
           <a:p>
@@ -9459,10 +10219,258 @@
           </p:txBody>
         </p:sp>
       </p:grpSp>
+      <p:pic>
+        <p:nvPicPr>
+          <p:cNvPr id="2" name="Grafik 1">
+            <a:extLst>
+              <a:ext uri="{FF2B5EF4-FFF2-40B4-BE49-F238E27FC236}">
+                <a16:creationId xmlns:a16="http://schemas.microsoft.com/office/drawing/2014/main" id="{9F8308C9-50B7-44F6-9AC1-FA76361F1AED}"/>
+              </a:ext>
+            </a:extLst>
+          </p:cNvPr>
+          <p:cNvPicPr>
+            <a:picLocks noChangeAspect="1"/>
+          </p:cNvPicPr>
+          <p:nvPr/>
+        </p:nvPicPr>
+        <p:blipFill>
+          <a:blip r:embed="rId2"/>
+          <a:stretch>
+            <a:fillRect/>
+          </a:stretch>
+        </p:blipFill>
+        <p:spPr>
+          <a:xfrm>
+            <a:off x="905975" y="2132856"/>
+            <a:ext cx="9578776" cy="3200198"/>
+          </a:xfrm>
+          <a:prstGeom prst="rect">
+            <a:avLst/>
+          </a:prstGeom>
+        </p:spPr>
+      </p:pic>
+      <p:sp>
+        <p:nvSpPr>
+          <p:cNvPr id="35" name="Rectangle 3">
+            <a:extLst>
+              <a:ext uri="{FF2B5EF4-FFF2-40B4-BE49-F238E27FC236}">
+                <a16:creationId xmlns:a16="http://schemas.microsoft.com/office/drawing/2014/main" id="{F302BE70-4A3C-49BF-AD45-74568DE77067}"/>
+              </a:ext>
+            </a:extLst>
+          </p:cNvPr>
+          <p:cNvSpPr txBox="1">
+            <a:spLocks noChangeArrowheads="1"/>
+          </p:cNvSpPr>
+          <p:nvPr/>
+        </p:nvSpPr>
+        <p:spPr bwMode="auto">
+          <a:xfrm>
+            <a:off x="495550" y="1097833"/>
+            <a:ext cx="9959818" cy="4782683"/>
+          </a:xfrm>
+          <a:prstGeom prst="rect">
+            <a:avLst/>
+          </a:prstGeom>
+          <a:noFill/>
+          <a:ln w="9525">
+            <a:noFill/>
+            <a:miter lim="800000"/>
+            <a:headEnd/>
+            <a:tailEnd/>
+          </a:ln>
+        </p:spPr>
+        <p:txBody>
+          <a:bodyPr vert="horz" wrap="square" lIns="0" tIns="0" rIns="0" bIns="0" numCol="1" anchor="t" anchorCtr="0" compatLnSpc="1">
+            <a:prstTxWarp prst="textNoShape">
+              <a:avLst/>
+            </a:prstTxWarp>
+          </a:bodyPr>
+          <a:lstStyle>
+            <a:lvl1pPr marL="419090" indent="-419090" algn="l" rtl="0" eaLnBrk="1" fontAlgn="base" hangingPunct="1">
+              <a:spcBef>
+                <a:spcPct val="20000"/>
+              </a:spcBef>
+              <a:spcAft>
+                <a:spcPct val="0"/>
+              </a:spcAft>
+              <a:buBlip>
+                <a:blip r:embed="rId3"/>
+              </a:buBlip>
+              <a:defRPr sz="2800" baseline="0">
+                <a:solidFill>
+                  <a:schemeClr val="tx1"/>
+                </a:solidFill>
+                <a:latin typeface="+mn-lt"/>
+                <a:ea typeface="+mn-ea"/>
+                <a:cs typeface="+mn-cs"/>
+              </a:defRPr>
+            </a:lvl1pPr>
+            <a:lvl2pPr marL="1054074" indent="-419090" algn="l" rtl="0" eaLnBrk="1" fontAlgn="base" hangingPunct="1">
+              <a:spcBef>
+                <a:spcPct val="20000"/>
+              </a:spcBef>
+              <a:spcAft>
+                <a:spcPct val="0"/>
+              </a:spcAft>
+              <a:buBlip>
+                <a:blip r:embed="rId4"/>
+              </a:buBlip>
+              <a:defRPr sz="2400" baseline="0">
+                <a:solidFill>
+                  <a:schemeClr val="tx1"/>
+                </a:solidFill>
+                <a:latin typeface="+mn-lt"/>
+              </a:defRPr>
+            </a:lvl2pPr>
+            <a:lvl3pPr marL="1612860" indent="-368291" algn="l" rtl="0" eaLnBrk="1" fontAlgn="base" hangingPunct="1">
+              <a:spcBef>
+                <a:spcPct val="20000"/>
+              </a:spcBef>
+              <a:spcAft>
+                <a:spcPct val="0"/>
+              </a:spcAft>
+              <a:buBlip>
+                <a:blip r:embed="rId5"/>
+              </a:buBlip>
+              <a:defRPr sz="2000" baseline="0">
+                <a:solidFill>
+                  <a:schemeClr val="tx1"/>
+                </a:solidFill>
+                <a:latin typeface="+mn-lt"/>
+              </a:defRPr>
+            </a:lvl3pPr>
+            <a:lvl4pPr marL="2209745" indent="-368291" algn="l" rtl="0" eaLnBrk="1" fontAlgn="base" hangingPunct="1">
+              <a:spcBef>
+                <a:spcPct val="20000"/>
+              </a:spcBef>
+              <a:spcAft>
+                <a:spcPct val="0"/>
+              </a:spcAft>
+              <a:buBlip>
+                <a:blip r:embed="rId5"/>
+              </a:buBlip>
+              <a:defRPr sz="2000" baseline="0">
+                <a:solidFill>
+                  <a:schemeClr val="tx1"/>
+                </a:solidFill>
+                <a:latin typeface="+mn-lt"/>
+              </a:defRPr>
+            </a:lvl4pPr>
+            <a:lvl5pPr marL="2793930" indent="-368291" algn="l" rtl="0" eaLnBrk="1" fontAlgn="base" hangingPunct="1">
+              <a:spcBef>
+                <a:spcPct val="20000"/>
+              </a:spcBef>
+              <a:spcAft>
+                <a:spcPct val="0"/>
+              </a:spcAft>
+              <a:buBlip>
+                <a:blip r:embed="rId5"/>
+              </a:buBlip>
+              <a:defRPr sz="2000" baseline="0">
+                <a:solidFill>
+                  <a:schemeClr val="tx1"/>
+                </a:solidFill>
+                <a:latin typeface="+mn-lt"/>
+              </a:defRPr>
+            </a:lvl5pPr>
+            <a:lvl6pPr marL="3352716" indent="-304792" algn="l" rtl="0" eaLnBrk="1" fontAlgn="base" hangingPunct="1">
+              <a:spcBef>
+                <a:spcPct val="20000"/>
+              </a:spcBef>
+              <a:spcAft>
+                <a:spcPct val="0"/>
+              </a:spcAft>
+              <a:buSzPct val="60000"/>
+              <a:buBlip>
+                <a:blip r:embed="rId6"/>
+              </a:buBlip>
+              <a:defRPr sz="1867">
+                <a:solidFill>
+                  <a:schemeClr val="tx1"/>
+                </a:solidFill>
+                <a:latin typeface="+mn-lt"/>
+              </a:defRPr>
+            </a:lvl6pPr>
+            <a:lvl7pPr marL="3962301" indent="-304792" algn="l" rtl="0" eaLnBrk="1" fontAlgn="base" hangingPunct="1">
+              <a:spcBef>
+                <a:spcPct val="20000"/>
+              </a:spcBef>
+              <a:spcAft>
+                <a:spcPct val="0"/>
+              </a:spcAft>
+              <a:buSzPct val="60000"/>
+              <a:buBlip>
+                <a:blip r:embed="rId6"/>
+              </a:buBlip>
+              <a:defRPr sz="1867">
+                <a:solidFill>
+                  <a:schemeClr val="tx1"/>
+                </a:solidFill>
+                <a:latin typeface="+mn-lt"/>
+              </a:defRPr>
+            </a:lvl7pPr>
+            <a:lvl8pPr marL="4571886" indent="-304792" algn="l" rtl="0" eaLnBrk="1" fontAlgn="base" hangingPunct="1">
+              <a:spcBef>
+                <a:spcPct val="20000"/>
+              </a:spcBef>
+              <a:spcAft>
+                <a:spcPct val="0"/>
+              </a:spcAft>
+              <a:buSzPct val="60000"/>
+              <a:buBlip>
+                <a:blip r:embed="rId6"/>
+              </a:buBlip>
+              <a:defRPr sz="1867">
+                <a:solidFill>
+                  <a:schemeClr val="tx1"/>
+                </a:solidFill>
+                <a:latin typeface="+mn-lt"/>
+              </a:defRPr>
+            </a:lvl8pPr>
+            <a:lvl9pPr marL="5181470" indent="-304792" algn="l" rtl="0" eaLnBrk="1" fontAlgn="base" hangingPunct="1">
+              <a:spcBef>
+                <a:spcPct val="20000"/>
+              </a:spcBef>
+              <a:spcAft>
+                <a:spcPct val="0"/>
+              </a:spcAft>
+              <a:buSzPct val="60000"/>
+              <a:buBlip>
+                <a:blip r:embed="rId6"/>
+              </a:buBlip>
+              <a:defRPr sz="1867">
+                <a:solidFill>
+                  <a:schemeClr val="tx1"/>
+                </a:solidFill>
+                <a:latin typeface="+mn-lt"/>
+              </a:defRPr>
+            </a:lvl9pPr>
+          </a:lstStyle>
+          <a:p>
+            <a:r>
+              <a:rPr lang="en-US" sz="2000" kern="0" dirty="0"/>
+              <a:t>Each compound cluster correspond to a microservice candidate</a:t>
+            </a:r>
+          </a:p>
+          <a:p>
+            <a:pPr marL="0" indent="0">
+              <a:buFontTx/>
+              <a:buNone/>
+            </a:pPr>
+            <a:r>
+              <a:rPr lang="en-US" sz="2000" kern="0" dirty="0"/>
+              <a:t>   </a:t>
+            </a:r>
+          </a:p>
+          <a:p>
+            <a:endParaRPr lang="en-US" sz="2000" kern="0" dirty="0"/>
+          </a:p>
+        </p:txBody>
+      </p:sp>
     </p:spTree>
     <p:extLst>
       <p:ext uri="{BB962C8B-B14F-4D97-AF65-F5344CB8AC3E}">
-        <p14:creationId xmlns:p14="http://schemas.microsoft.com/office/powerpoint/2010/main" val="1396246829"/>
+        <p14:creationId xmlns:p14="http://schemas.microsoft.com/office/powerpoint/2010/main" val="3288150161"/>
       </p:ext>
     </p:extLst>
   </p:cSld>
@@ -9505,28 +10513,8 @@
           <a:lstStyle/>
           <a:p>
             <a:r>
-              <a:rPr lang="de-DE" dirty="0" err="1"/>
-              <a:t>Application</a:t>
-            </a:r>
-            <a:r>
-              <a:rPr lang="de-DE" dirty="0"/>
-              <a:t> </a:t>
-            </a:r>
-            <a:r>
-              <a:rPr lang="de-DE" dirty="0" err="1"/>
-              <a:t>of</a:t>
-            </a:r>
-            <a:r>
-              <a:rPr lang="de-DE" dirty="0"/>
-              <a:t> </a:t>
-            </a:r>
-            <a:r>
-              <a:rPr lang="de-DE" dirty="0" err="1"/>
-              <a:t>the</a:t>
-            </a:r>
-            <a:r>
-              <a:rPr lang="de-DE" dirty="0"/>
-              <a:t> Approach</a:t>
+              <a:rPr lang="en-US" dirty="0"/>
+              <a:t>Application of the Approach</a:t>
             </a:r>
           </a:p>
         </p:txBody>
@@ -9552,19 +10540,28 @@
           <a:lstStyle/>
           <a:p>
             <a:r>
-              <a:rPr lang="de-DE" sz="2000" dirty="0" err="1"/>
-              <a:t>CoCoME</a:t>
-            </a:r>
-            <a:endParaRPr lang="de-DE" sz="2000" dirty="0"/>
-          </a:p>
-          <a:p>
-            <a:r>
-              <a:rPr lang="de-DE" sz="2000" dirty="0"/>
-              <a:t>Outcome</a:t>
-            </a:r>
-          </a:p>
-          <a:p>
-            <a:endParaRPr lang="de-DE" sz="2000" dirty="0"/>
+              <a:rPr lang="en-US" sz="2000" dirty="0"/>
+              <a:t>Besser </a:t>
+            </a:r>
+            <a:r>
+              <a:rPr lang="en-US" sz="2000" dirty="0" err="1"/>
+              <a:t>implizit</a:t>
+            </a:r>
+            <a:r>
+              <a:rPr lang="en-US" sz="2000" dirty="0"/>
+              <a:t> </a:t>
+            </a:r>
+            <a:r>
+              <a:rPr lang="en-US" sz="2000" dirty="0" err="1"/>
+              <a:t>bei</a:t>
+            </a:r>
+            <a:r>
+              <a:rPr lang="en-US" sz="2000" dirty="0"/>
+              <a:t> der Evaluation!?????   </a:t>
+            </a:r>
+          </a:p>
+          <a:p>
+            <a:endParaRPr lang="en-US" sz="2000" dirty="0"/>
           </a:p>
         </p:txBody>
       </p:sp>
@@ -10249,7 +11246,7 @@
         <p:spPr>
           <a:xfrm>
             <a:off x="524933" y="1083873"/>
-            <a:ext cx="11142133" cy="4782683"/>
+            <a:ext cx="6363155" cy="4782683"/>
           </a:xfrm>
         </p:spPr>
         <p:txBody>
@@ -10257,25 +11254,86 @@
           <a:lstStyle/>
           <a:p>
             <a:r>
-              <a:rPr lang="de-DE" sz="2000" dirty="0"/>
-              <a:t>Goals</a:t>
-            </a:r>
-          </a:p>
-          <a:p>
-            <a:r>
-              <a:rPr lang="de-DE" sz="2000" dirty="0" err="1"/>
-              <a:t>Metrics</a:t>
-            </a:r>
-            <a:endParaRPr lang="de-DE" sz="2000" dirty="0"/>
-          </a:p>
-          <a:p>
-            <a:r>
-              <a:rPr lang="de-DE" sz="2000" dirty="0"/>
-              <a:t>Design</a:t>
-            </a:r>
-          </a:p>
-          <a:p>
-            <a:endParaRPr lang="de-DE" sz="2000" dirty="0"/>
+              <a:rPr lang="en-US" sz="2000" dirty="0"/>
+              <a:t>Goal: Determine the accuracy of the approach</a:t>
+            </a:r>
+          </a:p>
+          <a:p>
+            <a:r>
+              <a:rPr lang="en-US" sz="2000" i="1" dirty="0" err="1"/>
+              <a:t>CoCoME</a:t>
+            </a:r>
+            <a:r>
+              <a:rPr lang="en-US" sz="2000" dirty="0"/>
+              <a:t> as running example</a:t>
+            </a:r>
+          </a:p>
+          <a:p>
+            <a:r>
+              <a:rPr lang="en-US" sz="2000" dirty="0"/>
+              <a:t>Comparison to two Reference Sets</a:t>
+            </a:r>
+          </a:p>
+          <a:p>
+            <a:pPr lvl="1"/>
+            <a:r>
+              <a:rPr lang="en-US" sz="1800" dirty="0">
+                <a:ea typeface="+mn-ea"/>
+                <a:cs typeface="+mn-cs"/>
+              </a:rPr>
+              <a:t>Decomposition by approach in “Identifying Microservices Using Functional Decomposition” [4]</a:t>
+            </a:r>
+          </a:p>
+          <a:p>
+            <a:pPr lvl="1"/>
+            <a:r>
+              <a:rPr lang="en-US" sz="1800" dirty="0">
+                <a:ea typeface="+mn-ea"/>
+                <a:cs typeface="+mn-cs"/>
+              </a:rPr>
+              <a:t>Manual Decomposition</a:t>
+            </a:r>
+          </a:p>
+          <a:p>
+            <a:r>
+              <a:rPr lang="en-US" sz="2000" dirty="0"/>
+              <a:t>Questions: What is the </a:t>
+            </a:r>
+            <a:r>
+              <a:rPr lang="en-US" sz="2000" i="1" dirty="0"/>
+              <a:t>Precision and Recall</a:t>
+            </a:r>
+            <a:r>
+              <a:rPr lang="en-US" sz="2000" dirty="0"/>
+              <a:t> regarding the identified</a:t>
+            </a:r>
+          </a:p>
+          <a:p>
+            <a:pPr lvl="1"/>
+            <a:r>
+              <a:rPr lang="en-US" sz="1800" dirty="0"/>
+              <a:t>microservices?</a:t>
+            </a:r>
+          </a:p>
+          <a:p>
+            <a:pPr lvl="1"/>
+            <a:r>
+              <a:rPr lang="en-US" sz="1800" dirty="0"/>
+              <a:t>functionalities of the microservices?</a:t>
+            </a:r>
+          </a:p>
+          <a:p>
+            <a:pPr lvl="1"/>
+            <a:r>
+              <a:rPr lang="en-US" sz="1800" dirty="0"/>
+              <a:t>data objects of the microservices?</a:t>
+            </a:r>
+          </a:p>
+          <a:p>
+            <a:endParaRPr lang="en-US" sz="2000" dirty="0"/>
+          </a:p>
+          <a:p>
+            <a:endParaRPr lang="en-US" sz="2000" dirty="0"/>
           </a:p>
         </p:txBody>
       </p:sp>
@@ -10895,6 +11953,36 @@
           </p:txBody>
         </p:sp>
       </p:grpSp>
+      <p:pic>
+        <p:nvPicPr>
+          <p:cNvPr id="2" name="Grafik 1">
+            <a:extLst>
+              <a:ext uri="{FF2B5EF4-FFF2-40B4-BE49-F238E27FC236}">
+                <a16:creationId xmlns:a16="http://schemas.microsoft.com/office/drawing/2014/main" id="{31BB79C4-7F8E-4B93-BF54-AF90B476A4C4}"/>
+              </a:ext>
+            </a:extLst>
+          </p:cNvPr>
+          <p:cNvPicPr>
+            <a:picLocks noChangeAspect="1"/>
+          </p:cNvPicPr>
+          <p:nvPr/>
+        </p:nvPicPr>
+        <p:blipFill>
+          <a:blip r:embed="rId2"/>
+          <a:stretch>
+            <a:fillRect/>
+          </a:stretch>
+        </p:blipFill>
+        <p:spPr>
+          <a:xfrm>
+            <a:off x="6810850" y="1059360"/>
+            <a:ext cx="4856217" cy="4099307"/>
+          </a:xfrm>
+          <a:prstGeom prst="rect">
+            <a:avLst/>
+          </a:prstGeom>
+        </p:spPr>
+      </p:pic>
     </p:spTree>
     <p:extLst>
       <p:ext uri="{BB962C8B-B14F-4D97-AF65-F5344CB8AC3E}">
@@ -10952,41 +12040,439 @@
           </a:p>
         </p:txBody>
       </p:sp>
-      <p:sp>
-        <p:nvSpPr>
-          <p:cNvPr id="29699" name="Rectangle 3"/>
-          <p:cNvSpPr>
-            <a:spLocks noGrp="1" noChangeArrowheads="1"/>
-          </p:cNvSpPr>
-          <p:nvPr>
-            <p:ph type="body" idx="1"/>
-          </p:nvPr>
-        </p:nvSpPr>
-        <p:spPr>
-          <a:xfrm>
-            <a:off x="524933" y="1083873"/>
-            <a:ext cx="11142133" cy="4782683"/>
-          </a:xfrm>
-        </p:spPr>
-        <p:txBody>
-          <a:bodyPr/>
-          <a:lstStyle/>
-          <a:p>
-            <a:r>
-              <a:rPr lang="de-DE" sz="2000" dirty="0"/>
-              <a:t>Resultate und Übereinstimmungen + kurze </a:t>
-            </a:r>
-            <a:r>
-              <a:rPr lang="de-DE" sz="2000" dirty="0" err="1"/>
-              <a:t>Diksussion</a:t>
-            </a:r>
-            <a:endParaRPr lang="de-DE" sz="2000" dirty="0"/>
-          </a:p>
-          <a:p>
-            <a:endParaRPr lang="de-DE" sz="2000" dirty="0"/>
-          </a:p>
-        </p:txBody>
-      </p:sp>
+      <mc:AlternateContent xmlns:mc="http://schemas.openxmlformats.org/markup-compatibility/2006">
+        <mc:Choice xmlns:a14="http://schemas.microsoft.com/office/drawing/2010/main" Requires="a14">
+          <p:sp>
+            <p:nvSpPr>
+              <p:cNvPr id="29699" name="Rectangle 3"/>
+              <p:cNvSpPr>
+                <a:spLocks noGrp="1" noChangeArrowheads="1"/>
+              </p:cNvSpPr>
+              <p:nvPr>
+                <p:ph type="body" idx="1"/>
+              </p:nvPr>
+            </p:nvSpPr>
+            <p:spPr>
+              <a:xfrm>
+                <a:off x="524934" y="1083873"/>
+                <a:ext cx="10107570" cy="4782683"/>
+              </a:xfrm>
+            </p:spPr>
+            <p:txBody>
+              <a:bodyPr/>
+              <a:lstStyle/>
+              <a:p>
+                <a:r>
+                  <a:rPr lang="en-US" sz="2000" dirty="0"/>
+                  <a:t>Reference Set 1 does not contain all functionalities          </a:t>
+                </a:r>
+              </a:p>
+              <a:p>
+                <a:pPr marL="0" indent="0">
+                  <a:buNone/>
+                </a:pPr>
+                <a:r>
+                  <a:rPr lang="en-US" sz="2000" dirty="0"/>
+                  <a:t>            focus is on Reference Set 2 (Manual Decomposition) </a:t>
+                </a:r>
+              </a:p>
+              <a:p>
+                <a:pPr marL="0" indent="0">
+                  <a:buNone/>
+                </a:pPr>
+                <a:endParaRPr lang="en-US" sz="2000" dirty="0"/>
+              </a:p>
+              <a:p>
+                <a:endParaRPr lang="en-US" sz="2000" dirty="0"/>
+              </a:p>
+              <a:p>
+                <a:r>
+                  <a:rPr lang="en-US" sz="2000" dirty="0" err="1"/>
+                  <a:t>Recall</a:t>
+                </a:r>
+                <a:r>
+                  <a:rPr lang="en-US" sz="2000" baseline="-25000" dirty="0" err="1"/>
+                  <a:t>microservice</a:t>
+                </a:r>
+                <a:r>
+                  <a:rPr lang="en-US" sz="2000" baseline="-25000" dirty="0"/>
+                  <a:t> </a:t>
+                </a:r>
+                <a:r>
+                  <a:rPr lang="en-US" sz="2000" dirty="0"/>
+                  <a:t>=  </a:t>
+                </a:r>
+                <a14:m>
+                  <m:oMath xmlns:m="http://schemas.openxmlformats.org/officeDocument/2006/math">
+                    <m:f>
+                      <m:fPr>
+                        <m:ctrlPr>
+                          <a:rPr lang="en-US" sz="2000" i="1" smtClean="0">
+                            <a:latin typeface="Cambria Math" panose="02040503050406030204" pitchFamily="18" charset="0"/>
+                          </a:rPr>
+                        </m:ctrlPr>
+                      </m:fPr>
+                      <m:num>
+                        <m:r>
+                          <a:rPr lang="de-DE" sz="2000" b="0" i="1" smtClean="0">
+                            <a:latin typeface="Cambria Math" panose="02040503050406030204" pitchFamily="18" charset="0"/>
+                          </a:rPr>
+                          <m:t>3</m:t>
+                        </m:r>
+                      </m:num>
+                      <m:den>
+                        <m:r>
+                          <a:rPr lang="de-DE" sz="2000" b="0" i="1" smtClean="0">
+                            <a:latin typeface="Cambria Math" panose="02040503050406030204" pitchFamily="18" charset="0"/>
+                          </a:rPr>
+                          <m:t>4</m:t>
+                        </m:r>
+                      </m:den>
+                    </m:f>
+                  </m:oMath>
+                </a14:m>
+                <a:r>
+                  <a:rPr lang="en-US" sz="2000" dirty="0"/>
+                  <a:t>  = 0.75      </a:t>
+                </a:r>
+                <a:r>
+                  <a:rPr lang="en-US" sz="2000" dirty="0" err="1"/>
+                  <a:t>Precision</a:t>
+                </a:r>
+                <a:r>
+                  <a:rPr lang="en-US" sz="2000" baseline="-25000" dirty="0" err="1"/>
+                  <a:t>microservice</a:t>
+                </a:r>
+                <a:r>
+                  <a:rPr lang="en-US" sz="2000" baseline="-25000" dirty="0"/>
+                  <a:t> </a:t>
+                </a:r>
+                <a:r>
+                  <a:rPr lang="en-US" sz="2000" dirty="0"/>
+                  <a:t>=  </a:t>
+                </a:r>
+                <a14:m>
+                  <m:oMath xmlns:m="http://schemas.openxmlformats.org/officeDocument/2006/math">
+                    <m:f>
+                      <m:fPr>
+                        <m:ctrlPr>
+                          <a:rPr lang="en-US" sz="2000" i="1">
+                            <a:latin typeface="Cambria Math" panose="02040503050406030204" pitchFamily="18" charset="0"/>
+                          </a:rPr>
+                        </m:ctrlPr>
+                      </m:fPr>
+                      <m:num>
+                        <m:r>
+                          <a:rPr lang="de-DE" sz="2000" i="1">
+                            <a:latin typeface="Cambria Math" panose="02040503050406030204" pitchFamily="18" charset="0"/>
+                          </a:rPr>
+                          <m:t>3</m:t>
+                        </m:r>
+                      </m:num>
+                      <m:den>
+                        <m:r>
+                          <a:rPr lang="de-DE" sz="2000" b="0" i="1" smtClean="0">
+                            <a:latin typeface="Cambria Math" panose="02040503050406030204" pitchFamily="18" charset="0"/>
+                          </a:rPr>
+                          <m:t>3</m:t>
+                        </m:r>
+                      </m:den>
+                    </m:f>
+                  </m:oMath>
+                </a14:m>
+                <a:r>
+                  <a:rPr lang="en-US" sz="2000" dirty="0"/>
+                  <a:t>  = 1</a:t>
+                </a:r>
+              </a:p>
+              <a:p>
+                <a:r>
+                  <a:rPr lang="en-US" sz="2000" dirty="0" err="1"/>
+                  <a:t>Recall</a:t>
+                </a:r>
+                <a:r>
+                  <a:rPr lang="en-US" sz="2000" baseline="-25000" dirty="0" err="1"/>
+                  <a:t>functionality</a:t>
+                </a:r>
+                <a:r>
+                  <a:rPr lang="en-US" sz="2000" baseline="-25000" dirty="0"/>
+                  <a:t> </a:t>
+                </a:r>
+                <a:r>
+                  <a:rPr lang="en-US" sz="2000" dirty="0"/>
+                  <a:t>=  </a:t>
+                </a:r>
+                <a14:m>
+                  <m:oMath xmlns:m="http://schemas.openxmlformats.org/officeDocument/2006/math">
+                    <m:f>
+                      <m:fPr>
+                        <m:ctrlPr>
+                          <a:rPr lang="en-US" sz="2000" i="1">
+                            <a:latin typeface="Cambria Math" panose="02040503050406030204" pitchFamily="18" charset="0"/>
+                          </a:rPr>
+                        </m:ctrlPr>
+                      </m:fPr>
+                      <m:num>
+                        <m:r>
+                          <a:rPr lang="de-DE" sz="2000" b="0" i="1" smtClean="0">
+                            <a:latin typeface="Cambria Math" panose="02040503050406030204" pitchFamily="18" charset="0"/>
+                          </a:rPr>
+                          <m:t>12</m:t>
+                        </m:r>
+                      </m:num>
+                      <m:den>
+                        <m:r>
+                          <a:rPr lang="de-DE" sz="2000" b="0" i="1" smtClean="0">
+                            <a:latin typeface="Cambria Math" panose="02040503050406030204" pitchFamily="18" charset="0"/>
+                          </a:rPr>
+                          <m:t>18</m:t>
+                        </m:r>
+                      </m:den>
+                    </m:f>
+                  </m:oMath>
+                </a14:m>
+                <a:r>
+                  <a:rPr lang="en-US" sz="2000" dirty="0"/>
+                  <a:t> ≈ 0.67      </a:t>
+                </a:r>
+                <a:r>
+                  <a:rPr lang="en-US" sz="2000" dirty="0" err="1"/>
+                  <a:t>Precision</a:t>
+                </a:r>
+                <a:r>
+                  <a:rPr lang="en-US" sz="2000" baseline="-25000" dirty="0" err="1"/>
+                  <a:t>functionality</a:t>
+                </a:r>
+                <a:r>
+                  <a:rPr lang="en-US" sz="2000" baseline="-25000" dirty="0"/>
+                  <a:t> </a:t>
+                </a:r>
+                <a:r>
+                  <a:rPr lang="en-US" sz="2000" dirty="0"/>
+                  <a:t>=  </a:t>
+                </a:r>
+                <a14:m>
+                  <m:oMath xmlns:m="http://schemas.openxmlformats.org/officeDocument/2006/math">
+                    <m:f>
+                      <m:fPr>
+                        <m:ctrlPr>
+                          <a:rPr lang="en-US" sz="2000" i="1">
+                            <a:latin typeface="Cambria Math" panose="02040503050406030204" pitchFamily="18" charset="0"/>
+                          </a:rPr>
+                        </m:ctrlPr>
+                      </m:fPr>
+                      <m:num>
+                        <m:r>
+                          <a:rPr lang="de-DE" sz="2000" i="1">
+                            <a:latin typeface="Cambria Math" panose="02040503050406030204" pitchFamily="18" charset="0"/>
+                          </a:rPr>
+                          <m:t>12</m:t>
+                        </m:r>
+                      </m:num>
+                      <m:den>
+                        <m:r>
+                          <a:rPr lang="de-DE" sz="2000" i="1">
+                            <a:latin typeface="Cambria Math" panose="02040503050406030204" pitchFamily="18" charset="0"/>
+                          </a:rPr>
+                          <m:t>1</m:t>
+                        </m:r>
+                        <m:r>
+                          <a:rPr lang="de-DE" sz="2000" b="0" i="1" smtClean="0">
+                            <a:latin typeface="Cambria Math" panose="02040503050406030204" pitchFamily="18" charset="0"/>
+                          </a:rPr>
+                          <m:t>3</m:t>
+                        </m:r>
+                      </m:den>
+                    </m:f>
+                  </m:oMath>
+                </a14:m>
+                <a:r>
+                  <a:rPr lang="en-US" sz="2000" dirty="0"/>
+                  <a:t> ≈ 0.92</a:t>
+                </a:r>
+              </a:p>
+              <a:p>
+                <a:r>
+                  <a:rPr lang="en-US" sz="2000" dirty="0" err="1"/>
+                  <a:t>Recall</a:t>
+                </a:r>
+                <a:r>
+                  <a:rPr lang="en-US" sz="2000" baseline="-25000" dirty="0" err="1"/>
+                  <a:t>dataObject</a:t>
+                </a:r>
+                <a:r>
+                  <a:rPr lang="en-US" sz="2000" baseline="-25000" dirty="0"/>
+                  <a:t> </a:t>
+                </a:r>
+                <a:r>
+                  <a:rPr lang="en-US" sz="2000" dirty="0"/>
+                  <a:t>=  </a:t>
+                </a:r>
+                <a14:m>
+                  <m:oMath xmlns:m="http://schemas.openxmlformats.org/officeDocument/2006/math">
+                    <m:f>
+                      <m:fPr>
+                        <m:ctrlPr>
+                          <a:rPr lang="en-US" sz="2000" i="1">
+                            <a:latin typeface="Cambria Math" panose="02040503050406030204" pitchFamily="18" charset="0"/>
+                          </a:rPr>
+                        </m:ctrlPr>
+                      </m:fPr>
+                      <m:num>
+                        <m:r>
+                          <a:rPr lang="de-DE" sz="2000" b="0" i="1" smtClean="0">
+                            <a:latin typeface="Cambria Math" panose="02040503050406030204" pitchFamily="18" charset="0"/>
+                          </a:rPr>
+                          <m:t>5</m:t>
+                        </m:r>
+                      </m:num>
+                      <m:den>
+                        <m:r>
+                          <a:rPr lang="de-DE" sz="2000" b="0" i="1" smtClean="0">
+                            <a:latin typeface="Cambria Math" panose="02040503050406030204" pitchFamily="18" charset="0"/>
+                          </a:rPr>
+                          <m:t>7</m:t>
+                        </m:r>
+                      </m:den>
+                    </m:f>
+                  </m:oMath>
+                </a14:m>
+                <a:r>
+                  <a:rPr lang="en-US" sz="2000" baseline="-25000" dirty="0"/>
+                  <a:t>  </a:t>
+                </a:r>
+                <a:r>
+                  <a:rPr lang="en-US" sz="2000" dirty="0"/>
+                  <a:t>≈ 0.71        </a:t>
+                </a:r>
+                <a:r>
+                  <a:rPr lang="en-US" sz="2000" dirty="0" err="1"/>
+                  <a:t>Precision</a:t>
+                </a:r>
+                <a:r>
+                  <a:rPr lang="en-US" sz="2000" baseline="-25000" dirty="0" err="1"/>
+                  <a:t>dataObject</a:t>
+                </a:r>
+                <a:r>
+                  <a:rPr lang="en-US" sz="2000" baseline="-25000" dirty="0"/>
+                  <a:t> </a:t>
+                </a:r>
+                <a:r>
+                  <a:rPr lang="en-US" sz="2000" dirty="0"/>
+                  <a:t>=  </a:t>
+                </a:r>
+                <a14:m>
+                  <m:oMath xmlns:m="http://schemas.openxmlformats.org/officeDocument/2006/math">
+                    <m:f>
+                      <m:fPr>
+                        <m:ctrlPr>
+                          <a:rPr lang="en-US" sz="2000" i="1">
+                            <a:latin typeface="Cambria Math" panose="02040503050406030204" pitchFamily="18" charset="0"/>
+                          </a:rPr>
+                        </m:ctrlPr>
+                      </m:fPr>
+                      <m:num>
+                        <m:r>
+                          <a:rPr lang="de-DE" sz="2000" i="1">
+                            <a:latin typeface="Cambria Math" panose="02040503050406030204" pitchFamily="18" charset="0"/>
+                          </a:rPr>
+                          <m:t>5</m:t>
+                        </m:r>
+                      </m:num>
+                      <m:den>
+                        <m:r>
+                          <a:rPr lang="de-DE" sz="2000" i="1">
+                            <a:latin typeface="Cambria Math" panose="02040503050406030204" pitchFamily="18" charset="0"/>
+                          </a:rPr>
+                          <m:t>7</m:t>
+                        </m:r>
+                      </m:den>
+                    </m:f>
+                  </m:oMath>
+                </a14:m>
+                <a:r>
+                  <a:rPr lang="en-US" sz="2000" baseline="-25000" dirty="0"/>
+                  <a:t>  </a:t>
+                </a:r>
+                <a:r>
+                  <a:rPr lang="en-US" sz="2000" dirty="0"/>
+                  <a:t>≈ 0.71        </a:t>
+                </a:r>
+              </a:p>
+              <a:p>
+                <a:pPr marL="0" indent="0">
+                  <a:buNone/>
+                </a:pPr>
+                <a:endParaRPr lang="en-US" sz="2000" dirty="0"/>
+              </a:p>
+              <a:p>
+                <a:endParaRPr lang="en-US" sz="2000" dirty="0"/>
+              </a:p>
+              <a:p>
+                <a:pPr marL="0" indent="0">
+                  <a:buNone/>
+                </a:pPr>
+                <a:r>
+                  <a:rPr lang="en-US" sz="2000" dirty="0"/>
+                  <a:t>                 Satisfying results </a:t>
+                </a:r>
+              </a:p>
+              <a:p>
+                <a:pPr marL="0" indent="0">
+                  <a:buNone/>
+                </a:pPr>
+                <a:r>
+                  <a:rPr lang="en-US" sz="2000" dirty="0"/>
+                  <a:t>  </a:t>
+                </a:r>
+              </a:p>
+              <a:p>
+                <a:pPr marL="0" indent="0">
+                  <a:buNone/>
+                </a:pPr>
+                <a:endParaRPr lang="en-US" sz="2000" dirty="0"/>
+              </a:p>
+            </p:txBody>
+          </p:sp>
+        </mc:Choice>
+        <mc:Fallback>
+          <p:sp>
+            <p:nvSpPr>
+              <p:cNvPr id="29699" name="Rectangle 3"/>
+              <p:cNvSpPr>
+                <a:spLocks noGrp="1" noRot="1" noChangeAspect="1" noMove="1" noResize="1" noEditPoints="1" noAdjustHandles="1" noChangeArrowheads="1" noChangeShapeType="1" noTextEdit="1"/>
+              </p:cNvSpPr>
+              <p:nvPr>
+                <p:ph type="body" idx="1"/>
+              </p:nvPr>
+            </p:nvSpPr>
+            <p:spPr>
+              <a:xfrm>
+                <a:off x="524934" y="1083873"/>
+                <a:ext cx="10107570" cy="4782683"/>
+              </a:xfrm>
+              <a:blipFill>
+                <a:blip r:embed="rId2"/>
+                <a:stretch>
+                  <a:fillRect t="-1531"/>
+                </a:stretch>
+              </a:blipFill>
+            </p:spPr>
+            <p:txBody>
+              <a:bodyPr/>
+              <a:lstStyle/>
+              <a:p>
+                <a:r>
+                  <a:rPr lang="en-GB">
+                    <a:noFill/>
+                  </a:rPr>
+                  <a:t> </a:t>
+                </a:r>
+              </a:p>
+            </p:txBody>
+          </p:sp>
+        </mc:Fallback>
+      </mc:AlternateContent>
       <p:grpSp>
         <p:nvGrpSpPr>
           <p:cNvPr id="4" name="Gruppieren 21">
@@ -11603,6 +13089,98 @@
           </p:txBody>
         </p:sp>
       </p:grpSp>
+      <p:sp>
+        <p:nvSpPr>
+          <p:cNvPr id="2" name="Pfeil: nach rechts 1">
+            <a:extLst>
+              <a:ext uri="{FF2B5EF4-FFF2-40B4-BE49-F238E27FC236}">
+                <a16:creationId xmlns:a16="http://schemas.microsoft.com/office/drawing/2014/main" id="{9D01D558-9A35-4668-B691-18FBEABF0738}"/>
+              </a:ext>
+            </a:extLst>
+          </p:cNvPr>
+          <p:cNvSpPr/>
+          <p:nvPr/>
+        </p:nvSpPr>
+        <p:spPr>
+          <a:xfrm>
+            <a:off x="839416" y="1484784"/>
+            <a:ext cx="360040" cy="216024"/>
+          </a:xfrm>
+          <a:prstGeom prst="rightArrow">
+            <a:avLst/>
+          </a:prstGeom>
+        </p:spPr>
+        <p:style>
+          <a:lnRef idx="2">
+            <a:schemeClr val="accent1">
+              <a:shade val="50000"/>
+            </a:schemeClr>
+          </a:lnRef>
+          <a:fillRef idx="1">
+            <a:schemeClr val="accent1"/>
+          </a:fillRef>
+          <a:effectRef idx="0">
+            <a:schemeClr val="accent1"/>
+          </a:effectRef>
+          <a:fontRef idx="minor">
+            <a:schemeClr val="lt1"/>
+          </a:fontRef>
+        </p:style>
+        <p:txBody>
+          <a:bodyPr rtlCol="0" anchor="ctr"/>
+          <a:lstStyle/>
+          <a:p>
+            <a:pPr algn="ctr"/>
+            <a:endParaRPr lang="en-GB"/>
+          </a:p>
+        </p:txBody>
+      </p:sp>
+      <p:sp>
+        <p:nvSpPr>
+          <p:cNvPr id="18" name="Pfeil: nach rechts 17">
+            <a:extLst>
+              <a:ext uri="{FF2B5EF4-FFF2-40B4-BE49-F238E27FC236}">
+                <a16:creationId xmlns:a16="http://schemas.microsoft.com/office/drawing/2014/main" id="{224322F7-E1B3-4465-B8C3-D986EF947E52}"/>
+              </a:ext>
+            </a:extLst>
+          </p:cNvPr>
+          <p:cNvSpPr/>
+          <p:nvPr/>
+        </p:nvSpPr>
+        <p:spPr>
+          <a:xfrm>
+            <a:off x="1019436" y="4869160"/>
+            <a:ext cx="360040" cy="216024"/>
+          </a:xfrm>
+          <a:prstGeom prst="rightArrow">
+            <a:avLst/>
+          </a:prstGeom>
+        </p:spPr>
+        <p:style>
+          <a:lnRef idx="2">
+            <a:schemeClr val="accent1">
+              <a:shade val="50000"/>
+            </a:schemeClr>
+          </a:lnRef>
+          <a:fillRef idx="1">
+            <a:schemeClr val="accent1"/>
+          </a:fillRef>
+          <a:effectRef idx="0">
+            <a:schemeClr val="accent1"/>
+          </a:effectRef>
+          <a:fontRef idx="minor">
+            <a:schemeClr val="lt1"/>
+          </a:fontRef>
+        </p:style>
+        <p:txBody>
+          <a:bodyPr rtlCol="0" anchor="ctr"/>
+          <a:lstStyle/>
+          <a:p>
+            <a:pPr algn="ctr"/>
+            <a:endParaRPr lang="en-GB"/>
+          </a:p>
+        </p:txBody>
+      </p:sp>
     </p:spTree>
     <p:extLst>
       <p:ext uri="{BB962C8B-B14F-4D97-AF65-F5344CB8AC3E}">
@@ -12455,12 +14033,81 @@
           <a:lstStyle/>
           <a:p>
             <a:r>
-              <a:rPr lang="de-DE" sz="2000" dirty="0"/>
-              <a:t>Nochmal RQs beantworten</a:t>
-            </a:r>
-          </a:p>
-          <a:p>
-            <a:endParaRPr lang="de-DE" sz="2000" dirty="0"/>
+              <a:rPr lang="en-US" sz="2000" dirty="0"/>
+              <a:t>State of the Art </a:t>
+            </a:r>
+          </a:p>
+          <a:p>
+            <a:r>
+              <a:rPr lang="en-US" sz="2000" dirty="0"/>
+              <a:t>Strategy inspired by "Object-Aware Identification of Microservices" [1] </a:t>
+            </a:r>
+          </a:p>
+          <a:p>
+            <a:pPr lvl="1"/>
+            <a:r>
+              <a:rPr lang="en-US" sz="1800" dirty="0"/>
+              <a:t>Acquired: Using control flow information to identify clusters of highly cohesive activities</a:t>
+            </a:r>
+          </a:p>
+          <a:p>
+            <a:pPr lvl="1"/>
+            <a:r>
+              <a:rPr lang="en-US" sz="1800" dirty="0"/>
+              <a:t>Added: Using data flow information to identify clusters of highly cohesive data objects</a:t>
+            </a:r>
+          </a:p>
+          <a:p>
+            <a:r>
+              <a:rPr lang="en-US" sz="2000" dirty="0"/>
+              <a:t>Approach elaborated</a:t>
+            </a:r>
+          </a:p>
+          <a:p>
+            <a:pPr lvl="1"/>
+            <a:r>
+              <a:rPr lang="en-US" sz="1800" dirty="0"/>
+              <a:t>Using clustering on control flow and data flow</a:t>
+            </a:r>
+          </a:p>
+          <a:p>
+            <a:pPr lvl="1"/>
+            <a:r>
+              <a:rPr lang="en-US" sz="1800" dirty="0"/>
+              <a:t>Input: System specifications in form of BPMN models</a:t>
+            </a:r>
+          </a:p>
+          <a:p>
+            <a:r>
+              <a:rPr lang="en-US" sz="2000" dirty="0"/>
+              <a:t>Evaluation conducted</a:t>
+            </a:r>
+          </a:p>
+          <a:p>
+            <a:pPr lvl="1"/>
+            <a:r>
+              <a:rPr lang="en-US" sz="1800" dirty="0"/>
+              <a:t>Approach applied to </a:t>
+            </a:r>
+            <a:r>
+              <a:rPr lang="en-US" sz="1800" dirty="0" err="1"/>
+              <a:t>CoCoME</a:t>
+            </a:r>
+            <a:endParaRPr lang="en-US" sz="1800" dirty="0"/>
+          </a:p>
+          <a:p>
+            <a:pPr lvl="1"/>
+            <a:r>
+              <a:rPr lang="en-US" sz="1800" dirty="0"/>
+              <a:t>Precision and Recall to determine accuracy of the approach</a:t>
+            </a:r>
+          </a:p>
+          <a:p>
+            <a:pPr lvl="1"/>
+            <a:r>
+              <a:rPr lang="en-US" sz="1800" dirty="0"/>
+              <a:t>Satisfying results</a:t>
+            </a:r>
           </a:p>
         </p:txBody>
       </p:sp>
@@ -13126,12 +14773,8 @@
           <a:lstStyle/>
           <a:p>
             <a:r>
-              <a:rPr lang="de-DE" dirty="0" err="1"/>
-              <a:t>Limitations</a:t>
-            </a:r>
-            <a:r>
-              <a:rPr lang="de-DE" dirty="0"/>
-              <a:t> and Future Work</a:t>
+              <a:rPr lang="en-US" dirty="0"/>
+              <a:t>Limitations and Future Work</a:t>
             </a:r>
           </a:p>
         </p:txBody>
@@ -13157,13 +14800,104 @@
           <a:lstStyle/>
           <a:p>
             <a:r>
-              <a:rPr lang="de-DE" sz="2000" dirty="0" err="1"/>
-              <a:t>Bla</a:t>
-            </a:r>
-            <a:endParaRPr lang="de-DE" sz="2000" dirty="0"/>
-          </a:p>
-          <a:p>
-            <a:endParaRPr lang="de-DE" sz="2000" dirty="0"/>
+              <a:rPr lang="en-US" sz="2200" dirty="0"/>
+              <a:t>Limitations</a:t>
+            </a:r>
+          </a:p>
+          <a:p>
+            <a:pPr lvl="1"/>
+            <a:r>
+              <a:rPr lang="en-US" sz="1800" dirty="0"/>
+              <a:t>Transformation of system specifications into BPMN models not trivial</a:t>
+            </a:r>
+          </a:p>
+          <a:p>
+            <a:pPr lvl="1"/>
+            <a:r>
+              <a:rPr lang="en-US" sz="1800" dirty="0"/>
+              <a:t>Same granularity for all BPMN models required</a:t>
+            </a:r>
+          </a:p>
+          <a:p>
+            <a:pPr lvl="1"/>
+            <a:r>
+              <a:rPr lang="en-US" sz="1800" dirty="0"/>
+              <a:t>Parameter </a:t>
+            </a:r>
+            <a:r>
+              <a:rPr lang="en-US" sz="1800" i="1" dirty="0"/>
+              <a:t>n </a:t>
+            </a:r>
+            <a:r>
+              <a:rPr lang="en-US" sz="1800" dirty="0"/>
+              <a:t>needs knowledge about granularity</a:t>
+            </a:r>
+          </a:p>
+          <a:p>
+            <a:pPr lvl="1"/>
+            <a:endParaRPr lang="en-US" sz="1800" dirty="0"/>
+          </a:p>
+          <a:p>
+            <a:pPr marL="634984" lvl="1" indent="0">
+              <a:buNone/>
+            </a:pPr>
+            <a:endParaRPr lang="en-US" sz="1800" dirty="0"/>
+          </a:p>
+          <a:p>
+            <a:r>
+              <a:rPr lang="en-US" sz="2200" dirty="0"/>
+              <a:t>Future Work</a:t>
+            </a:r>
+          </a:p>
+          <a:p>
+            <a:pPr lvl="1"/>
+            <a:r>
+              <a:rPr lang="en-US" sz="1800" dirty="0"/>
+              <a:t>Additional data flow diagram needed?</a:t>
+            </a:r>
+          </a:p>
+          <a:p>
+            <a:pPr lvl="1"/>
+            <a:r>
+              <a:rPr lang="en-US" sz="1800" dirty="0"/>
+              <a:t>Different clustering algorithms to achieve variable microservice sizes</a:t>
+            </a:r>
+          </a:p>
+          <a:p>
+            <a:pPr lvl="1"/>
+            <a:r>
+              <a:rPr lang="en-US" sz="1800" dirty="0"/>
+              <a:t>Approach capable of identifying different microservice sizes?</a:t>
+            </a:r>
+          </a:p>
+          <a:p>
+            <a:pPr lvl="1"/>
+            <a:r>
+              <a:rPr lang="en-US" sz="1800" dirty="0"/>
+              <a:t>Cluster matching: Elaborate </a:t>
+            </a:r>
+            <a:r>
+              <a:rPr lang="en-US" sz="1800" i="1" dirty="0"/>
+              <a:t>white box </a:t>
+            </a:r>
+            <a:r>
+              <a:rPr lang="en-US" sz="1800" dirty="0"/>
+              <a:t>approach</a:t>
+            </a:r>
+          </a:p>
+          <a:p>
+            <a:pPr lvl="1"/>
+            <a:r>
+              <a:rPr lang="en-US" sz="1800" dirty="0"/>
+              <a:t>Apply on other systems</a:t>
+            </a:r>
+          </a:p>
+          <a:p>
+            <a:pPr lvl="1"/>
+            <a:endParaRPr lang="en-US" sz="1800" dirty="0"/>
+          </a:p>
+          <a:p>
+            <a:endParaRPr lang="en-US" sz="2000" dirty="0"/>
           </a:p>
         </p:txBody>
       </p:sp>
@@ -13829,9 +15563,10 @@
           <a:lstStyle/>
           <a:p>
             <a:r>
-              <a:rPr lang="de-DE" dirty="0"/>
-              <a:t>Text</a:t>
-            </a:r>
+              <a:rPr lang="de-DE" dirty="0" err="1"/>
+              <a:t>Bibliography</a:t>
+            </a:r>
+            <a:endParaRPr lang="de-DE" dirty="0"/>
           </a:p>
         </p:txBody>
       </p:sp>
@@ -13847,7 +15582,7 @@
         </p:nvSpPr>
         <p:spPr>
           <a:xfrm>
-            <a:off x="524933" y="1083873"/>
+            <a:off x="579558" y="1083874"/>
             <a:ext cx="11142133" cy="4782683"/>
           </a:xfrm>
         </p:spPr>
@@ -13855,14 +15590,133 @@
           <a:bodyPr/>
           <a:lstStyle/>
           <a:p>
-            <a:r>
-              <a:rPr lang="de-DE" sz="2000" dirty="0" err="1"/>
-              <a:t>Bla</a:t>
-            </a:r>
-            <a:endParaRPr lang="de-DE" sz="2000" dirty="0"/>
-          </a:p>
-          <a:p>
-            <a:endParaRPr lang="de-DE" sz="2000" dirty="0"/>
+            <a:pPr marL="0" indent="0">
+              <a:buNone/>
+            </a:pPr>
+            <a:r>
+              <a:rPr lang="de-DE" sz="1800" dirty="0"/>
+              <a:t>[1]  </a:t>
+            </a:r>
+            <a:r>
+              <a:rPr lang="en-US" sz="1800" dirty="0"/>
+              <a:t>M. J. Amiri. “Object-Aware Identification of Microservices”. In: (July 2018), pp. 253–</a:t>
+            </a:r>
+            <a:r>
+              <a:rPr lang="it-IT" sz="1800" dirty="0"/>
+              <a:t>256</a:t>
+            </a:r>
+          </a:p>
+          <a:p>
+            <a:pPr marL="0" indent="0">
+              <a:buNone/>
+            </a:pPr>
+            <a:r>
+              <a:rPr lang="it-IT" sz="1800" dirty="0"/>
+              <a:t>[2]  </a:t>
+            </a:r>
+            <a:r>
+              <a:rPr lang="en-US" sz="1800" dirty="0"/>
+              <a:t>D. Lubke, K. Schneider, and M. </a:t>
+            </a:r>
+            <a:r>
+              <a:rPr lang="en-US" sz="1800" dirty="0" err="1"/>
+              <a:t>Weidlich</a:t>
+            </a:r>
+            <a:r>
+              <a:rPr lang="en-US" sz="1800" dirty="0"/>
+              <a:t>. “Visualizing Use Case Sets as BPMN </a:t>
+            </a:r>
+            <a:r>
+              <a:rPr lang="en-GB" sz="1800" dirty="0"/>
+              <a:t>Processes”</a:t>
+            </a:r>
+          </a:p>
+          <a:p>
+            <a:pPr marL="0" indent="0">
+              <a:buNone/>
+            </a:pPr>
+            <a:r>
+              <a:rPr lang="en-GB" sz="1800" dirty="0"/>
+              <a:t>[3] Bunch Software, </a:t>
+            </a:r>
+            <a:r>
+              <a:rPr lang="de-DE" sz="1800" dirty="0">
+                <a:hlinkClick r:id="rId2">
+                  <a:extLst>
+                    <a:ext uri="{A12FA001-AC4F-418D-AE19-62706E023703}">
+                      <ahyp:hlinkClr xmlns:ahyp="http://schemas.microsoft.com/office/drawing/2018/hyperlinkcolor" val="tx"/>
+                    </a:ext>
+                  </a:extLst>
+                </a:hlinkClick>
+              </a:rPr>
+              <a:t>https://www.cs.drexel.edu/~spiros/bunch/</a:t>
+            </a:r>
+            <a:r>
+              <a:rPr lang="de-DE" sz="1800" dirty="0"/>
+              <a:t>, </a:t>
+            </a:r>
+            <a:r>
+              <a:rPr lang="en-US" sz="1800" dirty="0"/>
+              <a:t>Accessed</a:t>
+            </a:r>
+            <a:r>
+              <a:rPr lang="de-DE" sz="1800" dirty="0"/>
+              <a:t> on 15.04.2019</a:t>
+            </a:r>
+          </a:p>
+          <a:p>
+            <a:pPr marL="0" indent="0">
+              <a:buNone/>
+            </a:pPr>
+            <a:r>
+              <a:rPr lang="de-DE" sz="1800" dirty="0"/>
+              <a:t>[4] </a:t>
+            </a:r>
+            <a:r>
+              <a:rPr lang="en-GB" sz="1800" dirty="0"/>
+              <a:t>Shmuel </a:t>
+            </a:r>
+            <a:r>
+              <a:rPr lang="en-GB" sz="1800" dirty="0" err="1"/>
+              <a:t>Tyszberowicz</a:t>
+            </a:r>
+            <a:r>
+              <a:rPr lang="en-GB" sz="1800" dirty="0"/>
+              <a:t> et al. “Identifying Microservices Using Functional Decomposition”</a:t>
+            </a:r>
+          </a:p>
+          <a:p>
+            <a:pPr marL="0" indent="0">
+              <a:buNone/>
+            </a:pPr>
+            <a:r>
+              <a:rPr lang="en-GB" sz="1800" dirty="0"/>
+              <a:t>[5] </a:t>
+            </a:r>
+            <a:r>
+              <a:rPr lang="en-US" sz="1800" dirty="0" err="1"/>
+              <a:t>Raaele</a:t>
+            </a:r>
+            <a:r>
+              <a:rPr lang="en-US" sz="1800" dirty="0"/>
+              <a:t> </a:t>
+            </a:r>
+            <a:r>
+              <a:rPr lang="en-US" sz="1800" dirty="0" err="1"/>
+              <a:t>Conforti</a:t>
+            </a:r>
+            <a:r>
+              <a:rPr lang="en-US" sz="1800" dirty="0"/>
+              <a:t> et al. “BPMN Miner: Automated discovery of BPMN process</a:t>
+            </a:r>
+            <a:r>
+              <a:rPr lang="en-GB" sz="1800" dirty="0"/>
+              <a:t>models with hierarchical structure”</a:t>
+            </a:r>
+            <a:endParaRPr lang="de-DE" sz="1800" dirty="0"/>
+          </a:p>
+          <a:p>
+            <a:endParaRPr lang="de-DE" sz="1800" dirty="0"/>
           </a:p>
         </p:txBody>
       </p:sp>
@@ -14485,7 +16339,7 @@
     </p:spTree>
     <p:extLst>
       <p:ext uri="{BB962C8B-B14F-4D97-AF65-F5344CB8AC3E}">
-        <p14:creationId xmlns:p14="http://schemas.microsoft.com/office/powerpoint/2010/main" val="2862380083"/>
+        <p14:creationId xmlns:p14="http://schemas.microsoft.com/office/powerpoint/2010/main" val="3090742409"/>
       </p:ext>
     </p:extLst>
   </p:cSld>
@@ -14496,2115 +16350,6 @@
 </file>
 
 <file path=ppt/slides/slide23.xml><?xml version="1.0" encoding="utf-8"?>
-<p:sld xmlns:a="http://schemas.openxmlformats.org/drawingml/2006/main" xmlns:r="http://schemas.openxmlformats.org/officeDocument/2006/relationships" xmlns:p="http://schemas.openxmlformats.org/presentationml/2006/main">
-  <p:cSld>
-    <p:spTree>
-      <p:nvGrpSpPr>
-        <p:cNvPr id="1" name=""/>
-        <p:cNvGrpSpPr/>
-        <p:nvPr/>
-      </p:nvGrpSpPr>
-      <p:grpSpPr>
-        <a:xfrm>
-          <a:off x="0" y="0"/>
-          <a:ext cx="0" cy="0"/>
-          <a:chOff x="0" y="0"/>
-          <a:chExt cx="0" cy="0"/>
-        </a:xfrm>
-      </p:grpSpPr>
-      <p:sp>
-        <p:nvSpPr>
-          <p:cNvPr id="29698" name="Rectangle 2"/>
-          <p:cNvSpPr>
-            <a:spLocks noGrp="1" noChangeArrowheads="1"/>
-          </p:cNvSpPr>
-          <p:nvPr>
-            <p:ph type="title"/>
-          </p:nvPr>
-        </p:nvSpPr>
-        <p:spPr/>
-        <p:txBody>
-          <a:bodyPr/>
-          <a:lstStyle/>
-          <a:p>
-            <a:r>
-              <a:rPr lang="de-DE" dirty="0"/>
-              <a:t>Text</a:t>
-            </a:r>
-          </a:p>
-        </p:txBody>
-      </p:sp>
-      <p:sp>
-        <p:nvSpPr>
-          <p:cNvPr id="29699" name="Rectangle 3"/>
-          <p:cNvSpPr>
-            <a:spLocks noGrp="1" noChangeArrowheads="1"/>
-          </p:cNvSpPr>
-          <p:nvPr>
-            <p:ph type="body" idx="1"/>
-          </p:nvPr>
-        </p:nvSpPr>
-        <p:spPr>
-          <a:xfrm>
-            <a:off x="524933" y="1083873"/>
-            <a:ext cx="11142133" cy="4782683"/>
-          </a:xfrm>
-        </p:spPr>
-        <p:txBody>
-          <a:bodyPr/>
-          <a:lstStyle/>
-          <a:p>
-            <a:r>
-              <a:rPr lang="de-DE" sz="2000" dirty="0" err="1"/>
-              <a:t>Bla</a:t>
-            </a:r>
-            <a:endParaRPr lang="de-DE" sz="2000" dirty="0"/>
-          </a:p>
-          <a:p>
-            <a:endParaRPr lang="de-DE" sz="2000" dirty="0"/>
-          </a:p>
-        </p:txBody>
-      </p:sp>
-      <p:grpSp>
-        <p:nvGrpSpPr>
-          <p:cNvPr id="4" name="Gruppieren 21">
-            <a:extLst>
-              <a:ext uri="{FF2B5EF4-FFF2-40B4-BE49-F238E27FC236}">
-                <a16:creationId xmlns:a16="http://schemas.microsoft.com/office/drawing/2014/main" id="{AA131601-72E5-4228-A286-1E3E6D78B764}"/>
-              </a:ext>
-            </a:extLst>
-          </p:cNvPr>
-          <p:cNvGrpSpPr/>
-          <p:nvPr/>
-        </p:nvGrpSpPr>
-        <p:grpSpPr>
-          <a:xfrm>
-            <a:off x="96000" y="5866557"/>
-            <a:ext cx="12096000" cy="399396"/>
-            <a:chOff x="25400" y="5986694"/>
-            <a:chExt cx="9072000" cy="299547"/>
-          </a:xfrm>
-        </p:grpSpPr>
-        <p:sp>
-          <p:nvSpPr>
-            <p:cNvPr id="5" name="Textfeld 13">
-              <a:extLst>
-                <a:ext uri="{FF2B5EF4-FFF2-40B4-BE49-F238E27FC236}">
-                  <a16:creationId xmlns:a16="http://schemas.microsoft.com/office/drawing/2014/main" id="{2BCE988F-F02A-4D6D-B2E3-D098FA90D670}"/>
-                </a:ext>
-              </a:extLst>
-            </p:cNvPr>
-            <p:cNvSpPr txBox="1"/>
-            <p:nvPr/>
-          </p:nvSpPr>
-          <p:spPr>
-            <a:xfrm>
-              <a:off x="1493183" y="6032322"/>
-              <a:ext cx="1067456" cy="253916"/>
-            </a:xfrm>
-            <a:prstGeom prst="rect">
-              <a:avLst/>
-            </a:prstGeom>
-            <a:noFill/>
-            <a:ln>
-              <a:noFill/>
-            </a:ln>
-          </p:spPr>
-          <p:style>
-            <a:lnRef idx="2">
-              <a:schemeClr val="accent3"/>
-            </a:lnRef>
-            <a:fillRef idx="1">
-              <a:schemeClr val="lt1"/>
-            </a:fillRef>
-            <a:effectRef idx="0">
-              <a:schemeClr val="accent3"/>
-            </a:effectRef>
-            <a:fontRef idx="minor">
-              <a:schemeClr val="dk1"/>
-            </a:fontRef>
-          </p:style>
-          <p:txBody>
-            <a:bodyPr wrap="square" rtlCol="0">
-              <a:spAutoFit/>
-            </a:bodyPr>
-            <a:lstStyle/>
-            <a:p>
-              <a:r>
-                <a:rPr lang="en-US" sz="1600" b="1" dirty="0"/>
-                <a:t>Foundation</a:t>
-              </a:r>
-            </a:p>
-          </p:txBody>
-        </p:sp>
-        <p:sp>
-          <p:nvSpPr>
-            <p:cNvPr id="6" name="Textfeld 14">
-              <a:extLst>
-                <a:ext uri="{FF2B5EF4-FFF2-40B4-BE49-F238E27FC236}">
-                  <a16:creationId xmlns:a16="http://schemas.microsoft.com/office/drawing/2014/main" id="{C8E64975-DD4E-484D-9EF4-CB11AB9E264F}"/>
-                </a:ext>
-              </a:extLst>
-            </p:cNvPr>
-            <p:cNvSpPr txBox="1"/>
-            <p:nvPr/>
-          </p:nvSpPr>
-          <p:spPr>
-            <a:xfrm>
-              <a:off x="6282440" y="6032325"/>
-              <a:ext cx="855042" cy="253916"/>
-            </a:xfrm>
-            <a:prstGeom prst="rect">
-              <a:avLst/>
-            </a:prstGeom>
-            <a:noFill/>
-            <a:ln>
-              <a:noFill/>
-            </a:ln>
-          </p:spPr>
-          <p:style>
-            <a:lnRef idx="2">
-              <a:schemeClr val="accent3"/>
-            </a:lnRef>
-            <a:fillRef idx="1">
-              <a:schemeClr val="lt1"/>
-            </a:fillRef>
-            <a:effectRef idx="0">
-              <a:schemeClr val="accent3"/>
-            </a:effectRef>
-            <a:fontRef idx="minor">
-              <a:schemeClr val="dk1"/>
-            </a:fontRef>
-          </p:style>
-          <p:txBody>
-            <a:bodyPr wrap="none" rtlCol="0">
-              <a:spAutoFit/>
-            </a:bodyPr>
-            <a:lstStyle/>
-            <a:p>
-              <a:r>
-                <a:rPr lang="en-US" sz="1600" dirty="0"/>
-                <a:t>Evaluation</a:t>
-              </a:r>
-            </a:p>
-          </p:txBody>
-        </p:sp>
-        <p:sp>
-          <p:nvSpPr>
-            <p:cNvPr id="7" name="Textfeld 6">
-              <a:extLst>
-                <a:ext uri="{FF2B5EF4-FFF2-40B4-BE49-F238E27FC236}">
-                  <a16:creationId xmlns:a16="http://schemas.microsoft.com/office/drawing/2014/main" id="{5B1D65DE-7E84-4D4A-AD1F-FC54B535CB1E}"/>
-                </a:ext>
-              </a:extLst>
-            </p:cNvPr>
-            <p:cNvSpPr txBox="1"/>
-            <p:nvPr/>
-          </p:nvSpPr>
-          <p:spPr>
-            <a:xfrm>
-              <a:off x="3028301" y="6032323"/>
-              <a:ext cx="1067456" cy="253916"/>
-            </a:xfrm>
-            <a:prstGeom prst="rect">
-              <a:avLst/>
-            </a:prstGeom>
-            <a:noFill/>
-            <a:ln>
-              <a:noFill/>
-            </a:ln>
-          </p:spPr>
-          <p:style>
-            <a:lnRef idx="2">
-              <a:schemeClr val="accent3"/>
-            </a:lnRef>
-            <a:fillRef idx="1">
-              <a:schemeClr val="lt1"/>
-            </a:fillRef>
-            <a:effectRef idx="0">
-              <a:schemeClr val="accent3"/>
-            </a:effectRef>
-            <a:fontRef idx="minor">
-              <a:schemeClr val="dk1"/>
-            </a:fontRef>
-          </p:style>
-          <p:txBody>
-            <a:bodyPr wrap="none" rtlCol="0">
-              <a:spAutoFit/>
-            </a:bodyPr>
-            <a:lstStyle/>
-            <a:p>
-              <a:r>
-                <a:rPr lang="en-US" sz="1600" dirty="0"/>
-                <a:t>Related Work</a:t>
-              </a:r>
-            </a:p>
-          </p:txBody>
-        </p:sp>
-        <p:sp>
-          <p:nvSpPr>
-            <p:cNvPr id="8" name="Textfeld 7">
-              <a:extLst>
-                <a:ext uri="{FF2B5EF4-FFF2-40B4-BE49-F238E27FC236}">
-                  <a16:creationId xmlns:a16="http://schemas.microsoft.com/office/drawing/2014/main" id="{8544E219-3395-4D35-AB47-83E797162EF8}"/>
-                </a:ext>
-              </a:extLst>
-            </p:cNvPr>
-            <p:cNvSpPr txBox="1"/>
-            <p:nvPr/>
-          </p:nvSpPr>
-          <p:spPr>
-            <a:xfrm>
-              <a:off x="7763010" y="6032321"/>
-              <a:ext cx="1278028" cy="253916"/>
-            </a:xfrm>
-            <a:prstGeom prst="rect">
-              <a:avLst/>
-            </a:prstGeom>
-            <a:noFill/>
-            <a:ln>
-              <a:noFill/>
-            </a:ln>
-          </p:spPr>
-          <p:style>
-            <a:lnRef idx="2">
-              <a:schemeClr val="accent3"/>
-            </a:lnRef>
-            <a:fillRef idx="1">
-              <a:schemeClr val="lt1"/>
-            </a:fillRef>
-            <a:effectRef idx="0">
-              <a:schemeClr val="accent3"/>
-            </a:effectRef>
-            <a:fontRef idx="minor">
-              <a:schemeClr val="dk1"/>
-            </a:fontRef>
-          </p:style>
-          <p:txBody>
-            <a:bodyPr wrap="square" rtlCol="0">
-              <a:spAutoFit/>
-            </a:bodyPr>
-            <a:lstStyle/>
-            <a:p>
-              <a:r>
-                <a:rPr lang="en-US" sz="1600" dirty="0"/>
-                <a:t>Summary</a:t>
-              </a:r>
-            </a:p>
-          </p:txBody>
-        </p:sp>
-        <p:sp>
-          <p:nvSpPr>
-            <p:cNvPr id="9" name="Textfeld 8">
-              <a:extLst>
-                <a:ext uri="{FF2B5EF4-FFF2-40B4-BE49-F238E27FC236}">
-                  <a16:creationId xmlns:a16="http://schemas.microsoft.com/office/drawing/2014/main" id="{852888F9-9852-4482-8D86-9D678EB085AD}"/>
-                </a:ext>
-              </a:extLst>
-            </p:cNvPr>
-            <p:cNvSpPr txBox="1"/>
-            <p:nvPr/>
-          </p:nvSpPr>
-          <p:spPr>
-            <a:xfrm>
-              <a:off x="179512" y="6032321"/>
-              <a:ext cx="955711" cy="253916"/>
-            </a:xfrm>
-            <a:prstGeom prst="rect">
-              <a:avLst/>
-            </a:prstGeom>
-            <a:noFill/>
-            <a:ln>
-              <a:noFill/>
-            </a:ln>
-          </p:spPr>
-          <p:style>
-            <a:lnRef idx="2">
-              <a:schemeClr val="accent3"/>
-            </a:lnRef>
-            <a:fillRef idx="1">
-              <a:schemeClr val="lt1"/>
-            </a:fillRef>
-            <a:effectRef idx="0">
-              <a:schemeClr val="accent3"/>
-            </a:effectRef>
-            <a:fontRef idx="minor">
-              <a:schemeClr val="dk1"/>
-            </a:fontRef>
-          </p:style>
-          <p:txBody>
-            <a:bodyPr wrap="square" rtlCol="0">
-              <a:spAutoFit/>
-            </a:bodyPr>
-            <a:lstStyle/>
-            <a:p>
-              <a:r>
-                <a:rPr lang="en-US" sz="1600" dirty="0"/>
-                <a:t>Motivation</a:t>
-              </a:r>
-            </a:p>
-          </p:txBody>
-        </p:sp>
-        <p:sp>
-          <p:nvSpPr>
-            <p:cNvPr id="10" name="Eingekerbter Richtungspfeil 23">
-              <a:extLst>
-                <a:ext uri="{FF2B5EF4-FFF2-40B4-BE49-F238E27FC236}">
-                  <a16:creationId xmlns:a16="http://schemas.microsoft.com/office/drawing/2014/main" id="{C005311E-133F-493F-BFFC-C169B3CA8A86}"/>
-                </a:ext>
-              </a:extLst>
-            </p:cNvPr>
-            <p:cNvSpPr/>
-            <p:nvPr/>
-          </p:nvSpPr>
-          <p:spPr>
-            <a:xfrm>
-              <a:off x="1234955" y="6091573"/>
-              <a:ext cx="158496" cy="158496"/>
-            </a:xfrm>
-            <a:prstGeom prst="chevron">
-              <a:avLst/>
-            </a:prstGeom>
-          </p:spPr>
-          <p:style>
-            <a:lnRef idx="1">
-              <a:schemeClr val="accent4"/>
-            </a:lnRef>
-            <a:fillRef idx="2">
-              <a:schemeClr val="accent4"/>
-            </a:fillRef>
-            <a:effectRef idx="1">
-              <a:schemeClr val="accent4"/>
-            </a:effectRef>
-            <a:fontRef idx="minor">
-              <a:schemeClr val="dk1"/>
-            </a:fontRef>
-          </p:style>
-          <p:txBody>
-            <a:bodyPr rtlCol="0" anchor="ctr"/>
-            <a:lstStyle/>
-            <a:p>
-              <a:pPr algn="ctr"/>
-              <a:endParaRPr lang="de-DE" dirty="0">
-                <a:solidFill>
-                  <a:schemeClr val="tx1"/>
-                </a:solidFill>
-              </a:endParaRPr>
-            </a:p>
-          </p:txBody>
-        </p:sp>
-        <p:sp>
-          <p:nvSpPr>
-            <p:cNvPr id="11" name="Eingekerbter Richtungspfeil 24">
-              <a:extLst>
-                <a:ext uri="{FF2B5EF4-FFF2-40B4-BE49-F238E27FC236}">
-                  <a16:creationId xmlns:a16="http://schemas.microsoft.com/office/drawing/2014/main" id="{13B86617-4353-46AD-97C4-7F02A1BA1B80}"/>
-                </a:ext>
-              </a:extLst>
-            </p:cNvPr>
-            <p:cNvSpPr/>
-            <p:nvPr/>
-          </p:nvSpPr>
-          <p:spPr>
-            <a:xfrm>
-              <a:off x="2577480" y="6091574"/>
-              <a:ext cx="158496" cy="158496"/>
-            </a:xfrm>
-            <a:prstGeom prst="chevron">
-              <a:avLst/>
-            </a:prstGeom>
-          </p:spPr>
-          <p:style>
-            <a:lnRef idx="1">
-              <a:schemeClr val="accent4"/>
-            </a:lnRef>
-            <a:fillRef idx="2">
-              <a:schemeClr val="accent4"/>
-            </a:fillRef>
-            <a:effectRef idx="1">
-              <a:schemeClr val="accent4"/>
-            </a:effectRef>
-            <a:fontRef idx="minor">
-              <a:schemeClr val="dk1"/>
-            </a:fontRef>
-          </p:style>
-          <p:txBody>
-            <a:bodyPr rtlCol="0" anchor="ctr"/>
-            <a:lstStyle/>
-            <a:p>
-              <a:pPr algn="ctr"/>
-              <a:endParaRPr lang="de-DE">
-                <a:solidFill>
-                  <a:schemeClr val="tx1"/>
-                </a:solidFill>
-              </a:endParaRPr>
-            </a:p>
-          </p:txBody>
-        </p:sp>
-        <p:sp>
-          <p:nvSpPr>
-            <p:cNvPr id="12" name="Eingekerbter Richtungspfeil 25">
-              <a:extLst>
-                <a:ext uri="{FF2B5EF4-FFF2-40B4-BE49-F238E27FC236}">
-                  <a16:creationId xmlns:a16="http://schemas.microsoft.com/office/drawing/2014/main" id="{40D0FAF6-EB9E-4EEF-BCBE-972523E34CB7}"/>
-                </a:ext>
-              </a:extLst>
-            </p:cNvPr>
-            <p:cNvSpPr/>
-            <p:nvPr/>
-          </p:nvSpPr>
-          <p:spPr>
-            <a:xfrm>
-              <a:off x="4269488" y="6091575"/>
-              <a:ext cx="158496" cy="158496"/>
-            </a:xfrm>
-            <a:prstGeom prst="chevron">
-              <a:avLst/>
-            </a:prstGeom>
-          </p:spPr>
-          <p:style>
-            <a:lnRef idx="1">
-              <a:schemeClr val="accent4"/>
-            </a:lnRef>
-            <a:fillRef idx="2">
-              <a:schemeClr val="accent4"/>
-            </a:fillRef>
-            <a:effectRef idx="1">
-              <a:schemeClr val="accent4"/>
-            </a:effectRef>
-            <a:fontRef idx="minor">
-              <a:schemeClr val="dk1"/>
-            </a:fontRef>
-          </p:style>
-          <p:txBody>
-            <a:bodyPr rtlCol="0" anchor="ctr"/>
-            <a:lstStyle/>
-            <a:p>
-              <a:pPr algn="ctr"/>
-              <a:endParaRPr lang="de-DE">
-                <a:solidFill>
-                  <a:schemeClr val="tx1"/>
-                </a:solidFill>
-              </a:endParaRPr>
-            </a:p>
-          </p:txBody>
-        </p:sp>
-        <p:sp>
-          <p:nvSpPr>
-            <p:cNvPr id="13" name="Textfeld 12">
-              <a:extLst>
-                <a:ext uri="{FF2B5EF4-FFF2-40B4-BE49-F238E27FC236}">
-                  <a16:creationId xmlns:a16="http://schemas.microsoft.com/office/drawing/2014/main" id="{6910B1B0-7848-461D-A8EE-494297AF2C2C}"/>
-                </a:ext>
-              </a:extLst>
-            </p:cNvPr>
-            <p:cNvSpPr txBox="1"/>
-            <p:nvPr/>
-          </p:nvSpPr>
-          <p:spPr>
-            <a:xfrm>
-              <a:off x="4788024" y="6032324"/>
-              <a:ext cx="796132" cy="253916"/>
-            </a:xfrm>
-            <a:prstGeom prst="rect">
-              <a:avLst/>
-            </a:prstGeom>
-            <a:noFill/>
-            <a:ln>
-              <a:noFill/>
-            </a:ln>
-          </p:spPr>
-          <p:style>
-            <a:lnRef idx="2">
-              <a:schemeClr val="accent3"/>
-            </a:lnRef>
-            <a:fillRef idx="1">
-              <a:schemeClr val="lt1"/>
-            </a:fillRef>
-            <a:effectRef idx="0">
-              <a:schemeClr val="accent3"/>
-            </a:effectRef>
-            <a:fontRef idx="minor">
-              <a:schemeClr val="dk1"/>
-            </a:fontRef>
-          </p:style>
-          <p:txBody>
-            <a:bodyPr wrap="none" rtlCol="0">
-              <a:spAutoFit/>
-            </a:bodyPr>
-            <a:lstStyle/>
-            <a:p>
-              <a:r>
-                <a:rPr lang="en-US" sz="1600" dirty="0"/>
-                <a:t>Approach</a:t>
-              </a:r>
-            </a:p>
-          </p:txBody>
-        </p:sp>
-        <p:sp>
-          <p:nvSpPr>
-            <p:cNvPr id="14" name="Eingekerbter Richtungspfeil 27">
-              <a:extLst>
-                <a:ext uri="{FF2B5EF4-FFF2-40B4-BE49-F238E27FC236}">
-                  <a16:creationId xmlns:a16="http://schemas.microsoft.com/office/drawing/2014/main" id="{C8C6383D-EFF4-4F8F-B7E7-55AA85D1E860}"/>
-                </a:ext>
-              </a:extLst>
-            </p:cNvPr>
-            <p:cNvSpPr/>
-            <p:nvPr/>
-          </p:nvSpPr>
-          <p:spPr>
-            <a:xfrm>
-              <a:off x="7320057" y="6091577"/>
-              <a:ext cx="158496" cy="158496"/>
-            </a:xfrm>
-            <a:prstGeom prst="chevron">
-              <a:avLst/>
-            </a:prstGeom>
-          </p:spPr>
-          <p:style>
-            <a:lnRef idx="1">
-              <a:schemeClr val="accent4"/>
-            </a:lnRef>
-            <a:fillRef idx="2">
-              <a:schemeClr val="accent4"/>
-            </a:fillRef>
-            <a:effectRef idx="1">
-              <a:schemeClr val="accent4"/>
-            </a:effectRef>
-            <a:fontRef idx="minor">
-              <a:schemeClr val="dk1"/>
-            </a:fontRef>
-          </p:style>
-          <p:txBody>
-            <a:bodyPr rtlCol="0" anchor="ctr"/>
-            <a:lstStyle/>
-            <a:p>
-              <a:pPr algn="ctr"/>
-              <a:endParaRPr lang="de-DE">
-                <a:solidFill>
-                  <a:schemeClr val="tx1"/>
-                </a:solidFill>
-              </a:endParaRPr>
-            </a:p>
-          </p:txBody>
-        </p:sp>
-        <p:cxnSp>
-          <p:nvCxnSpPr>
-            <p:cNvPr id="15" name="Gerade Verbindung 28">
-              <a:extLst>
-                <a:ext uri="{FF2B5EF4-FFF2-40B4-BE49-F238E27FC236}">
-                  <a16:creationId xmlns:a16="http://schemas.microsoft.com/office/drawing/2014/main" id="{BE0E1948-1999-44A0-B261-866A1DF5995B}"/>
-                </a:ext>
-              </a:extLst>
-            </p:cNvPr>
-            <p:cNvCxnSpPr/>
-            <p:nvPr/>
-          </p:nvCxnSpPr>
-          <p:spPr>
-            <a:xfrm>
-              <a:off x="25400" y="5986694"/>
-              <a:ext cx="9072000" cy="1588"/>
-            </a:xfrm>
-            <a:prstGeom prst="line">
-              <a:avLst/>
-            </a:prstGeom>
-            <a:ln w="41275">
-              <a:solidFill>
-                <a:schemeClr val="accent3">
-                  <a:lumMod val="85000"/>
-                </a:schemeClr>
-              </a:solidFill>
-            </a:ln>
-          </p:spPr>
-          <p:style>
-            <a:lnRef idx="1">
-              <a:schemeClr val="accent1"/>
-            </a:lnRef>
-            <a:fillRef idx="0">
-              <a:schemeClr val="accent1"/>
-            </a:fillRef>
-            <a:effectRef idx="0">
-              <a:schemeClr val="accent1"/>
-            </a:effectRef>
-            <a:fontRef idx="minor">
-              <a:schemeClr val="tx1"/>
-            </a:fontRef>
-          </p:style>
-        </p:cxnSp>
-        <p:sp>
-          <p:nvSpPr>
-            <p:cNvPr id="16" name="Eingekerbter Richtungspfeil 29">
-              <a:extLst>
-                <a:ext uri="{FF2B5EF4-FFF2-40B4-BE49-F238E27FC236}">
-                  <a16:creationId xmlns:a16="http://schemas.microsoft.com/office/drawing/2014/main" id="{A4600029-E40B-4FAC-BDEA-4C82CFF469F9}"/>
-                </a:ext>
-              </a:extLst>
-            </p:cNvPr>
-            <p:cNvSpPr/>
-            <p:nvPr/>
-          </p:nvSpPr>
-          <p:spPr>
-            <a:xfrm>
-              <a:off x="5925672" y="6091576"/>
-              <a:ext cx="158496" cy="158496"/>
-            </a:xfrm>
-            <a:prstGeom prst="chevron">
-              <a:avLst/>
-            </a:prstGeom>
-          </p:spPr>
-          <p:style>
-            <a:lnRef idx="1">
-              <a:schemeClr val="accent4"/>
-            </a:lnRef>
-            <a:fillRef idx="2">
-              <a:schemeClr val="accent4"/>
-            </a:fillRef>
-            <a:effectRef idx="1">
-              <a:schemeClr val="accent4"/>
-            </a:effectRef>
-            <a:fontRef idx="minor">
-              <a:schemeClr val="dk1"/>
-            </a:fontRef>
-          </p:style>
-          <p:txBody>
-            <a:bodyPr rtlCol="0" anchor="ctr"/>
-            <a:lstStyle/>
-            <a:p>
-              <a:pPr algn="ctr"/>
-              <a:endParaRPr lang="de-DE">
-                <a:solidFill>
-                  <a:schemeClr val="tx1"/>
-                </a:solidFill>
-              </a:endParaRPr>
-            </a:p>
-          </p:txBody>
-        </p:sp>
-      </p:grpSp>
-    </p:spTree>
-    <p:extLst>
-      <p:ext uri="{BB962C8B-B14F-4D97-AF65-F5344CB8AC3E}">
-        <p14:creationId xmlns:p14="http://schemas.microsoft.com/office/powerpoint/2010/main" val="1528123617"/>
-      </p:ext>
-    </p:extLst>
-  </p:cSld>
-  <p:clrMapOvr>
-    <a:masterClrMapping/>
-  </p:clrMapOvr>
-</p:sld>
-</file>
-
-<file path=ppt/slides/slide24.xml><?xml version="1.0" encoding="utf-8"?>
-<p:sld xmlns:a="http://schemas.openxmlformats.org/drawingml/2006/main" xmlns:r="http://schemas.openxmlformats.org/officeDocument/2006/relationships" xmlns:p="http://schemas.openxmlformats.org/presentationml/2006/main">
-  <p:cSld>
-    <p:spTree>
-      <p:nvGrpSpPr>
-        <p:cNvPr id="1" name=""/>
-        <p:cNvGrpSpPr/>
-        <p:nvPr/>
-      </p:nvGrpSpPr>
-      <p:grpSpPr>
-        <a:xfrm>
-          <a:off x="0" y="0"/>
-          <a:ext cx="0" cy="0"/>
-          <a:chOff x="0" y="0"/>
-          <a:chExt cx="0" cy="0"/>
-        </a:xfrm>
-      </p:grpSpPr>
-      <p:sp>
-        <p:nvSpPr>
-          <p:cNvPr id="29698" name="Rectangle 2"/>
-          <p:cNvSpPr>
-            <a:spLocks noGrp="1" noChangeArrowheads="1"/>
-          </p:cNvSpPr>
-          <p:nvPr>
-            <p:ph type="title"/>
-          </p:nvPr>
-        </p:nvSpPr>
-        <p:spPr/>
-        <p:txBody>
-          <a:bodyPr/>
-          <a:lstStyle/>
-          <a:p>
-            <a:r>
-              <a:rPr lang="de-DE" dirty="0"/>
-              <a:t>Text</a:t>
-            </a:r>
-          </a:p>
-        </p:txBody>
-      </p:sp>
-      <p:sp>
-        <p:nvSpPr>
-          <p:cNvPr id="29699" name="Rectangle 3"/>
-          <p:cNvSpPr>
-            <a:spLocks noGrp="1" noChangeArrowheads="1"/>
-          </p:cNvSpPr>
-          <p:nvPr>
-            <p:ph type="body" idx="1"/>
-          </p:nvPr>
-        </p:nvSpPr>
-        <p:spPr>
-          <a:xfrm>
-            <a:off x="524933" y="1083873"/>
-            <a:ext cx="11142133" cy="4782683"/>
-          </a:xfrm>
-        </p:spPr>
-        <p:txBody>
-          <a:bodyPr/>
-          <a:lstStyle/>
-          <a:p>
-            <a:r>
-              <a:rPr lang="de-DE" sz="2000" dirty="0" err="1"/>
-              <a:t>Bla</a:t>
-            </a:r>
-            <a:endParaRPr lang="de-DE" sz="2000" dirty="0"/>
-          </a:p>
-          <a:p>
-            <a:endParaRPr lang="de-DE" sz="2000" dirty="0"/>
-          </a:p>
-        </p:txBody>
-      </p:sp>
-      <p:grpSp>
-        <p:nvGrpSpPr>
-          <p:cNvPr id="4" name="Gruppieren 21">
-            <a:extLst>
-              <a:ext uri="{FF2B5EF4-FFF2-40B4-BE49-F238E27FC236}">
-                <a16:creationId xmlns:a16="http://schemas.microsoft.com/office/drawing/2014/main" id="{AA131601-72E5-4228-A286-1E3E6D78B764}"/>
-              </a:ext>
-            </a:extLst>
-          </p:cNvPr>
-          <p:cNvGrpSpPr/>
-          <p:nvPr/>
-        </p:nvGrpSpPr>
-        <p:grpSpPr>
-          <a:xfrm>
-            <a:off x="96000" y="5866557"/>
-            <a:ext cx="12096000" cy="399396"/>
-            <a:chOff x="25400" y="5986694"/>
-            <a:chExt cx="9072000" cy="299547"/>
-          </a:xfrm>
-        </p:grpSpPr>
-        <p:sp>
-          <p:nvSpPr>
-            <p:cNvPr id="5" name="Textfeld 13">
-              <a:extLst>
-                <a:ext uri="{FF2B5EF4-FFF2-40B4-BE49-F238E27FC236}">
-                  <a16:creationId xmlns:a16="http://schemas.microsoft.com/office/drawing/2014/main" id="{2BCE988F-F02A-4D6D-B2E3-D098FA90D670}"/>
-                </a:ext>
-              </a:extLst>
-            </p:cNvPr>
-            <p:cNvSpPr txBox="1"/>
-            <p:nvPr/>
-          </p:nvSpPr>
-          <p:spPr>
-            <a:xfrm>
-              <a:off x="1493183" y="6032322"/>
-              <a:ext cx="1067456" cy="253916"/>
-            </a:xfrm>
-            <a:prstGeom prst="rect">
-              <a:avLst/>
-            </a:prstGeom>
-            <a:noFill/>
-            <a:ln>
-              <a:noFill/>
-            </a:ln>
-          </p:spPr>
-          <p:style>
-            <a:lnRef idx="2">
-              <a:schemeClr val="accent3"/>
-            </a:lnRef>
-            <a:fillRef idx="1">
-              <a:schemeClr val="lt1"/>
-            </a:fillRef>
-            <a:effectRef idx="0">
-              <a:schemeClr val="accent3"/>
-            </a:effectRef>
-            <a:fontRef idx="minor">
-              <a:schemeClr val="dk1"/>
-            </a:fontRef>
-          </p:style>
-          <p:txBody>
-            <a:bodyPr wrap="square" rtlCol="0">
-              <a:spAutoFit/>
-            </a:bodyPr>
-            <a:lstStyle/>
-            <a:p>
-              <a:r>
-                <a:rPr lang="en-US" sz="1600" b="1" dirty="0"/>
-                <a:t>Foundation</a:t>
-              </a:r>
-            </a:p>
-          </p:txBody>
-        </p:sp>
-        <p:sp>
-          <p:nvSpPr>
-            <p:cNvPr id="6" name="Textfeld 14">
-              <a:extLst>
-                <a:ext uri="{FF2B5EF4-FFF2-40B4-BE49-F238E27FC236}">
-                  <a16:creationId xmlns:a16="http://schemas.microsoft.com/office/drawing/2014/main" id="{C8E64975-DD4E-484D-9EF4-CB11AB9E264F}"/>
-                </a:ext>
-              </a:extLst>
-            </p:cNvPr>
-            <p:cNvSpPr txBox="1"/>
-            <p:nvPr/>
-          </p:nvSpPr>
-          <p:spPr>
-            <a:xfrm>
-              <a:off x="6282440" y="6032325"/>
-              <a:ext cx="855042" cy="253916"/>
-            </a:xfrm>
-            <a:prstGeom prst="rect">
-              <a:avLst/>
-            </a:prstGeom>
-            <a:noFill/>
-            <a:ln>
-              <a:noFill/>
-            </a:ln>
-          </p:spPr>
-          <p:style>
-            <a:lnRef idx="2">
-              <a:schemeClr val="accent3"/>
-            </a:lnRef>
-            <a:fillRef idx="1">
-              <a:schemeClr val="lt1"/>
-            </a:fillRef>
-            <a:effectRef idx="0">
-              <a:schemeClr val="accent3"/>
-            </a:effectRef>
-            <a:fontRef idx="minor">
-              <a:schemeClr val="dk1"/>
-            </a:fontRef>
-          </p:style>
-          <p:txBody>
-            <a:bodyPr wrap="none" rtlCol="0">
-              <a:spAutoFit/>
-            </a:bodyPr>
-            <a:lstStyle/>
-            <a:p>
-              <a:r>
-                <a:rPr lang="en-US" sz="1600" dirty="0"/>
-                <a:t>Evaluation</a:t>
-              </a:r>
-            </a:p>
-          </p:txBody>
-        </p:sp>
-        <p:sp>
-          <p:nvSpPr>
-            <p:cNvPr id="7" name="Textfeld 6">
-              <a:extLst>
-                <a:ext uri="{FF2B5EF4-FFF2-40B4-BE49-F238E27FC236}">
-                  <a16:creationId xmlns:a16="http://schemas.microsoft.com/office/drawing/2014/main" id="{5B1D65DE-7E84-4D4A-AD1F-FC54B535CB1E}"/>
-                </a:ext>
-              </a:extLst>
-            </p:cNvPr>
-            <p:cNvSpPr txBox="1"/>
-            <p:nvPr/>
-          </p:nvSpPr>
-          <p:spPr>
-            <a:xfrm>
-              <a:off x="3028301" y="6032323"/>
-              <a:ext cx="1067456" cy="253916"/>
-            </a:xfrm>
-            <a:prstGeom prst="rect">
-              <a:avLst/>
-            </a:prstGeom>
-            <a:noFill/>
-            <a:ln>
-              <a:noFill/>
-            </a:ln>
-          </p:spPr>
-          <p:style>
-            <a:lnRef idx="2">
-              <a:schemeClr val="accent3"/>
-            </a:lnRef>
-            <a:fillRef idx="1">
-              <a:schemeClr val="lt1"/>
-            </a:fillRef>
-            <a:effectRef idx="0">
-              <a:schemeClr val="accent3"/>
-            </a:effectRef>
-            <a:fontRef idx="minor">
-              <a:schemeClr val="dk1"/>
-            </a:fontRef>
-          </p:style>
-          <p:txBody>
-            <a:bodyPr wrap="none" rtlCol="0">
-              <a:spAutoFit/>
-            </a:bodyPr>
-            <a:lstStyle/>
-            <a:p>
-              <a:r>
-                <a:rPr lang="en-US" sz="1600" dirty="0"/>
-                <a:t>Related Work</a:t>
-              </a:r>
-            </a:p>
-          </p:txBody>
-        </p:sp>
-        <p:sp>
-          <p:nvSpPr>
-            <p:cNvPr id="8" name="Textfeld 7">
-              <a:extLst>
-                <a:ext uri="{FF2B5EF4-FFF2-40B4-BE49-F238E27FC236}">
-                  <a16:creationId xmlns:a16="http://schemas.microsoft.com/office/drawing/2014/main" id="{8544E219-3395-4D35-AB47-83E797162EF8}"/>
-                </a:ext>
-              </a:extLst>
-            </p:cNvPr>
-            <p:cNvSpPr txBox="1"/>
-            <p:nvPr/>
-          </p:nvSpPr>
-          <p:spPr>
-            <a:xfrm>
-              <a:off x="7763010" y="6032321"/>
-              <a:ext cx="1278028" cy="253916"/>
-            </a:xfrm>
-            <a:prstGeom prst="rect">
-              <a:avLst/>
-            </a:prstGeom>
-            <a:noFill/>
-            <a:ln>
-              <a:noFill/>
-            </a:ln>
-          </p:spPr>
-          <p:style>
-            <a:lnRef idx="2">
-              <a:schemeClr val="accent3"/>
-            </a:lnRef>
-            <a:fillRef idx="1">
-              <a:schemeClr val="lt1"/>
-            </a:fillRef>
-            <a:effectRef idx="0">
-              <a:schemeClr val="accent3"/>
-            </a:effectRef>
-            <a:fontRef idx="minor">
-              <a:schemeClr val="dk1"/>
-            </a:fontRef>
-          </p:style>
-          <p:txBody>
-            <a:bodyPr wrap="square" rtlCol="0">
-              <a:spAutoFit/>
-            </a:bodyPr>
-            <a:lstStyle/>
-            <a:p>
-              <a:r>
-                <a:rPr lang="en-US" sz="1600" dirty="0"/>
-                <a:t>Summary</a:t>
-              </a:r>
-            </a:p>
-          </p:txBody>
-        </p:sp>
-        <p:sp>
-          <p:nvSpPr>
-            <p:cNvPr id="9" name="Textfeld 8">
-              <a:extLst>
-                <a:ext uri="{FF2B5EF4-FFF2-40B4-BE49-F238E27FC236}">
-                  <a16:creationId xmlns:a16="http://schemas.microsoft.com/office/drawing/2014/main" id="{852888F9-9852-4482-8D86-9D678EB085AD}"/>
-                </a:ext>
-              </a:extLst>
-            </p:cNvPr>
-            <p:cNvSpPr txBox="1"/>
-            <p:nvPr/>
-          </p:nvSpPr>
-          <p:spPr>
-            <a:xfrm>
-              <a:off x="179512" y="6032321"/>
-              <a:ext cx="955711" cy="253916"/>
-            </a:xfrm>
-            <a:prstGeom prst="rect">
-              <a:avLst/>
-            </a:prstGeom>
-            <a:noFill/>
-            <a:ln>
-              <a:noFill/>
-            </a:ln>
-          </p:spPr>
-          <p:style>
-            <a:lnRef idx="2">
-              <a:schemeClr val="accent3"/>
-            </a:lnRef>
-            <a:fillRef idx="1">
-              <a:schemeClr val="lt1"/>
-            </a:fillRef>
-            <a:effectRef idx="0">
-              <a:schemeClr val="accent3"/>
-            </a:effectRef>
-            <a:fontRef idx="minor">
-              <a:schemeClr val="dk1"/>
-            </a:fontRef>
-          </p:style>
-          <p:txBody>
-            <a:bodyPr wrap="square" rtlCol="0">
-              <a:spAutoFit/>
-            </a:bodyPr>
-            <a:lstStyle/>
-            <a:p>
-              <a:r>
-                <a:rPr lang="en-US" sz="1600" dirty="0"/>
-                <a:t>Motivation</a:t>
-              </a:r>
-            </a:p>
-          </p:txBody>
-        </p:sp>
-        <p:sp>
-          <p:nvSpPr>
-            <p:cNvPr id="10" name="Eingekerbter Richtungspfeil 23">
-              <a:extLst>
-                <a:ext uri="{FF2B5EF4-FFF2-40B4-BE49-F238E27FC236}">
-                  <a16:creationId xmlns:a16="http://schemas.microsoft.com/office/drawing/2014/main" id="{C005311E-133F-493F-BFFC-C169B3CA8A86}"/>
-                </a:ext>
-              </a:extLst>
-            </p:cNvPr>
-            <p:cNvSpPr/>
-            <p:nvPr/>
-          </p:nvSpPr>
-          <p:spPr>
-            <a:xfrm>
-              <a:off x="1234955" y="6091573"/>
-              <a:ext cx="158496" cy="158496"/>
-            </a:xfrm>
-            <a:prstGeom prst="chevron">
-              <a:avLst/>
-            </a:prstGeom>
-          </p:spPr>
-          <p:style>
-            <a:lnRef idx="1">
-              <a:schemeClr val="accent4"/>
-            </a:lnRef>
-            <a:fillRef idx="2">
-              <a:schemeClr val="accent4"/>
-            </a:fillRef>
-            <a:effectRef idx="1">
-              <a:schemeClr val="accent4"/>
-            </a:effectRef>
-            <a:fontRef idx="minor">
-              <a:schemeClr val="dk1"/>
-            </a:fontRef>
-          </p:style>
-          <p:txBody>
-            <a:bodyPr rtlCol="0" anchor="ctr"/>
-            <a:lstStyle/>
-            <a:p>
-              <a:pPr algn="ctr"/>
-              <a:endParaRPr lang="de-DE" dirty="0">
-                <a:solidFill>
-                  <a:schemeClr val="tx1"/>
-                </a:solidFill>
-              </a:endParaRPr>
-            </a:p>
-          </p:txBody>
-        </p:sp>
-        <p:sp>
-          <p:nvSpPr>
-            <p:cNvPr id="11" name="Eingekerbter Richtungspfeil 24">
-              <a:extLst>
-                <a:ext uri="{FF2B5EF4-FFF2-40B4-BE49-F238E27FC236}">
-                  <a16:creationId xmlns:a16="http://schemas.microsoft.com/office/drawing/2014/main" id="{13B86617-4353-46AD-97C4-7F02A1BA1B80}"/>
-                </a:ext>
-              </a:extLst>
-            </p:cNvPr>
-            <p:cNvSpPr/>
-            <p:nvPr/>
-          </p:nvSpPr>
-          <p:spPr>
-            <a:xfrm>
-              <a:off x="2577480" y="6091574"/>
-              <a:ext cx="158496" cy="158496"/>
-            </a:xfrm>
-            <a:prstGeom prst="chevron">
-              <a:avLst/>
-            </a:prstGeom>
-          </p:spPr>
-          <p:style>
-            <a:lnRef idx="1">
-              <a:schemeClr val="accent4"/>
-            </a:lnRef>
-            <a:fillRef idx="2">
-              <a:schemeClr val="accent4"/>
-            </a:fillRef>
-            <a:effectRef idx="1">
-              <a:schemeClr val="accent4"/>
-            </a:effectRef>
-            <a:fontRef idx="minor">
-              <a:schemeClr val="dk1"/>
-            </a:fontRef>
-          </p:style>
-          <p:txBody>
-            <a:bodyPr rtlCol="0" anchor="ctr"/>
-            <a:lstStyle/>
-            <a:p>
-              <a:pPr algn="ctr"/>
-              <a:endParaRPr lang="de-DE">
-                <a:solidFill>
-                  <a:schemeClr val="tx1"/>
-                </a:solidFill>
-              </a:endParaRPr>
-            </a:p>
-          </p:txBody>
-        </p:sp>
-        <p:sp>
-          <p:nvSpPr>
-            <p:cNvPr id="12" name="Eingekerbter Richtungspfeil 25">
-              <a:extLst>
-                <a:ext uri="{FF2B5EF4-FFF2-40B4-BE49-F238E27FC236}">
-                  <a16:creationId xmlns:a16="http://schemas.microsoft.com/office/drawing/2014/main" id="{40D0FAF6-EB9E-4EEF-BCBE-972523E34CB7}"/>
-                </a:ext>
-              </a:extLst>
-            </p:cNvPr>
-            <p:cNvSpPr/>
-            <p:nvPr/>
-          </p:nvSpPr>
-          <p:spPr>
-            <a:xfrm>
-              <a:off x="4269488" y="6091575"/>
-              <a:ext cx="158496" cy="158496"/>
-            </a:xfrm>
-            <a:prstGeom prst="chevron">
-              <a:avLst/>
-            </a:prstGeom>
-          </p:spPr>
-          <p:style>
-            <a:lnRef idx="1">
-              <a:schemeClr val="accent4"/>
-            </a:lnRef>
-            <a:fillRef idx="2">
-              <a:schemeClr val="accent4"/>
-            </a:fillRef>
-            <a:effectRef idx="1">
-              <a:schemeClr val="accent4"/>
-            </a:effectRef>
-            <a:fontRef idx="minor">
-              <a:schemeClr val="dk1"/>
-            </a:fontRef>
-          </p:style>
-          <p:txBody>
-            <a:bodyPr rtlCol="0" anchor="ctr"/>
-            <a:lstStyle/>
-            <a:p>
-              <a:pPr algn="ctr"/>
-              <a:endParaRPr lang="de-DE">
-                <a:solidFill>
-                  <a:schemeClr val="tx1"/>
-                </a:solidFill>
-              </a:endParaRPr>
-            </a:p>
-          </p:txBody>
-        </p:sp>
-        <p:sp>
-          <p:nvSpPr>
-            <p:cNvPr id="13" name="Textfeld 12">
-              <a:extLst>
-                <a:ext uri="{FF2B5EF4-FFF2-40B4-BE49-F238E27FC236}">
-                  <a16:creationId xmlns:a16="http://schemas.microsoft.com/office/drawing/2014/main" id="{6910B1B0-7848-461D-A8EE-494297AF2C2C}"/>
-                </a:ext>
-              </a:extLst>
-            </p:cNvPr>
-            <p:cNvSpPr txBox="1"/>
-            <p:nvPr/>
-          </p:nvSpPr>
-          <p:spPr>
-            <a:xfrm>
-              <a:off x="4788024" y="6032324"/>
-              <a:ext cx="796132" cy="253916"/>
-            </a:xfrm>
-            <a:prstGeom prst="rect">
-              <a:avLst/>
-            </a:prstGeom>
-            <a:noFill/>
-            <a:ln>
-              <a:noFill/>
-            </a:ln>
-          </p:spPr>
-          <p:style>
-            <a:lnRef idx="2">
-              <a:schemeClr val="accent3"/>
-            </a:lnRef>
-            <a:fillRef idx="1">
-              <a:schemeClr val="lt1"/>
-            </a:fillRef>
-            <a:effectRef idx="0">
-              <a:schemeClr val="accent3"/>
-            </a:effectRef>
-            <a:fontRef idx="minor">
-              <a:schemeClr val="dk1"/>
-            </a:fontRef>
-          </p:style>
-          <p:txBody>
-            <a:bodyPr wrap="none" rtlCol="0">
-              <a:spAutoFit/>
-            </a:bodyPr>
-            <a:lstStyle/>
-            <a:p>
-              <a:r>
-                <a:rPr lang="en-US" sz="1600" dirty="0"/>
-                <a:t>Approach</a:t>
-              </a:r>
-            </a:p>
-          </p:txBody>
-        </p:sp>
-        <p:sp>
-          <p:nvSpPr>
-            <p:cNvPr id="14" name="Eingekerbter Richtungspfeil 27">
-              <a:extLst>
-                <a:ext uri="{FF2B5EF4-FFF2-40B4-BE49-F238E27FC236}">
-                  <a16:creationId xmlns:a16="http://schemas.microsoft.com/office/drawing/2014/main" id="{C8C6383D-EFF4-4F8F-B7E7-55AA85D1E860}"/>
-                </a:ext>
-              </a:extLst>
-            </p:cNvPr>
-            <p:cNvSpPr/>
-            <p:nvPr/>
-          </p:nvSpPr>
-          <p:spPr>
-            <a:xfrm>
-              <a:off x="7320057" y="6091577"/>
-              <a:ext cx="158496" cy="158496"/>
-            </a:xfrm>
-            <a:prstGeom prst="chevron">
-              <a:avLst/>
-            </a:prstGeom>
-          </p:spPr>
-          <p:style>
-            <a:lnRef idx="1">
-              <a:schemeClr val="accent4"/>
-            </a:lnRef>
-            <a:fillRef idx="2">
-              <a:schemeClr val="accent4"/>
-            </a:fillRef>
-            <a:effectRef idx="1">
-              <a:schemeClr val="accent4"/>
-            </a:effectRef>
-            <a:fontRef idx="minor">
-              <a:schemeClr val="dk1"/>
-            </a:fontRef>
-          </p:style>
-          <p:txBody>
-            <a:bodyPr rtlCol="0" anchor="ctr"/>
-            <a:lstStyle/>
-            <a:p>
-              <a:pPr algn="ctr"/>
-              <a:endParaRPr lang="de-DE">
-                <a:solidFill>
-                  <a:schemeClr val="tx1"/>
-                </a:solidFill>
-              </a:endParaRPr>
-            </a:p>
-          </p:txBody>
-        </p:sp>
-        <p:cxnSp>
-          <p:nvCxnSpPr>
-            <p:cNvPr id="15" name="Gerade Verbindung 28">
-              <a:extLst>
-                <a:ext uri="{FF2B5EF4-FFF2-40B4-BE49-F238E27FC236}">
-                  <a16:creationId xmlns:a16="http://schemas.microsoft.com/office/drawing/2014/main" id="{BE0E1948-1999-44A0-B261-866A1DF5995B}"/>
-                </a:ext>
-              </a:extLst>
-            </p:cNvPr>
-            <p:cNvCxnSpPr/>
-            <p:nvPr/>
-          </p:nvCxnSpPr>
-          <p:spPr>
-            <a:xfrm>
-              <a:off x="25400" y="5986694"/>
-              <a:ext cx="9072000" cy="1588"/>
-            </a:xfrm>
-            <a:prstGeom prst="line">
-              <a:avLst/>
-            </a:prstGeom>
-            <a:ln w="41275">
-              <a:solidFill>
-                <a:schemeClr val="accent3">
-                  <a:lumMod val="85000"/>
-                </a:schemeClr>
-              </a:solidFill>
-            </a:ln>
-          </p:spPr>
-          <p:style>
-            <a:lnRef idx="1">
-              <a:schemeClr val="accent1"/>
-            </a:lnRef>
-            <a:fillRef idx="0">
-              <a:schemeClr val="accent1"/>
-            </a:fillRef>
-            <a:effectRef idx="0">
-              <a:schemeClr val="accent1"/>
-            </a:effectRef>
-            <a:fontRef idx="minor">
-              <a:schemeClr val="tx1"/>
-            </a:fontRef>
-          </p:style>
-        </p:cxnSp>
-        <p:sp>
-          <p:nvSpPr>
-            <p:cNvPr id="16" name="Eingekerbter Richtungspfeil 29">
-              <a:extLst>
-                <a:ext uri="{FF2B5EF4-FFF2-40B4-BE49-F238E27FC236}">
-                  <a16:creationId xmlns:a16="http://schemas.microsoft.com/office/drawing/2014/main" id="{A4600029-E40B-4FAC-BDEA-4C82CFF469F9}"/>
-                </a:ext>
-              </a:extLst>
-            </p:cNvPr>
-            <p:cNvSpPr/>
-            <p:nvPr/>
-          </p:nvSpPr>
-          <p:spPr>
-            <a:xfrm>
-              <a:off x="5925672" y="6091576"/>
-              <a:ext cx="158496" cy="158496"/>
-            </a:xfrm>
-            <a:prstGeom prst="chevron">
-              <a:avLst/>
-            </a:prstGeom>
-          </p:spPr>
-          <p:style>
-            <a:lnRef idx="1">
-              <a:schemeClr val="accent4"/>
-            </a:lnRef>
-            <a:fillRef idx="2">
-              <a:schemeClr val="accent4"/>
-            </a:fillRef>
-            <a:effectRef idx="1">
-              <a:schemeClr val="accent4"/>
-            </a:effectRef>
-            <a:fontRef idx="minor">
-              <a:schemeClr val="dk1"/>
-            </a:fontRef>
-          </p:style>
-          <p:txBody>
-            <a:bodyPr rtlCol="0" anchor="ctr"/>
-            <a:lstStyle/>
-            <a:p>
-              <a:pPr algn="ctr"/>
-              <a:endParaRPr lang="de-DE">
-                <a:solidFill>
-                  <a:schemeClr val="tx1"/>
-                </a:solidFill>
-              </a:endParaRPr>
-            </a:p>
-          </p:txBody>
-        </p:sp>
-      </p:grpSp>
-    </p:spTree>
-    <p:extLst>
-      <p:ext uri="{BB962C8B-B14F-4D97-AF65-F5344CB8AC3E}">
-        <p14:creationId xmlns:p14="http://schemas.microsoft.com/office/powerpoint/2010/main" val="1064207406"/>
-      </p:ext>
-    </p:extLst>
-  </p:cSld>
-  <p:clrMapOvr>
-    <a:masterClrMapping/>
-  </p:clrMapOvr>
-</p:sld>
-</file>
-
-<file path=ppt/slides/slide25.xml><?xml version="1.0" encoding="utf-8"?>
-<p:sld xmlns:a="http://schemas.openxmlformats.org/drawingml/2006/main" xmlns:r="http://schemas.openxmlformats.org/officeDocument/2006/relationships" xmlns:p="http://schemas.openxmlformats.org/presentationml/2006/main">
-  <p:cSld>
-    <p:spTree>
-      <p:nvGrpSpPr>
-        <p:cNvPr id="1" name=""/>
-        <p:cNvGrpSpPr/>
-        <p:nvPr/>
-      </p:nvGrpSpPr>
-      <p:grpSpPr>
-        <a:xfrm>
-          <a:off x="0" y="0"/>
-          <a:ext cx="0" cy="0"/>
-          <a:chOff x="0" y="0"/>
-          <a:chExt cx="0" cy="0"/>
-        </a:xfrm>
-      </p:grpSpPr>
-      <p:sp>
-        <p:nvSpPr>
-          <p:cNvPr id="29698" name="Rectangle 2"/>
-          <p:cNvSpPr>
-            <a:spLocks noGrp="1" noChangeArrowheads="1"/>
-          </p:cNvSpPr>
-          <p:nvPr>
-            <p:ph type="title"/>
-          </p:nvPr>
-        </p:nvSpPr>
-        <p:spPr/>
-        <p:txBody>
-          <a:bodyPr/>
-          <a:lstStyle/>
-          <a:p>
-            <a:r>
-              <a:rPr lang="de-DE" dirty="0" err="1"/>
-              <a:t>Bibliography</a:t>
-            </a:r>
-            <a:endParaRPr lang="de-DE" dirty="0"/>
-          </a:p>
-        </p:txBody>
-      </p:sp>
-      <p:sp>
-        <p:nvSpPr>
-          <p:cNvPr id="29699" name="Rectangle 3"/>
-          <p:cNvSpPr>
-            <a:spLocks noGrp="1" noChangeArrowheads="1"/>
-          </p:cNvSpPr>
-          <p:nvPr>
-            <p:ph type="body" idx="1"/>
-          </p:nvPr>
-        </p:nvSpPr>
-        <p:spPr>
-          <a:xfrm>
-            <a:off x="524933" y="1083873"/>
-            <a:ext cx="11142133" cy="4782683"/>
-          </a:xfrm>
-        </p:spPr>
-        <p:txBody>
-          <a:bodyPr/>
-          <a:lstStyle/>
-          <a:p>
-            <a:pPr marL="0" indent="0">
-              <a:buNone/>
-            </a:pPr>
-            <a:r>
-              <a:rPr lang="de-DE" sz="1800" dirty="0"/>
-              <a:t>[1]  </a:t>
-            </a:r>
-            <a:r>
-              <a:rPr lang="en-US" sz="1800" dirty="0"/>
-              <a:t>M. J. Amiri. “Object-Aware Identification of Microservices”. In: (July 2018), pp. 253–</a:t>
-            </a:r>
-            <a:r>
-              <a:rPr lang="it-IT" sz="1800" dirty="0"/>
-              <a:t>256</a:t>
-            </a:r>
-            <a:endParaRPr lang="de-DE" sz="1800" dirty="0"/>
-          </a:p>
-          <a:p>
-            <a:endParaRPr lang="de-DE" sz="1800" dirty="0"/>
-          </a:p>
-        </p:txBody>
-      </p:sp>
-      <p:grpSp>
-        <p:nvGrpSpPr>
-          <p:cNvPr id="4" name="Gruppieren 21">
-            <a:extLst>
-              <a:ext uri="{FF2B5EF4-FFF2-40B4-BE49-F238E27FC236}">
-                <a16:creationId xmlns:a16="http://schemas.microsoft.com/office/drawing/2014/main" id="{AA131601-72E5-4228-A286-1E3E6D78B764}"/>
-              </a:ext>
-            </a:extLst>
-          </p:cNvPr>
-          <p:cNvGrpSpPr/>
-          <p:nvPr/>
-        </p:nvGrpSpPr>
-        <p:grpSpPr>
-          <a:xfrm>
-            <a:off x="96000" y="5866557"/>
-            <a:ext cx="12096000" cy="399396"/>
-            <a:chOff x="25400" y="5986694"/>
-            <a:chExt cx="9072000" cy="299547"/>
-          </a:xfrm>
-        </p:grpSpPr>
-        <p:sp>
-          <p:nvSpPr>
-            <p:cNvPr id="5" name="Textfeld 13">
-              <a:extLst>
-                <a:ext uri="{FF2B5EF4-FFF2-40B4-BE49-F238E27FC236}">
-                  <a16:creationId xmlns:a16="http://schemas.microsoft.com/office/drawing/2014/main" id="{2BCE988F-F02A-4D6D-B2E3-D098FA90D670}"/>
-                </a:ext>
-              </a:extLst>
-            </p:cNvPr>
-            <p:cNvSpPr txBox="1"/>
-            <p:nvPr/>
-          </p:nvSpPr>
-          <p:spPr>
-            <a:xfrm>
-              <a:off x="1493183" y="6032322"/>
-              <a:ext cx="1067456" cy="253916"/>
-            </a:xfrm>
-            <a:prstGeom prst="rect">
-              <a:avLst/>
-            </a:prstGeom>
-            <a:noFill/>
-            <a:ln>
-              <a:noFill/>
-            </a:ln>
-          </p:spPr>
-          <p:style>
-            <a:lnRef idx="2">
-              <a:schemeClr val="accent3"/>
-            </a:lnRef>
-            <a:fillRef idx="1">
-              <a:schemeClr val="lt1"/>
-            </a:fillRef>
-            <a:effectRef idx="0">
-              <a:schemeClr val="accent3"/>
-            </a:effectRef>
-            <a:fontRef idx="minor">
-              <a:schemeClr val="dk1"/>
-            </a:fontRef>
-          </p:style>
-          <p:txBody>
-            <a:bodyPr wrap="square" rtlCol="0">
-              <a:spAutoFit/>
-            </a:bodyPr>
-            <a:lstStyle/>
-            <a:p>
-              <a:r>
-                <a:rPr lang="en-US" sz="1600" b="1" dirty="0"/>
-                <a:t>Foundation</a:t>
-              </a:r>
-            </a:p>
-          </p:txBody>
-        </p:sp>
-        <p:sp>
-          <p:nvSpPr>
-            <p:cNvPr id="6" name="Textfeld 14">
-              <a:extLst>
-                <a:ext uri="{FF2B5EF4-FFF2-40B4-BE49-F238E27FC236}">
-                  <a16:creationId xmlns:a16="http://schemas.microsoft.com/office/drawing/2014/main" id="{C8E64975-DD4E-484D-9EF4-CB11AB9E264F}"/>
-                </a:ext>
-              </a:extLst>
-            </p:cNvPr>
-            <p:cNvSpPr txBox="1"/>
-            <p:nvPr/>
-          </p:nvSpPr>
-          <p:spPr>
-            <a:xfrm>
-              <a:off x="6282440" y="6032325"/>
-              <a:ext cx="855042" cy="253916"/>
-            </a:xfrm>
-            <a:prstGeom prst="rect">
-              <a:avLst/>
-            </a:prstGeom>
-            <a:noFill/>
-            <a:ln>
-              <a:noFill/>
-            </a:ln>
-          </p:spPr>
-          <p:style>
-            <a:lnRef idx="2">
-              <a:schemeClr val="accent3"/>
-            </a:lnRef>
-            <a:fillRef idx="1">
-              <a:schemeClr val="lt1"/>
-            </a:fillRef>
-            <a:effectRef idx="0">
-              <a:schemeClr val="accent3"/>
-            </a:effectRef>
-            <a:fontRef idx="minor">
-              <a:schemeClr val="dk1"/>
-            </a:fontRef>
-          </p:style>
-          <p:txBody>
-            <a:bodyPr wrap="none" rtlCol="0">
-              <a:spAutoFit/>
-            </a:bodyPr>
-            <a:lstStyle/>
-            <a:p>
-              <a:r>
-                <a:rPr lang="en-US" sz="1600" dirty="0"/>
-                <a:t>Evaluation</a:t>
-              </a:r>
-            </a:p>
-          </p:txBody>
-        </p:sp>
-        <p:sp>
-          <p:nvSpPr>
-            <p:cNvPr id="7" name="Textfeld 6">
-              <a:extLst>
-                <a:ext uri="{FF2B5EF4-FFF2-40B4-BE49-F238E27FC236}">
-                  <a16:creationId xmlns:a16="http://schemas.microsoft.com/office/drawing/2014/main" id="{5B1D65DE-7E84-4D4A-AD1F-FC54B535CB1E}"/>
-                </a:ext>
-              </a:extLst>
-            </p:cNvPr>
-            <p:cNvSpPr txBox="1"/>
-            <p:nvPr/>
-          </p:nvSpPr>
-          <p:spPr>
-            <a:xfrm>
-              <a:off x="3028301" y="6032323"/>
-              <a:ext cx="1067456" cy="253916"/>
-            </a:xfrm>
-            <a:prstGeom prst="rect">
-              <a:avLst/>
-            </a:prstGeom>
-            <a:noFill/>
-            <a:ln>
-              <a:noFill/>
-            </a:ln>
-          </p:spPr>
-          <p:style>
-            <a:lnRef idx="2">
-              <a:schemeClr val="accent3"/>
-            </a:lnRef>
-            <a:fillRef idx="1">
-              <a:schemeClr val="lt1"/>
-            </a:fillRef>
-            <a:effectRef idx="0">
-              <a:schemeClr val="accent3"/>
-            </a:effectRef>
-            <a:fontRef idx="minor">
-              <a:schemeClr val="dk1"/>
-            </a:fontRef>
-          </p:style>
-          <p:txBody>
-            <a:bodyPr wrap="none" rtlCol="0">
-              <a:spAutoFit/>
-            </a:bodyPr>
-            <a:lstStyle/>
-            <a:p>
-              <a:r>
-                <a:rPr lang="en-US" sz="1600" dirty="0"/>
-                <a:t>Related Work</a:t>
-              </a:r>
-            </a:p>
-          </p:txBody>
-        </p:sp>
-        <p:sp>
-          <p:nvSpPr>
-            <p:cNvPr id="8" name="Textfeld 7">
-              <a:extLst>
-                <a:ext uri="{FF2B5EF4-FFF2-40B4-BE49-F238E27FC236}">
-                  <a16:creationId xmlns:a16="http://schemas.microsoft.com/office/drawing/2014/main" id="{8544E219-3395-4D35-AB47-83E797162EF8}"/>
-                </a:ext>
-              </a:extLst>
-            </p:cNvPr>
-            <p:cNvSpPr txBox="1"/>
-            <p:nvPr/>
-          </p:nvSpPr>
-          <p:spPr>
-            <a:xfrm>
-              <a:off x="7763010" y="6032321"/>
-              <a:ext cx="1278028" cy="253916"/>
-            </a:xfrm>
-            <a:prstGeom prst="rect">
-              <a:avLst/>
-            </a:prstGeom>
-            <a:noFill/>
-            <a:ln>
-              <a:noFill/>
-            </a:ln>
-          </p:spPr>
-          <p:style>
-            <a:lnRef idx="2">
-              <a:schemeClr val="accent3"/>
-            </a:lnRef>
-            <a:fillRef idx="1">
-              <a:schemeClr val="lt1"/>
-            </a:fillRef>
-            <a:effectRef idx="0">
-              <a:schemeClr val="accent3"/>
-            </a:effectRef>
-            <a:fontRef idx="minor">
-              <a:schemeClr val="dk1"/>
-            </a:fontRef>
-          </p:style>
-          <p:txBody>
-            <a:bodyPr wrap="square" rtlCol="0">
-              <a:spAutoFit/>
-            </a:bodyPr>
-            <a:lstStyle/>
-            <a:p>
-              <a:r>
-                <a:rPr lang="en-US" sz="1600" dirty="0"/>
-                <a:t>Summary</a:t>
-              </a:r>
-            </a:p>
-          </p:txBody>
-        </p:sp>
-        <p:sp>
-          <p:nvSpPr>
-            <p:cNvPr id="9" name="Textfeld 8">
-              <a:extLst>
-                <a:ext uri="{FF2B5EF4-FFF2-40B4-BE49-F238E27FC236}">
-                  <a16:creationId xmlns:a16="http://schemas.microsoft.com/office/drawing/2014/main" id="{852888F9-9852-4482-8D86-9D678EB085AD}"/>
-                </a:ext>
-              </a:extLst>
-            </p:cNvPr>
-            <p:cNvSpPr txBox="1"/>
-            <p:nvPr/>
-          </p:nvSpPr>
-          <p:spPr>
-            <a:xfrm>
-              <a:off x="179512" y="6032321"/>
-              <a:ext cx="955711" cy="253916"/>
-            </a:xfrm>
-            <a:prstGeom prst="rect">
-              <a:avLst/>
-            </a:prstGeom>
-            <a:noFill/>
-            <a:ln>
-              <a:noFill/>
-            </a:ln>
-          </p:spPr>
-          <p:style>
-            <a:lnRef idx="2">
-              <a:schemeClr val="accent3"/>
-            </a:lnRef>
-            <a:fillRef idx="1">
-              <a:schemeClr val="lt1"/>
-            </a:fillRef>
-            <a:effectRef idx="0">
-              <a:schemeClr val="accent3"/>
-            </a:effectRef>
-            <a:fontRef idx="minor">
-              <a:schemeClr val="dk1"/>
-            </a:fontRef>
-          </p:style>
-          <p:txBody>
-            <a:bodyPr wrap="square" rtlCol="0">
-              <a:spAutoFit/>
-            </a:bodyPr>
-            <a:lstStyle/>
-            <a:p>
-              <a:r>
-                <a:rPr lang="en-US" sz="1600" dirty="0"/>
-                <a:t>Motivation</a:t>
-              </a:r>
-            </a:p>
-          </p:txBody>
-        </p:sp>
-        <p:sp>
-          <p:nvSpPr>
-            <p:cNvPr id="10" name="Eingekerbter Richtungspfeil 23">
-              <a:extLst>
-                <a:ext uri="{FF2B5EF4-FFF2-40B4-BE49-F238E27FC236}">
-                  <a16:creationId xmlns:a16="http://schemas.microsoft.com/office/drawing/2014/main" id="{C005311E-133F-493F-BFFC-C169B3CA8A86}"/>
-                </a:ext>
-              </a:extLst>
-            </p:cNvPr>
-            <p:cNvSpPr/>
-            <p:nvPr/>
-          </p:nvSpPr>
-          <p:spPr>
-            <a:xfrm>
-              <a:off x="1234955" y="6091573"/>
-              <a:ext cx="158496" cy="158496"/>
-            </a:xfrm>
-            <a:prstGeom prst="chevron">
-              <a:avLst/>
-            </a:prstGeom>
-          </p:spPr>
-          <p:style>
-            <a:lnRef idx="1">
-              <a:schemeClr val="accent4"/>
-            </a:lnRef>
-            <a:fillRef idx="2">
-              <a:schemeClr val="accent4"/>
-            </a:fillRef>
-            <a:effectRef idx="1">
-              <a:schemeClr val="accent4"/>
-            </a:effectRef>
-            <a:fontRef idx="minor">
-              <a:schemeClr val="dk1"/>
-            </a:fontRef>
-          </p:style>
-          <p:txBody>
-            <a:bodyPr rtlCol="0" anchor="ctr"/>
-            <a:lstStyle/>
-            <a:p>
-              <a:pPr algn="ctr"/>
-              <a:endParaRPr lang="de-DE" dirty="0">
-                <a:solidFill>
-                  <a:schemeClr val="tx1"/>
-                </a:solidFill>
-              </a:endParaRPr>
-            </a:p>
-          </p:txBody>
-        </p:sp>
-        <p:sp>
-          <p:nvSpPr>
-            <p:cNvPr id="11" name="Eingekerbter Richtungspfeil 24">
-              <a:extLst>
-                <a:ext uri="{FF2B5EF4-FFF2-40B4-BE49-F238E27FC236}">
-                  <a16:creationId xmlns:a16="http://schemas.microsoft.com/office/drawing/2014/main" id="{13B86617-4353-46AD-97C4-7F02A1BA1B80}"/>
-                </a:ext>
-              </a:extLst>
-            </p:cNvPr>
-            <p:cNvSpPr/>
-            <p:nvPr/>
-          </p:nvSpPr>
-          <p:spPr>
-            <a:xfrm>
-              <a:off x="2577480" y="6091574"/>
-              <a:ext cx="158496" cy="158496"/>
-            </a:xfrm>
-            <a:prstGeom prst="chevron">
-              <a:avLst/>
-            </a:prstGeom>
-          </p:spPr>
-          <p:style>
-            <a:lnRef idx="1">
-              <a:schemeClr val="accent4"/>
-            </a:lnRef>
-            <a:fillRef idx="2">
-              <a:schemeClr val="accent4"/>
-            </a:fillRef>
-            <a:effectRef idx="1">
-              <a:schemeClr val="accent4"/>
-            </a:effectRef>
-            <a:fontRef idx="minor">
-              <a:schemeClr val="dk1"/>
-            </a:fontRef>
-          </p:style>
-          <p:txBody>
-            <a:bodyPr rtlCol="0" anchor="ctr"/>
-            <a:lstStyle/>
-            <a:p>
-              <a:pPr algn="ctr"/>
-              <a:endParaRPr lang="de-DE">
-                <a:solidFill>
-                  <a:schemeClr val="tx1"/>
-                </a:solidFill>
-              </a:endParaRPr>
-            </a:p>
-          </p:txBody>
-        </p:sp>
-        <p:sp>
-          <p:nvSpPr>
-            <p:cNvPr id="12" name="Eingekerbter Richtungspfeil 25">
-              <a:extLst>
-                <a:ext uri="{FF2B5EF4-FFF2-40B4-BE49-F238E27FC236}">
-                  <a16:creationId xmlns:a16="http://schemas.microsoft.com/office/drawing/2014/main" id="{40D0FAF6-EB9E-4EEF-BCBE-972523E34CB7}"/>
-                </a:ext>
-              </a:extLst>
-            </p:cNvPr>
-            <p:cNvSpPr/>
-            <p:nvPr/>
-          </p:nvSpPr>
-          <p:spPr>
-            <a:xfrm>
-              <a:off x="4269488" y="6091575"/>
-              <a:ext cx="158496" cy="158496"/>
-            </a:xfrm>
-            <a:prstGeom prst="chevron">
-              <a:avLst/>
-            </a:prstGeom>
-          </p:spPr>
-          <p:style>
-            <a:lnRef idx="1">
-              <a:schemeClr val="accent4"/>
-            </a:lnRef>
-            <a:fillRef idx="2">
-              <a:schemeClr val="accent4"/>
-            </a:fillRef>
-            <a:effectRef idx="1">
-              <a:schemeClr val="accent4"/>
-            </a:effectRef>
-            <a:fontRef idx="minor">
-              <a:schemeClr val="dk1"/>
-            </a:fontRef>
-          </p:style>
-          <p:txBody>
-            <a:bodyPr rtlCol="0" anchor="ctr"/>
-            <a:lstStyle/>
-            <a:p>
-              <a:pPr algn="ctr"/>
-              <a:endParaRPr lang="de-DE">
-                <a:solidFill>
-                  <a:schemeClr val="tx1"/>
-                </a:solidFill>
-              </a:endParaRPr>
-            </a:p>
-          </p:txBody>
-        </p:sp>
-        <p:sp>
-          <p:nvSpPr>
-            <p:cNvPr id="13" name="Textfeld 12">
-              <a:extLst>
-                <a:ext uri="{FF2B5EF4-FFF2-40B4-BE49-F238E27FC236}">
-                  <a16:creationId xmlns:a16="http://schemas.microsoft.com/office/drawing/2014/main" id="{6910B1B0-7848-461D-A8EE-494297AF2C2C}"/>
-                </a:ext>
-              </a:extLst>
-            </p:cNvPr>
-            <p:cNvSpPr txBox="1"/>
-            <p:nvPr/>
-          </p:nvSpPr>
-          <p:spPr>
-            <a:xfrm>
-              <a:off x="4788024" y="6032324"/>
-              <a:ext cx="796132" cy="253916"/>
-            </a:xfrm>
-            <a:prstGeom prst="rect">
-              <a:avLst/>
-            </a:prstGeom>
-            <a:noFill/>
-            <a:ln>
-              <a:noFill/>
-            </a:ln>
-          </p:spPr>
-          <p:style>
-            <a:lnRef idx="2">
-              <a:schemeClr val="accent3"/>
-            </a:lnRef>
-            <a:fillRef idx="1">
-              <a:schemeClr val="lt1"/>
-            </a:fillRef>
-            <a:effectRef idx="0">
-              <a:schemeClr val="accent3"/>
-            </a:effectRef>
-            <a:fontRef idx="minor">
-              <a:schemeClr val="dk1"/>
-            </a:fontRef>
-          </p:style>
-          <p:txBody>
-            <a:bodyPr wrap="none" rtlCol="0">
-              <a:spAutoFit/>
-            </a:bodyPr>
-            <a:lstStyle/>
-            <a:p>
-              <a:r>
-                <a:rPr lang="en-US" sz="1600" dirty="0"/>
-                <a:t>Approach</a:t>
-              </a:r>
-            </a:p>
-          </p:txBody>
-        </p:sp>
-        <p:sp>
-          <p:nvSpPr>
-            <p:cNvPr id="14" name="Eingekerbter Richtungspfeil 27">
-              <a:extLst>
-                <a:ext uri="{FF2B5EF4-FFF2-40B4-BE49-F238E27FC236}">
-                  <a16:creationId xmlns:a16="http://schemas.microsoft.com/office/drawing/2014/main" id="{C8C6383D-EFF4-4F8F-B7E7-55AA85D1E860}"/>
-                </a:ext>
-              </a:extLst>
-            </p:cNvPr>
-            <p:cNvSpPr/>
-            <p:nvPr/>
-          </p:nvSpPr>
-          <p:spPr>
-            <a:xfrm>
-              <a:off x="7320057" y="6091577"/>
-              <a:ext cx="158496" cy="158496"/>
-            </a:xfrm>
-            <a:prstGeom prst="chevron">
-              <a:avLst/>
-            </a:prstGeom>
-          </p:spPr>
-          <p:style>
-            <a:lnRef idx="1">
-              <a:schemeClr val="accent4"/>
-            </a:lnRef>
-            <a:fillRef idx="2">
-              <a:schemeClr val="accent4"/>
-            </a:fillRef>
-            <a:effectRef idx="1">
-              <a:schemeClr val="accent4"/>
-            </a:effectRef>
-            <a:fontRef idx="minor">
-              <a:schemeClr val="dk1"/>
-            </a:fontRef>
-          </p:style>
-          <p:txBody>
-            <a:bodyPr rtlCol="0" anchor="ctr"/>
-            <a:lstStyle/>
-            <a:p>
-              <a:pPr algn="ctr"/>
-              <a:endParaRPr lang="de-DE">
-                <a:solidFill>
-                  <a:schemeClr val="tx1"/>
-                </a:solidFill>
-              </a:endParaRPr>
-            </a:p>
-          </p:txBody>
-        </p:sp>
-        <p:cxnSp>
-          <p:nvCxnSpPr>
-            <p:cNvPr id="15" name="Gerade Verbindung 28">
-              <a:extLst>
-                <a:ext uri="{FF2B5EF4-FFF2-40B4-BE49-F238E27FC236}">
-                  <a16:creationId xmlns:a16="http://schemas.microsoft.com/office/drawing/2014/main" id="{BE0E1948-1999-44A0-B261-866A1DF5995B}"/>
-                </a:ext>
-              </a:extLst>
-            </p:cNvPr>
-            <p:cNvCxnSpPr/>
-            <p:nvPr/>
-          </p:nvCxnSpPr>
-          <p:spPr>
-            <a:xfrm>
-              <a:off x="25400" y="5986694"/>
-              <a:ext cx="9072000" cy="1588"/>
-            </a:xfrm>
-            <a:prstGeom prst="line">
-              <a:avLst/>
-            </a:prstGeom>
-            <a:ln w="41275">
-              <a:solidFill>
-                <a:schemeClr val="accent3">
-                  <a:lumMod val="85000"/>
-                </a:schemeClr>
-              </a:solidFill>
-            </a:ln>
-          </p:spPr>
-          <p:style>
-            <a:lnRef idx="1">
-              <a:schemeClr val="accent1"/>
-            </a:lnRef>
-            <a:fillRef idx="0">
-              <a:schemeClr val="accent1"/>
-            </a:fillRef>
-            <a:effectRef idx="0">
-              <a:schemeClr val="accent1"/>
-            </a:effectRef>
-            <a:fontRef idx="minor">
-              <a:schemeClr val="tx1"/>
-            </a:fontRef>
-          </p:style>
-        </p:cxnSp>
-        <p:sp>
-          <p:nvSpPr>
-            <p:cNvPr id="16" name="Eingekerbter Richtungspfeil 29">
-              <a:extLst>
-                <a:ext uri="{FF2B5EF4-FFF2-40B4-BE49-F238E27FC236}">
-                  <a16:creationId xmlns:a16="http://schemas.microsoft.com/office/drawing/2014/main" id="{A4600029-E40B-4FAC-BDEA-4C82CFF469F9}"/>
-                </a:ext>
-              </a:extLst>
-            </p:cNvPr>
-            <p:cNvSpPr/>
-            <p:nvPr/>
-          </p:nvSpPr>
-          <p:spPr>
-            <a:xfrm>
-              <a:off x="5925672" y="6091576"/>
-              <a:ext cx="158496" cy="158496"/>
-            </a:xfrm>
-            <a:prstGeom prst="chevron">
-              <a:avLst/>
-            </a:prstGeom>
-          </p:spPr>
-          <p:style>
-            <a:lnRef idx="1">
-              <a:schemeClr val="accent4"/>
-            </a:lnRef>
-            <a:fillRef idx="2">
-              <a:schemeClr val="accent4"/>
-            </a:fillRef>
-            <a:effectRef idx="1">
-              <a:schemeClr val="accent4"/>
-            </a:effectRef>
-            <a:fontRef idx="minor">
-              <a:schemeClr val="dk1"/>
-            </a:fontRef>
-          </p:style>
-          <p:txBody>
-            <a:bodyPr rtlCol="0" anchor="ctr"/>
-            <a:lstStyle/>
-            <a:p>
-              <a:pPr algn="ctr"/>
-              <a:endParaRPr lang="de-DE">
-                <a:solidFill>
-                  <a:schemeClr val="tx1"/>
-                </a:solidFill>
-              </a:endParaRPr>
-            </a:p>
-          </p:txBody>
-        </p:sp>
-      </p:grpSp>
-    </p:spTree>
-    <p:extLst>
-      <p:ext uri="{BB962C8B-B14F-4D97-AF65-F5344CB8AC3E}">
-        <p14:creationId xmlns:p14="http://schemas.microsoft.com/office/powerpoint/2010/main" val="3090742409"/>
-      </p:ext>
-    </p:extLst>
-  </p:cSld>
-  <p:clrMapOvr>
-    <a:masterClrMapping/>
-  </p:clrMapOvr>
-</p:sld>
-</file>
-
-<file path=ppt/slides/slide26.xml><?xml version="1.0" encoding="utf-8"?>
 <p:sld xmlns:a="http://schemas.openxmlformats.org/drawingml/2006/main" xmlns:r="http://schemas.openxmlformats.org/officeDocument/2006/relationships" xmlns:p="http://schemas.openxmlformats.org/presentationml/2006/main">
   <p:cSld>
     <p:spTree>
@@ -17382,7 +17127,7 @@
               <a:t> </a:t>
             </a:r>
             <a:r>
-              <a:rPr lang="de-DE" sz="2000" dirty="0" err="1"/>
+              <a:rPr lang="en-GB" sz="2000" dirty="0"/>
               <a:t>without</a:t>
             </a:r>
             <a:r>
@@ -17399,7 +17144,7 @@
             </a:r>
             <a:r>
               <a:rPr lang="de-DE" sz="2000" dirty="0" err="1"/>
-              <a:t>know-how</a:t>
+              <a:t>knowledge</a:t>
             </a:r>
             <a:r>
               <a:rPr lang="de-DE" sz="2000" dirty="0"/>
@@ -20324,11 +20069,75 @@
           <a:lstStyle/>
           <a:p>
             <a:r>
-              <a:rPr lang="en-US" sz="2000" dirty="0"/>
-              <a:t>Inspired by “Object-Aware Identification of Microservices” [1] </a:t>
-            </a:r>
-          </a:p>
-          <a:p>
+              <a:rPr lang="en-US" sz="2200" dirty="0"/>
+              <a:t>Inspired by “Object-Aware Identification of Microservices” [1]</a:t>
+            </a:r>
+          </a:p>
+          <a:p>
+            <a:pPr lvl="1"/>
+            <a:r>
+              <a:rPr lang="en-US" sz="1800" dirty="0"/>
+              <a:t>Clustering on structural and data object dependencies </a:t>
+            </a:r>
+          </a:p>
+          <a:p>
+            <a:pPr lvl="1"/>
+            <a:r>
+              <a:rPr lang="en-US" sz="1800" dirty="0"/>
+              <a:t>Aggregation of dependencies vague</a:t>
+            </a:r>
+          </a:p>
+          <a:p>
+            <a:pPr lvl="1"/>
+            <a:r>
+              <a:rPr lang="en-US" sz="1800" dirty="0"/>
+              <a:t>Results highly influenced if large amount of data accesses </a:t>
+            </a:r>
+          </a:p>
+          <a:p>
+            <a:pPr lvl="1"/>
+            <a:r>
+              <a:rPr lang="en-US" sz="1800" dirty="0"/>
+              <a:t>Data flow only implicitly </a:t>
+            </a:r>
+          </a:p>
+          <a:p>
+            <a:pPr marL="634984" lvl="1" indent="0">
+              <a:buNone/>
+            </a:pPr>
+            <a:endParaRPr lang="en-US" sz="1800" dirty="0"/>
+          </a:p>
+          <a:p>
+            <a:r>
+              <a:rPr lang="en-US" sz="2200" dirty="0"/>
+              <a:t>Strategy: </a:t>
+            </a:r>
+          </a:p>
+          <a:p>
+            <a:pPr lvl="1"/>
+            <a:r>
+              <a:rPr lang="en-US" sz="1800" dirty="0"/>
+              <a:t>Extract control flow and data flow from business process models</a:t>
+            </a:r>
+          </a:p>
+          <a:p>
+            <a:pPr lvl="1"/>
+            <a:r>
+              <a:rPr lang="en-US" sz="1800" dirty="0"/>
+              <a:t>Create two separate sets of clusters (activity and data object clusters)</a:t>
+            </a:r>
+          </a:p>
+          <a:p>
+            <a:pPr lvl="1"/>
+            <a:r>
+              <a:rPr lang="en-US" sz="1800" dirty="0"/>
+              <a:t>Match clusters</a:t>
+            </a:r>
+          </a:p>
+          <a:p>
+            <a:pPr marL="0" indent="0">
+              <a:buNone/>
+            </a:pPr>
             <a:endParaRPr lang="en-US" sz="2000" dirty="0"/>
           </a:p>
         </p:txBody>
@@ -21639,14 +21448,226 @@
         </p:blipFill>
         <p:spPr>
           <a:xfrm>
-            <a:off x="301483" y="1556792"/>
-            <a:ext cx="11522628" cy="2976043"/>
+            <a:off x="1544996" y="1916832"/>
+            <a:ext cx="9102007" cy="2350849"/>
           </a:xfrm>
           <a:prstGeom prst="rect">
             <a:avLst/>
           </a:prstGeom>
         </p:spPr>
       </p:pic>
+      <p:sp>
+        <p:nvSpPr>
+          <p:cNvPr id="17" name="Rectangle 3">
+            <a:extLst>
+              <a:ext uri="{FF2B5EF4-FFF2-40B4-BE49-F238E27FC236}">
+                <a16:creationId xmlns:a16="http://schemas.microsoft.com/office/drawing/2014/main" id="{D3E9439E-331B-42E6-8EC6-777E9DC8CD0B}"/>
+              </a:ext>
+            </a:extLst>
+          </p:cNvPr>
+          <p:cNvSpPr txBox="1">
+            <a:spLocks noChangeArrowheads="1"/>
+          </p:cNvSpPr>
+          <p:nvPr/>
+        </p:nvSpPr>
+        <p:spPr bwMode="auto">
+          <a:xfrm>
+            <a:off x="520703" y="1037658"/>
+            <a:ext cx="5234082" cy="4782683"/>
+          </a:xfrm>
+          <a:prstGeom prst="rect">
+            <a:avLst/>
+          </a:prstGeom>
+          <a:noFill/>
+          <a:ln w="9525">
+            <a:noFill/>
+            <a:miter lim="800000"/>
+            <a:headEnd/>
+            <a:tailEnd/>
+          </a:ln>
+        </p:spPr>
+        <p:txBody>
+          <a:bodyPr vert="horz" wrap="square" lIns="0" tIns="0" rIns="0" bIns="0" numCol="1" anchor="t" anchorCtr="0" compatLnSpc="1">
+            <a:prstTxWarp prst="textNoShape">
+              <a:avLst/>
+            </a:prstTxWarp>
+          </a:bodyPr>
+          <a:lstStyle>
+            <a:lvl1pPr marL="419090" indent="-419090" algn="l" rtl="0" eaLnBrk="1" fontAlgn="base" hangingPunct="1">
+              <a:spcBef>
+                <a:spcPct val="20000"/>
+              </a:spcBef>
+              <a:spcAft>
+                <a:spcPct val="0"/>
+              </a:spcAft>
+              <a:buBlip>
+                <a:blip r:embed="rId3"/>
+              </a:buBlip>
+              <a:defRPr sz="2800" baseline="0">
+                <a:solidFill>
+                  <a:schemeClr val="tx1"/>
+                </a:solidFill>
+                <a:latin typeface="+mn-lt"/>
+                <a:ea typeface="+mn-ea"/>
+                <a:cs typeface="+mn-cs"/>
+              </a:defRPr>
+            </a:lvl1pPr>
+            <a:lvl2pPr marL="1054074" indent="-419090" algn="l" rtl="0" eaLnBrk="1" fontAlgn="base" hangingPunct="1">
+              <a:spcBef>
+                <a:spcPct val="20000"/>
+              </a:spcBef>
+              <a:spcAft>
+                <a:spcPct val="0"/>
+              </a:spcAft>
+              <a:buBlip>
+                <a:blip r:embed="rId4"/>
+              </a:buBlip>
+              <a:defRPr sz="2400" baseline="0">
+                <a:solidFill>
+                  <a:schemeClr val="tx1"/>
+                </a:solidFill>
+                <a:latin typeface="+mn-lt"/>
+              </a:defRPr>
+            </a:lvl2pPr>
+            <a:lvl3pPr marL="1612860" indent="-368291" algn="l" rtl="0" eaLnBrk="1" fontAlgn="base" hangingPunct="1">
+              <a:spcBef>
+                <a:spcPct val="20000"/>
+              </a:spcBef>
+              <a:spcAft>
+                <a:spcPct val="0"/>
+              </a:spcAft>
+              <a:buBlip>
+                <a:blip r:embed="rId5"/>
+              </a:buBlip>
+              <a:defRPr sz="2000" baseline="0">
+                <a:solidFill>
+                  <a:schemeClr val="tx1"/>
+                </a:solidFill>
+                <a:latin typeface="+mn-lt"/>
+              </a:defRPr>
+            </a:lvl3pPr>
+            <a:lvl4pPr marL="2209745" indent="-368291" algn="l" rtl="0" eaLnBrk="1" fontAlgn="base" hangingPunct="1">
+              <a:spcBef>
+                <a:spcPct val="20000"/>
+              </a:spcBef>
+              <a:spcAft>
+                <a:spcPct val="0"/>
+              </a:spcAft>
+              <a:buBlip>
+                <a:blip r:embed="rId5"/>
+              </a:buBlip>
+              <a:defRPr sz="2000" baseline="0">
+                <a:solidFill>
+                  <a:schemeClr val="tx1"/>
+                </a:solidFill>
+                <a:latin typeface="+mn-lt"/>
+              </a:defRPr>
+            </a:lvl4pPr>
+            <a:lvl5pPr marL="2793930" indent="-368291" algn="l" rtl="0" eaLnBrk="1" fontAlgn="base" hangingPunct="1">
+              <a:spcBef>
+                <a:spcPct val="20000"/>
+              </a:spcBef>
+              <a:spcAft>
+                <a:spcPct val="0"/>
+              </a:spcAft>
+              <a:buBlip>
+                <a:blip r:embed="rId5"/>
+              </a:buBlip>
+              <a:defRPr sz="2000" baseline="0">
+                <a:solidFill>
+                  <a:schemeClr val="tx1"/>
+                </a:solidFill>
+                <a:latin typeface="+mn-lt"/>
+              </a:defRPr>
+            </a:lvl5pPr>
+            <a:lvl6pPr marL="3352716" indent="-304792" algn="l" rtl="0" eaLnBrk="1" fontAlgn="base" hangingPunct="1">
+              <a:spcBef>
+                <a:spcPct val="20000"/>
+              </a:spcBef>
+              <a:spcAft>
+                <a:spcPct val="0"/>
+              </a:spcAft>
+              <a:buSzPct val="60000"/>
+              <a:buBlip>
+                <a:blip r:embed="rId6"/>
+              </a:buBlip>
+              <a:defRPr sz="1867">
+                <a:solidFill>
+                  <a:schemeClr val="tx1"/>
+                </a:solidFill>
+                <a:latin typeface="+mn-lt"/>
+              </a:defRPr>
+            </a:lvl6pPr>
+            <a:lvl7pPr marL="3962301" indent="-304792" algn="l" rtl="0" eaLnBrk="1" fontAlgn="base" hangingPunct="1">
+              <a:spcBef>
+                <a:spcPct val="20000"/>
+              </a:spcBef>
+              <a:spcAft>
+                <a:spcPct val="0"/>
+              </a:spcAft>
+              <a:buSzPct val="60000"/>
+              <a:buBlip>
+                <a:blip r:embed="rId6"/>
+              </a:buBlip>
+              <a:defRPr sz="1867">
+                <a:solidFill>
+                  <a:schemeClr val="tx1"/>
+                </a:solidFill>
+                <a:latin typeface="+mn-lt"/>
+              </a:defRPr>
+            </a:lvl7pPr>
+            <a:lvl8pPr marL="4571886" indent="-304792" algn="l" rtl="0" eaLnBrk="1" fontAlgn="base" hangingPunct="1">
+              <a:spcBef>
+                <a:spcPct val="20000"/>
+              </a:spcBef>
+              <a:spcAft>
+                <a:spcPct val="0"/>
+              </a:spcAft>
+              <a:buSzPct val="60000"/>
+              <a:buBlip>
+                <a:blip r:embed="rId6"/>
+              </a:buBlip>
+              <a:defRPr sz="1867">
+                <a:solidFill>
+                  <a:schemeClr val="tx1"/>
+                </a:solidFill>
+                <a:latin typeface="+mn-lt"/>
+              </a:defRPr>
+            </a:lvl8pPr>
+            <a:lvl9pPr marL="5181470" indent="-304792" algn="l" rtl="0" eaLnBrk="1" fontAlgn="base" hangingPunct="1">
+              <a:spcBef>
+                <a:spcPct val="20000"/>
+              </a:spcBef>
+              <a:spcAft>
+                <a:spcPct val="0"/>
+              </a:spcAft>
+              <a:buSzPct val="60000"/>
+              <a:buBlip>
+                <a:blip r:embed="rId6"/>
+              </a:buBlip>
+              <a:defRPr sz="1867">
+                <a:solidFill>
+                  <a:schemeClr val="tx1"/>
+                </a:solidFill>
+                <a:latin typeface="+mn-lt"/>
+              </a:defRPr>
+            </a:lvl9pPr>
+          </a:lstStyle>
+          <a:p>
+            <a:r>
+              <a:rPr lang="en-US" sz="2000" kern="0" dirty="0"/>
+              <a:t>Divided in nine steps</a:t>
+            </a:r>
+            <a:endParaRPr lang="en-US" sz="1600" kern="0" dirty="0"/>
+          </a:p>
+          <a:p>
+            <a:endParaRPr lang="en-US" sz="2000" kern="0" dirty="0"/>
+          </a:p>
+          <a:p>
+            <a:endParaRPr lang="en-US" sz="2000" kern="0" dirty="0"/>
+          </a:p>
+        </p:txBody>
+      </p:sp>
     </p:spTree>
     <p:extLst>
       <p:ext uri="{BB962C8B-B14F-4D97-AF65-F5344CB8AC3E}">
@@ -21724,9 +21745,133 @@
           <a:lstStyle/>
           <a:p>
             <a:r>
+              <a:rPr lang="de-DE" sz="2000" dirty="0"/>
+              <a:t>System </a:t>
+            </a:r>
+            <a:r>
               <a:rPr lang="de-DE" sz="2000" dirty="0" err="1"/>
-              <a:t>Bla</a:t>
-            </a:r>
+              <a:t>requirements</a:t>
+            </a:r>
+            <a:r>
+              <a:rPr lang="de-DE" sz="2000" dirty="0"/>
+              <a:t> in </a:t>
+            </a:r>
+            <a:r>
+              <a:rPr lang="de-DE" sz="2000" dirty="0" err="1"/>
+              <a:t>various</a:t>
+            </a:r>
+            <a:r>
+              <a:rPr lang="de-DE" sz="2000" dirty="0"/>
+              <a:t> </a:t>
+            </a:r>
+            <a:r>
+              <a:rPr lang="de-DE" sz="2000" dirty="0" err="1"/>
+              <a:t>forms</a:t>
+            </a:r>
+            <a:r>
+              <a:rPr lang="de-DE" sz="2000" dirty="0"/>
+              <a:t> </a:t>
+            </a:r>
+          </a:p>
+          <a:p>
+            <a:r>
+              <a:rPr lang="de-DE" sz="2000" dirty="0"/>
+              <a:t>Transformation </a:t>
+            </a:r>
+            <a:r>
+              <a:rPr lang="de-DE" sz="2000" dirty="0" err="1"/>
+              <a:t>into</a:t>
+            </a:r>
+            <a:r>
+              <a:rPr lang="de-DE" sz="2000" dirty="0"/>
+              <a:t> BPMN </a:t>
+            </a:r>
+            <a:r>
+              <a:rPr lang="de-DE" sz="2000" dirty="0" err="1"/>
+              <a:t>models</a:t>
+            </a:r>
+            <a:endParaRPr lang="de-DE" sz="2000" dirty="0"/>
+          </a:p>
+          <a:p>
+            <a:pPr lvl="1"/>
+            <a:r>
+              <a:rPr lang="de-DE" sz="1600" dirty="0"/>
+              <a:t>Workshops</a:t>
+            </a:r>
+          </a:p>
+          <a:p>
+            <a:pPr lvl="1"/>
+            <a:r>
+              <a:rPr lang="de-DE" sz="1600" dirty="0"/>
+              <a:t>Use Case Transformation</a:t>
+            </a:r>
+          </a:p>
+          <a:p>
+            <a:pPr lvl="1"/>
+            <a:r>
+              <a:rPr lang="de-DE" sz="1600" dirty="0" err="1"/>
+              <a:t>Others</a:t>
+            </a:r>
+            <a:r>
+              <a:rPr lang="de-DE" sz="1600" dirty="0"/>
+              <a:t>: BPMN Miner[5] …</a:t>
+            </a:r>
+          </a:p>
+          <a:p>
+            <a:pPr lvl="1"/>
+            <a:endParaRPr lang="de-DE" sz="1600" dirty="0"/>
+          </a:p>
+          <a:p>
+            <a:pPr lvl="1"/>
+            <a:endParaRPr lang="de-DE" sz="1600" dirty="0"/>
+          </a:p>
+          <a:p>
+            <a:pPr lvl="1"/>
+            <a:endParaRPr lang="de-DE" sz="1600" dirty="0"/>
+          </a:p>
+          <a:p>
+            <a:pPr lvl="1"/>
+            <a:endParaRPr lang="de-DE" sz="1600" dirty="0"/>
+          </a:p>
+          <a:p>
+            <a:pPr lvl="1"/>
+            <a:endParaRPr lang="de-DE" sz="1600" dirty="0"/>
+          </a:p>
+          <a:p>
+            <a:pPr lvl="1"/>
+            <a:endParaRPr lang="de-DE" sz="1600" dirty="0"/>
+          </a:p>
+          <a:p>
+            <a:pPr lvl="1"/>
+            <a:endParaRPr lang="de-DE" sz="1600" dirty="0"/>
+          </a:p>
+          <a:p>
+            <a:pPr lvl="1"/>
+            <a:endParaRPr lang="de-DE" sz="1600" dirty="0"/>
+          </a:p>
+          <a:p>
+            <a:pPr marL="634984" lvl="1" indent="0">
+              <a:buNone/>
+            </a:pPr>
+            <a:r>
+              <a:rPr lang="de-DE" sz="1600" dirty="0"/>
+              <a:t>                                                                                                                   </a:t>
+            </a:r>
+            <a:r>
+              <a:rPr lang="de-DE" sz="1000" dirty="0"/>
+              <a:t>Use Case Transformation </a:t>
+            </a:r>
+            <a:r>
+              <a:rPr lang="de-DE" sz="1000" dirty="0" err="1"/>
+              <a:t>based</a:t>
+            </a:r>
+            <a:r>
+              <a:rPr lang="de-DE" sz="1000" dirty="0"/>
+              <a:t> on [2]</a:t>
+            </a:r>
+            <a:endParaRPr lang="de-DE" sz="1600" dirty="0"/>
+          </a:p>
+          <a:p>
             <a:endParaRPr lang="de-DE" sz="2000" dirty="0"/>
           </a:p>
           <a:p>
@@ -22350,6 +22495,36 @@
           </p:txBody>
         </p:sp>
       </p:grpSp>
+      <p:pic>
+        <p:nvPicPr>
+          <p:cNvPr id="2" name="Grafik 1">
+            <a:extLst>
+              <a:ext uri="{FF2B5EF4-FFF2-40B4-BE49-F238E27FC236}">
+                <a16:creationId xmlns:a16="http://schemas.microsoft.com/office/drawing/2014/main" id="{B0F643AE-372C-4384-A272-3F9D248C1CFA}"/>
+              </a:ext>
+            </a:extLst>
+          </p:cNvPr>
+          <p:cNvPicPr>
+            <a:picLocks noChangeAspect="1"/>
+          </p:cNvPicPr>
+          <p:nvPr/>
+        </p:nvPicPr>
+        <p:blipFill>
+          <a:blip r:embed="rId2"/>
+          <a:stretch>
+            <a:fillRect/>
+          </a:stretch>
+        </p:blipFill>
+        <p:spPr>
+          <a:xfrm>
+            <a:off x="2100261" y="2852936"/>
+            <a:ext cx="7991475" cy="2209800"/>
+          </a:xfrm>
+          <a:prstGeom prst="rect">
+            <a:avLst/>
+          </a:prstGeom>
+        </p:spPr>
+      </p:pic>
     </p:spTree>
     <p:extLst>
       <p:ext uri="{BB962C8B-B14F-4D97-AF65-F5344CB8AC3E}">

--- a/Vortrag/BA_Niko_Benkler_Presentation.pptx
+++ b/Vortrag/BA_Niko_Benkler_Presentation.pptx
@@ -12083,6 +12083,22 @@
                 <a:endParaRPr lang="en-US" sz="2000" dirty="0"/>
               </a:p>
               <a:p>
+                <a:r>
+                  <a:rPr lang="en-US" sz="2000" dirty="0"/>
+                  <a:t>No </a:t>
+                </a:r>
+                <a:r>
+                  <a:rPr lang="en-US" sz="2000" i="1"/>
+                  <a:t>false positive</a:t>
+                </a:r>
+                <a:r>
+                  <a:rPr lang="en-US" sz="2000" b="1" i="1"/>
+                  <a:t> </a:t>
+                </a:r>
+                <a:r>
+                  <a:rPr lang="en-US" sz="2000"/>
+                  <a:t>microservices</a:t>
+                </a:r>
                 <a:endParaRPr lang="en-US" sz="2000" dirty="0"/>
               </a:p>
               <a:p>

--- a/Vortrag/BA_Niko_Benkler_Presentation.pptx
+++ b/Vortrag/BA_Niko_Benkler_Presentation.pptx
@@ -5,10 +5,10 @@
     <p:sldMasterId id="2147483648" r:id="rId1"/>
   </p:sldMasterIdLst>
   <p:notesMasterIdLst>
-    <p:notesMasterId r:id="rId28"/>
+    <p:notesMasterId r:id="rId27"/>
   </p:notesMasterIdLst>
   <p:handoutMasterIdLst>
-    <p:handoutMasterId r:id="rId29"/>
+    <p:handoutMasterId r:id="rId28"/>
   </p:handoutMasterIdLst>
   <p:sldIdLst>
     <p:sldId id="264" r:id="rId2"/>
@@ -33,10 +33,9 @@
     <p:sldId id="282" r:id="rId21"/>
     <p:sldId id="284" r:id="rId22"/>
     <p:sldId id="285" r:id="rId23"/>
-    <p:sldId id="290" r:id="rId24"/>
-    <p:sldId id="274" r:id="rId25"/>
-    <p:sldId id="266" r:id="rId26"/>
-    <p:sldId id="289" r:id="rId27"/>
+    <p:sldId id="274" r:id="rId24"/>
+    <p:sldId id="266" r:id="rId25"/>
+    <p:sldId id="289" r:id="rId26"/>
   </p:sldIdLst>
   <p:sldSz cx="12192000" cy="6858000"/>
   <p:notesSz cx="6858000" cy="9144000"/>
@@ -7004,7 +7003,7 @@
           <a:p>
             <a:r>
               <a:rPr lang="en-US" sz="2000" dirty="0"/>
-              <a:t>Generate one Graph by using all BPMN models</a:t>
+              <a:t>Generate one Graph by using all control flow models</a:t>
             </a:r>
           </a:p>
           <a:p>
@@ -7702,7 +7701,7 @@
           <a:p>
             <a:r>
               <a:rPr lang="en-US" sz="2000" dirty="0"/>
-              <a:t>Generate one Graph by using all BPMN models</a:t>
+              <a:t>Generate one Graph by using all data flow models</a:t>
             </a:r>
           </a:p>
           <a:p>
@@ -13995,14 +13994,14 @@
             <a:pPr lvl="1"/>
             <a:r>
               <a:rPr lang="en-US" sz="1800" dirty="0"/>
-              <a:t>Automatic approach to identify microservices </a:t>
+              <a:t>(Semi-)automatic approach capable of identifying microservices </a:t>
             </a:r>
           </a:p>
           <a:p>
             <a:pPr lvl="1"/>
             <a:r>
               <a:rPr lang="en-US" sz="1800" dirty="0"/>
-              <a:t>Reduces effort</a:t>
+              <a:t>Reduces effort and necessary knowledge</a:t>
             </a:r>
           </a:p>
           <a:p>
@@ -15275,611 +15274,6 @@
           <a:p>
             <a:r>
               <a:rPr lang="en-US" dirty="0"/>
-              <a:t>Threads to validity?!</a:t>
-            </a:r>
-          </a:p>
-        </p:txBody>
-      </p:sp>
-      <p:sp>
-        <p:nvSpPr>
-          <p:cNvPr id="29699" name="Rectangle 3"/>
-          <p:cNvSpPr>
-            <a:spLocks noGrp="1" noChangeArrowheads="1"/>
-          </p:cNvSpPr>
-          <p:nvPr>
-            <p:ph type="body" idx="1"/>
-          </p:nvPr>
-        </p:nvSpPr>
-        <p:spPr>
-          <a:xfrm>
-            <a:off x="524933" y="1083873"/>
-            <a:ext cx="11142133" cy="4782683"/>
-          </a:xfrm>
-        </p:spPr>
-        <p:txBody>
-          <a:bodyPr/>
-          <a:lstStyle/>
-          <a:p>
-            <a:r>
-              <a:rPr lang="en-US" sz="2200" dirty="0"/>
-              <a:t>Limitations</a:t>
-            </a:r>
-          </a:p>
-          <a:p>
-            <a:pPr lvl="1"/>
-            <a:r>
-              <a:rPr lang="en-US" sz="1800" dirty="0"/>
-              <a:t>…</a:t>
-            </a:r>
-          </a:p>
-          <a:p>
-            <a:endParaRPr lang="en-US" sz="2000" dirty="0"/>
-          </a:p>
-        </p:txBody>
-      </p:sp>
-      <p:grpSp>
-        <p:nvGrpSpPr>
-          <p:cNvPr id="28" name="Gruppieren 21">
-            <a:extLst>
-              <a:ext uri="{FF2B5EF4-FFF2-40B4-BE49-F238E27FC236}">
-                <a16:creationId xmlns:a16="http://schemas.microsoft.com/office/drawing/2014/main" id="{6CE26E0D-F0B8-4243-9E47-CA1E0130FD37}"/>
-              </a:ext>
-            </a:extLst>
-          </p:cNvPr>
-          <p:cNvGrpSpPr/>
-          <p:nvPr/>
-        </p:nvGrpSpPr>
-        <p:grpSpPr>
-          <a:xfrm>
-            <a:off x="96000" y="5866563"/>
-            <a:ext cx="12096000" cy="417235"/>
-            <a:chOff x="25400" y="5986694"/>
-            <a:chExt cx="9072000" cy="312926"/>
-          </a:xfrm>
-        </p:grpSpPr>
-        <p:sp>
-          <p:nvSpPr>
-            <p:cNvPr id="29" name="Textfeld 14">
-              <a:extLst>
-                <a:ext uri="{FF2B5EF4-FFF2-40B4-BE49-F238E27FC236}">
-                  <a16:creationId xmlns:a16="http://schemas.microsoft.com/office/drawing/2014/main" id="{6B644707-424E-4A16-B70F-7354ACC25625}"/>
-                </a:ext>
-              </a:extLst>
-            </p:cNvPr>
-            <p:cNvSpPr txBox="1"/>
-            <p:nvPr/>
-          </p:nvSpPr>
-          <p:spPr>
-            <a:xfrm>
-              <a:off x="5506562" y="6045704"/>
-              <a:ext cx="855042" cy="253916"/>
-            </a:xfrm>
-            <a:prstGeom prst="rect">
-              <a:avLst/>
-            </a:prstGeom>
-            <a:noFill/>
-            <a:ln>
-              <a:noFill/>
-            </a:ln>
-          </p:spPr>
-          <p:style>
-            <a:lnRef idx="2">
-              <a:schemeClr val="accent3"/>
-            </a:lnRef>
-            <a:fillRef idx="1">
-              <a:schemeClr val="lt1"/>
-            </a:fillRef>
-            <a:effectRef idx="0">
-              <a:schemeClr val="accent3"/>
-            </a:effectRef>
-            <a:fontRef idx="minor">
-              <a:schemeClr val="dk1"/>
-            </a:fontRef>
-          </p:style>
-          <p:txBody>
-            <a:bodyPr wrap="none" rtlCol="0">
-              <a:spAutoFit/>
-            </a:bodyPr>
-            <a:lstStyle/>
-            <a:p>
-              <a:r>
-                <a:rPr lang="en-US" sz="1600" dirty="0"/>
-                <a:t>Evaluation</a:t>
-              </a:r>
-            </a:p>
-          </p:txBody>
-        </p:sp>
-        <p:sp>
-          <p:nvSpPr>
-            <p:cNvPr id="30" name="Textfeld 29">
-              <a:extLst>
-                <a:ext uri="{FF2B5EF4-FFF2-40B4-BE49-F238E27FC236}">
-                  <a16:creationId xmlns:a16="http://schemas.microsoft.com/office/drawing/2014/main" id="{DB689F8B-6B60-475F-848B-2D8B0A531E69}"/>
-                </a:ext>
-              </a:extLst>
-            </p:cNvPr>
-            <p:cNvSpPr txBox="1"/>
-            <p:nvPr/>
-          </p:nvSpPr>
-          <p:spPr>
-            <a:xfrm>
-              <a:off x="2070140" y="6043863"/>
-              <a:ext cx="1159116" cy="253916"/>
-            </a:xfrm>
-            <a:prstGeom prst="rect">
-              <a:avLst/>
-            </a:prstGeom>
-            <a:noFill/>
-            <a:ln>
-              <a:noFill/>
-            </a:ln>
-          </p:spPr>
-          <p:style>
-            <a:lnRef idx="2">
-              <a:schemeClr val="accent3"/>
-            </a:lnRef>
-            <a:fillRef idx="1">
-              <a:schemeClr val="lt1"/>
-            </a:fillRef>
-            <a:effectRef idx="0">
-              <a:schemeClr val="accent3"/>
-            </a:effectRef>
-            <a:fontRef idx="minor">
-              <a:schemeClr val="dk1"/>
-            </a:fontRef>
-          </p:style>
-          <p:txBody>
-            <a:bodyPr wrap="none" rtlCol="0">
-              <a:spAutoFit/>
-            </a:bodyPr>
-            <a:lstStyle/>
-            <a:p>
-              <a:r>
-                <a:rPr lang="en-US" sz="1600" dirty="0"/>
-                <a:t>State of the Art</a:t>
-              </a:r>
-            </a:p>
-          </p:txBody>
-        </p:sp>
-        <p:sp>
-          <p:nvSpPr>
-            <p:cNvPr id="31" name="Textfeld 30">
-              <a:extLst>
-                <a:ext uri="{FF2B5EF4-FFF2-40B4-BE49-F238E27FC236}">
-                  <a16:creationId xmlns:a16="http://schemas.microsoft.com/office/drawing/2014/main" id="{4166BAA7-77AB-4AF9-9440-45989A98C0A8}"/>
-                </a:ext>
-              </a:extLst>
-            </p:cNvPr>
-            <p:cNvSpPr txBox="1"/>
-            <p:nvPr/>
-          </p:nvSpPr>
-          <p:spPr>
-            <a:xfrm>
-              <a:off x="7409955" y="6036099"/>
-              <a:ext cx="1278028" cy="253916"/>
-            </a:xfrm>
-            <a:prstGeom prst="rect">
-              <a:avLst/>
-            </a:prstGeom>
-            <a:noFill/>
-            <a:ln>
-              <a:noFill/>
-            </a:ln>
-          </p:spPr>
-          <p:style>
-            <a:lnRef idx="2">
-              <a:schemeClr val="accent3"/>
-            </a:lnRef>
-            <a:fillRef idx="1">
-              <a:schemeClr val="lt1"/>
-            </a:fillRef>
-            <a:effectRef idx="0">
-              <a:schemeClr val="accent3"/>
-            </a:effectRef>
-            <a:fontRef idx="minor">
-              <a:schemeClr val="dk1"/>
-            </a:fontRef>
-          </p:style>
-          <p:txBody>
-            <a:bodyPr wrap="square" rtlCol="0">
-              <a:spAutoFit/>
-            </a:bodyPr>
-            <a:lstStyle/>
-            <a:p>
-              <a:r>
-                <a:rPr lang="en-US" sz="1600" b="1" dirty="0"/>
-                <a:t>Summary</a:t>
-              </a:r>
-            </a:p>
-          </p:txBody>
-        </p:sp>
-        <p:sp>
-          <p:nvSpPr>
-            <p:cNvPr id="32" name="Textfeld 31">
-              <a:extLst>
-                <a:ext uri="{FF2B5EF4-FFF2-40B4-BE49-F238E27FC236}">
-                  <a16:creationId xmlns:a16="http://schemas.microsoft.com/office/drawing/2014/main" id="{D8C17B26-A823-4057-BC49-2B42DC6E31F5}"/>
-                </a:ext>
-              </a:extLst>
-            </p:cNvPr>
-            <p:cNvSpPr txBox="1"/>
-            <p:nvPr/>
-          </p:nvSpPr>
-          <p:spPr>
-            <a:xfrm>
-              <a:off x="275323" y="6032321"/>
-              <a:ext cx="955711" cy="253916"/>
-            </a:xfrm>
-            <a:prstGeom prst="rect">
-              <a:avLst/>
-            </a:prstGeom>
-            <a:noFill/>
-            <a:ln>
-              <a:noFill/>
-            </a:ln>
-          </p:spPr>
-          <p:style>
-            <a:lnRef idx="2">
-              <a:schemeClr val="accent3"/>
-            </a:lnRef>
-            <a:fillRef idx="1">
-              <a:schemeClr val="lt1"/>
-            </a:fillRef>
-            <a:effectRef idx="0">
-              <a:schemeClr val="accent3"/>
-            </a:effectRef>
-            <a:fontRef idx="minor">
-              <a:schemeClr val="dk1"/>
-            </a:fontRef>
-          </p:style>
-          <p:txBody>
-            <a:bodyPr wrap="square" rtlCol="0">
-              <a:spAutoFit/>
-            </a:bodyPr>
-            <a:lstStyle/>
-            <a:p>
-              <a:r>
-                <a:rPr lang="en-US" sz="1600" dirty="0"/>
-                <a:t>Motivation</a:t>
-              </a:r>
-            </a:p>
-          </p:txBody>
-        </p:sp>
-        <p:sp>
-          <p:nvSpPr>
-            <p:cNvPr id="33" name="Eingekerbter Richtungspfeil 23">
-              <a:extLst>
-                <a:ext uri="{FF2B5EF4-FFF2-40B4-BE49-F238E27FC236}">
-                  <a16:creationId xmlns:a16="http://schemas.microsoft.com/office/drawing/2014/main" id="{E67D7AC4-5F9C-490E-A1D3-2901CC94989C}"/>
-                </a:ext>
-              </a:extLst>
-            </p:cNvPr>
-            <p:cNvSpPr/>
-            <p:nvPr/>
-          </p:nvSpPr>
-          <p:spPr>
-            <a:xfrm>
-              <a:off x="1558592" y="6091573"/>
-              <a:ext cx="158496" cy="158496"/>
-            </a:xfrm>
-            <a:prstGeom prst="chevron">
-              <a:avLst/>
-            </a:prstGeom>
-          </p:spPr>
-          <p:style>
-            <a:lnRef idx="1">
-              <a:schemeClr val="accent4"/>
-            </a:lnRef>
-            <a:fillRef idx="2">
-              <a:schemeClr val="accent4"/>
-            </a:fillRef>
-            <a:effectRef idx="1">
-              <a:schemeClr val="accent4"/>
-            </a:effectRef>
-            <a:fontRef idx="minor">
-              <a:schemeClr val="dk1"/>
-            </a:fontRef>
-          </p:style>
-          <p:txBody>
-            <a:bodyPr rtlCol="0" anchor="ctr"/>
-            <a:lstStyle/>
-            <a:p>
-              <a:pPr algn="ctr"/>
-              <a:endParaRPr lang="de-DE" dirty="0">
-                <a:solidFill>
-                  <a:schemeClr val="tx1"/>
-                </a:solidFill>
-              </a:endParaRPr>
-            </a:p>
-          </p:txBody>
-        </p:sp>
-        <p:sp>
-          <p:nvSpPr>
-            <p:cNvPr id="34" name="Eingekerbter Richtungspfeil 25">
-              <a:extLst>
-                <a:ext uri="{FF2B5EF4-FFF2-40B4-BE49-F238E27FC236}">
-                  <a16:creationId xmlns:a16="http://schemas.microsoft.com/office/drawing/2014/main" id="{BB6C9B0E-0F36-485C-BF13-6011AD2E50A1}"/>
-                </a:ext>
-              </a:extLst>
-            </p:cNvPr>
-            <p:cNvSpPr/>
-            <p:nvPr/>
-          </p:nvSpPr>
-          <p:spPr>
-            <a:xfrm>
-              <a:off x="3610820" y="6091573"/>
-              <a:ext cx="158496" cy="158496"/>
-            </a:xfrm>
-            <a:prstGeom prst="chevron">
-              <a:avLst/>
-            </a:prstGeom>
-          </p:spPr>
-          <p:style>
-            <a:lnRef idx="1">
-              <a:schemeClr val="accent4"/>
-            </a:lnRef>
-            <a:fillRef idx="2">
-              <a:schemeClr val="accent4"/>
-            </a:fillRef>
-            <a:effectRef idx="1">
-              <a:schemeClr val="accent4"/>
-            </a:effectRef>
-            <a:fontRef idx="minor">
-              <a:schemeClr val="dk1"/>
-            </a:fontRef>
-          </p:style>
-          <p:txBody>
-            <a:bodyPr rtlCol="0" anchor="ctr"/>
-            <a:lstStyle/>
-            <a:p>
-              <a:pPr algn="ctr"/>
-              <a:endParaRPr lang="de-DE">
-                <a:solidFill>
-                  <a:schemeClr val="tx1"/>
-                </a:solidFill>
-              </a:endParaRPr>
-            </a:p>
-          </p:txBody>
-        </p:sp>
-        <p:sp>
-          <p:nvSpPr>
-            <p:cNvPr id="35" name="Textfeld 34">
-              <a:extLst>
-                <a:ext uri="{FF2B5EF4-FFF2-40B4-BE49-F238E27FC236}">
-                  <a16:creationId xmlns:a16="http://schemas.microsoft.com/office/drawing/2014/main" id="{E15F2F88-CD15-4DF4-BFB4-E77CFD8FDC9F}"/>
-                </a:ext>
-              </a:extLst>
-            </p:cNvPr>
-            <p:cNvSpPr txBox="1"/>
-            <p:nvPr/>
-          </p:nvSpPr>
-          <p:spPr>
-            <a:xfrm>
-              <a:off x="3999298" y="6043862"/>
-              <a:ext cx="796132" cy="253916"/>
-            </a:xfrm>
-            <a:prstGeom prst="rect">
-              <a:avLst/>
-            </a:prstGeom>
-            <a:noFill/>
-            <a:ln>
-              <a:noFill/>
-            </a:ln>
-          </p:spPr>
-          <p:style>
-            <a:lnRef idx="2">
-              <a:schemeClr val="accent3"/>
-            </a:lnRef>
-            <a:fillRef idx="1">
-              <a:schemeClr val="lt1"/>
-            </a:fillRef>
-            <a:effectRef idx="0">
-              <a:schemeClr val="accent3"/>
-            </a:effectRef>
-            <a:fontRef idx="minor">
-              <a:schemeClr val="dk1"/>
-            </a:fontRef>
-          </p:style>
-          <p:txBody>
-            <a:bodyPr wrap="none" rtlCol="0">
-              <a:spAutoFit/>
-            </a:bodyPr>
-            <a:lstStyle/>
-            <a:p>
-              <a:r>
-                <a:rPr lang="en-US" sz="1600" dirty="0"/>
-                <a:t>Approach</a:t>
-              </a:r>
-            </a:p>
-          </p:txBody>
-        </p:sp>
-        <p:sp>
-          <p:nvSpPr>
-            <p:cNvPr id="36" name="Eingekerbter Richtungspfeil 27">
-              <a:extLst>
-                <a:ext uri="{FF2B5EF4-FFF2-40B4-BE49-F238E27FC236}">
-                  <a16:creationId xmlns:a16="http://schemas.microsoft.com/office/drawing/2014/main" id="{C227EB46-05CC-4F71-ACA3-1FA73554FFC7}"/>
-                </a:ext>
-              </a:extLst>
-            </p:cNvPr>
-            <p:cNvSpPr/>
-            <p:nvPr/>
-          </p:nvSpPr>
-          <p:spPr>
-            <a:xfrm>
-              <a:off x="6635156" y="6091573"/>
-              <a:ext cx="158496" cy="158496"/>
-            </a:xfrm>
-            <a:prstGeom prst="chevron">
-              <a:avLst/>
-            </a:prstGeom>
-          </p:spPr>
-          <p:style>
-            <a:lnRef idx="1">
-              <a:schemeClr val="accent4"/>
-            </a:lnRef>
-            <a:fillRef idx="2">
-              <a:schemeClr val="accent4"/>
-            </a:fillRef>
-            <a:effectRef idx="1">
-              <a:schemeClr val="accent4"/>
-            </a:effectRef>
-            <a:fontRef idx="minor">
-              <a:schemeClr val="dk1"/>
-            </a:fontRef>
-          </p:style>
-          <p:txBody>
-            <a:bodyPr rtlCol="0" anchor="ctr"/>
-            <a:lstStyle/>
-            <a:p>
-              <a:pPr algn="ctr"/>
-              <a:endParaRPr lang="de-DE">
-                <a:solidFill>
-                  <a:schemeClr val="tx1"/>
-                </a:solidFill>
-              </a:endParaRPr>
-            </a:p>
-          </p:txBody>
-        </p:sp>
-        <p:cxnSp>
-          <p:nvCxnSpPr>
-            <p:cNvPr id="37" name="Gerade Verbindung 28">
-              <a:extLst>
-                <a:ext uri="{FF2B5EF4-FFF2-40B4-BE49-F238E27FC236}">
-                  <a16:creationId xmlns:a16="http://schemas.microsoft.com/office/drawing/2014/main" id="{B7514085-60E9-4C9C-8ECA-420ECF4D942B}"/>
-                </a:ext>
-              </a:extLst>
-            </p:cNvPr>
-            <p:cNvCxnSpPr/>
-            <p:nvPr/>
-          </p:nvCxnSpPr>
-          <p:spPr>
-            <a:xfrm>
-              <a:off x="25400" y="5986694"/>
-              <a:ext cx="9072000" cy="1588"/>
-            </a:xfrm>
-            <a:prstGeom prst="line">
-              <a:avLst/>
-            </a:prstGeom>
-            <a:ln w="41275">
-              <a:solidFill>
-                <a:schemeClr val="accent3">
-                  <a:lumMod val="85000"/>
-                </a:schemeClr>
-              </a:solidFill>
-            </a:ln>
-          </p:spPr>
-          <p:style>
-            <a:lnRef idx="1">
-              <a:schemeClr val="accent1"/>
-            </a:lnRef>
-            <a:fillRef idx="0">
-              <a:schemeClr val="accent1"/>
-            </a:fillRef>
-            <a:effectRef idx="0">
-              <a:schemeClr val="accent1"/>
-            </a:effectRef>
-            <a:fontRef idx="minor">
-              <a:schemeClr val="tx1"/>
-            </a:fontRef>
-          </p:style>
-        </p:cxnSp>
-        <p:sp>
-          <p:nvSpPr>
-            <p:cNvPr id="38" name="Eingekerbter Richtungspfeil 29">
-              <a:extLst>
-                <a:ext uri="{FF2B5EF4-FFF2-40B4-BE49-F238E27FC236}">
-                  <a16:creationId xmlns:a16="http://schemas.microsoft.com/office/drawing/2014/main" id="{21911FFC-4E4C-4F75-BBDA-DE6708A838C9}"/>
-                </a:ext>
-              </a:extLst>
-            </p:cNvPr>
-            <p:cNvSpPr/>
-            <p:nvPr/>
-          </p:nvSpPr>
-          <p:spPr>
-            <a:xfrm>
-              <a:off x="5068982" y="6091573"/>
-              <a:ext cx="158496" cy="158496"/>
-            </a:xfrm>
-            <a:prstGeom prst="chevron">
-              <a:avLst/>
-            </a:prstGeom>
-          </p:spPr>
-          <p:style>
-            <a:lnRef idx="1">
-              <a:schemeClr val="accent4"/>
-            </a:lnRef>
-            <a:fillRef idx="2">
-              <a:schemeClr val="accent4"/>
-            </a:fillRef>
-            <a:effectRef idx="1">
-              <a:schemeClr val="accent4"/>
-            </a:effectRef>
-            <a:fontRef idx="minor">
-              <a:schemeClr val="dk1"/>
-            </a:fontRef>
-          </p:style>
-          <p:txBody>
-            <a:bodyPr rtlCol="0" anchor="ctr"/>
-            <a:lstStyle/>
-            <a:p>
-              <a:pPr algn="ctr"/>
-              <a:endParaRPr lang="de-DE">
-                <a:solidFill>
-                  <a:schemeClr val="tx1"/>
-                </a:solidFill>
-              </a:endParaRPr>
-            </a:p>
-          </p:txBody>
-        </p:sp>
-      </p:grpSp>
-    </p:spTree>
-    <p:extLst>
-      <p:ext uri="{BB962C8B-B14F-4D97-AF65-F5344CB8AC3E}">
-        <p14:creationId xmlns:p14="http://schemas.microsoft.com/office/powerpoint/2010/main" val="3393392867"/>
-      </p:ext>
-    </p:extLst>
-  </p:cSld>
-  <p:clrMapOvr>
-    <a:masterClrMapping/>
-  </p:clrMapOvr>
-</p:sld>
-</file>
-
-<file path=ppt/slides/slide24.xml><?xml version="1.0" encoding="utf-8"?>
-<p:sld xmlns:a="http://schemas.openxmlformats.org/drawingml/2006/main" xmlns:r="http://schemas.openxmlformats.org/officeDocument/2006/relationships" xmlns:p="http://schemas.openxmlformats.org/presentationml/2006/main">
-  <p:cSld>
-    <p:spTree>
-      <p:nvGrpSpPr>
-        <p:cNvPr id="1" name=""/>
-        <p:cNvGrpSpPr/>
-        <p:nvPr/>
-      </p:nvGrpSpPr>
-      <p:grpSpPr>
-        <a:xfrm>
-          <a:off x="0" y="0"/>
-          <a:ext cx="0" cy="0"/>
-          <a:chOff x="0" y="0"/>
-          <a:chExt cx="0" cy="0"/>
-        </a:xfrm>
-      </p:grpSpPr>
-      <p:sp>
-        <p:nvSpPr>
-          <p:cNvPr id="29698" name="Rectangle 2"/>
-          <p:cNvSpPr>
-            <a:spLocks noGrp="1" noChangeArrowheads="1"/>
-          </p:cNvSpPr>
-          <p:nvPr>
-            <p:ph type="title"/>
-          </p:nvPr>
-        </p:nvSpPr>
-        <p:spPr/>
-        <p:txBody>
-          <a:bodyPr/>
-          <a:lstStyle/>
-          <a:p>
-            <a:r>
-              <a:rPr lang="en-US" dirty="0"/>
               <a:t>Bibliography</a:t>
             </a:r>
           </a:p>
@@ -16009,12 +15403,8 @@
               <a:t>[5] </a:t>
             </a:r>
             <a:r>
-              <a:rPr lang="en-US" sz="1800" dirty="0" err="1"/>
-              <a:t>Raaele</a:t>
-            </a:r>
-            <a:r>
               <a:rPr lang="en-US" sz="1800" dirty="0"/>
-              <a:t> </a:t>
+              <a:t>Raffaele </a:t>
             </a:r>
             <a:r>
               <a:rPr lang="en-US" sz="1800" dirty="0" err="1"/>
@@ -16051,7 +15441,7 @@
 </p:sld>
 </file>
 
-<file path=ppt/slides/slide25.xml><?xml version="1.0" encoding="utf-8"?>
+<file path=ppt/slides/slide24.xml><?xml version="1.0" encoding="utf-8"?>
 <p:sld xmlns:a="http://schemas.openxmlformats.org/drawingml/2006/main" xmlns:r="http://schemas.openxmlformats.org/officeDocument/2006/relationships" xmlns:p="http://schemas.openxmlformats.org/presentationml/2006/main">
   <p:cSld>
     <p:spTree>
@@ -16128,7 +15518,7 @@
 </p:sld>
 </file>
 
-<file path=ppt/slides/slide26.xml><?xml version="1.0" encoding="utf-8"?>
+<file path=ppt/slides/slide25.xml><?xml version="1.0" encoding="utf-8"?>
 <p:sld xmlns:a="http://schemas.openxmlformats.org/drawingml/2006/main" xmlns:r="http://schemas.openxmlformats.org/officeDocument/2006/relationships" xmlns:p="http://schemas.openxmlformats.org/presentationml/2006/main">
   <p:cSld>
     <p:spTree>
